--- a/Report/BaoVe/TrinhDien/Slide.pptx
+++ b/Report/BaoVe/TrinhDien/Slide.pptx
@@ -31,13 +31,17 @@
     <p:sldId id="310" r:id="rId25"/>
     <p:sldId id="311" r:id="rId26"/>
     <p:sldId id="316" r:id="rId27"/>
-    <p:sldId id="322" r:id="rId28"/>
-    <p:sldId id="318" r:id="rId29"/>
-    <p:sldId id="321" r:id="rId30"/>
-    <p:sldId id="319" r:id="rId31"/>
-    <p:sldId id="323" r:id="rId32"/>
-    <p:sldId id="320" r:id="rId33"/>
-    <p:sldId id="276" r:id="rId34"/>
+    <p:sldId id="324" r:id="rId28"/>
+    <p:sldId id="325" r:id="rId29"/>
+    <p:sldId id="326" r:id="rId30"/>
+    <p:sldId id="327" r:id="rId31"/>
+    <p:sldId id="322" r:id="rId32"/>
+    <p:sldId id="318" r:id="rId33"/>
+    <p:sldId id="321" r:id="rId34"/>
+    <p:sldId id="319" r:id="rId35"/>
+    <p:sldId id="323" r:id="rId36"/>
+    <p:sldId id="320" r:id="rId37"/>
+    <p:sldId id="276" r:id="rId38"/>
   </p:sldIdLst>
   <p:sldSz cx="9144000" cy="6858000" type="screen4x3"/>
   <p:notesSz cx="6858000" cy="9144000"/>
@@ -8550,7 +8554,6 @@
               <a:rPr lang="en-US" dirty="0"/>
               <a:t> MVC</a:t>
             </a:r>
-            <a:endParaRPr lang="en-US" dirty="0"/>
           </a:p>
         </p:txBody>
       </p:sp>
@@ -8571,7 +8574,7 @@
         </p:nvGraphicFramePr>
         <p:xfrm>
           <a:off x="914400" y="838200"/>
-          <a:ext cx="7086600" cy="5465755"/>
+          <a:ext cx="7086600" cy="5507919"/>
         </p:xfrm>
         <a:graphic>
           <a:graphicData uri="http://schemas.openxmlformats.org/drawingml/2006/table">
@@ -8620,17 +8623,6 @@
                         </a:rPr>
                         <a:t>Model</a:t>
                       </a:r>
-                      <a:endParaRPr kumimoji="0" lang="en-US" sz="1500" b="1" i="0" u="none" strike="noStrike" cap="none" normalizeH="0" baseline="0" dirty="0" smtClean="0">
-                        <a:ln>
-                          <a:noFill/>
-                        </a:ln>
-                        <a:solidFill>
-                          <a:schemeClr val="tx1"/>
-                        </a:solidFill>
-                        <a:effectLst/>
-                        <a:latin typeface="Times New Roman" pitchFamily="18" charset="0"/>
-                        <a:cs typeface="Times New Roman" pitchFamily="18" charset="0"/>
-                      </a:endParaRPr>
                     </a:p>
                   </a:txBody>
                   <a:tcPr marL="95782" marR="95782" marT="47891" marB="47891" anchor="ctr" horzOverflow="overflow">
@@ -12359,7 +12351,6 @@
               <a:rPr lang="en-US" dirty="0"/>
               <a:t> MVC</a:t>
             </a:r>
-            <a:endParaRPr lang="en-US" dirty="0"/>
           </a:p>
         </p:txBody>
       </p:sp>
@@ -12380,7 +12371,7 @@
         </p:nvGraphicFramePr>
         <p:xfrm>
           <a:off x="914400" y="1066801"/>
-          <a:ext cx="7086600" cy="5148271"/>
+          <a:ext cx="7086600" cy="5169353"/>
         </p:xfrm>
         <a:graphic>
           <a:graphicData uri="http://schemas.openxmlformats.org/drawingml/2006/table">
@@ -12429,17 +12420,6 @@
                         </a:rPr>
                         <a:t>Controller</a:t>
                       </a:r>
-                      <a:endParaRPr kumimoji="0" lang="en-US" sz="1500" b="1" i="0" u="none" strike="noStrike" cap="none" normalizeH="0" baseline="0" dirty="0" smtClean="0">
-                        <a:ln>
-                          <a:noFill/>
-                        </a:ln>
-                        <a:solidFill>
-                          <a:schemeClr val="tx1"/>
-                        </a:solidFill>
-                        <a:effectLst/>
-                        <a:latin typeface="Times New Roman" pitchFamily="18" charset="0"/>
-                        <a:cs typeface="Times New Roman" pitchFamily="18" charset="0"/>
-                      </a:endParaRPr>
                     </a:p>
                   </a:txBody>
                   <a:tcPr marL="95782" marR="95782" marT="47891" marB="47891" anchor="ctr" horzOverflow="overflow">
@@ -15961,7 +15941,6 @@
               <a:rPr lang="en-US" dirty="0"/>
               <a:t> MVC</a:t>
             </a:r>
-            <a:endParaRPr lang="en-US" dirty="0"/>
           </a:p>
         </p:txBody>
       </p:sp>
@@ -16031,17 +16010,6 @@
                         </a:rPr>
                         <a:t>View</a:t>
                       </a:r>
-                      <a:endParaRPr kumimoji="0" lang="en-US" sz="1500" b="1" i="0" u="none" strike="noStrike" cap="none" normalizeH="0" baseline="0" dirty="0" smtClean="0">
-                        <a:ln>
-                          <a:noFill/>
-                        </a:ln>
-                        <a:solidFill>
-                          <a:schemeClr val="tx1"/>
-                        </a:solidFill>
-                        <a:effectLst/>
-                        <a:latin typeface="Times New Roman" pitchFamily="18" charset="0"/>
-                        <a:cs typeface="Times New Roman" pitchFamily="18" charset="0"/>
-                      </a:endParaRPr>
                     </a:p>
                   </a:txBody>
                   <a:tcPr marL="95782" marR="95782" marT="47891" marB="47891" anchor="ctr" horzOverflow="overflow">
@@ -17039,6 +17007,47 @@
           </a:p>
         </p:txBody>
       </p:sp>
+      <p:pic>
+        <p:nvPicPr>
+          <p:cNvPr id="1026" name="Picture 2" descr="D:\TEMP\20132-Project\Graduate_Project\Report\BaoVe\resource\home.PNG"/>
+          <p:cNvPicPr>
+            <a:picLocks noChangeAspect="1" noChangeArrowheads="1"/>
+          </p:cNvPicPr>
+          <p:nvPr/>
+        </p:nvPicPr>
+        <p:blipFill>
+          <a:blip r:embed="rId2">
+            <a:extLst>
+              <a:ext uri="{28A0092B-C50C-407E-A947-70E740481C1C}">
+                <a14:useLocalDpi xmlns:a14="http://schemas.microsoft.com/office/drawing/2010/main" val="0"/>
+              </a:ext>
+            </a:extLst>
+          </a:blip>
+          <a:srcRect/>
+          <a:stretch>
+            <a:fillRect/>
+          </a:stretch>
+        </p:blipFill>
+        <p:spPr bwMode="auto">
+          <a:xfrm>
+            <a:off x="228600" y="1143000"/>
+            <a:ext cx="8686800" cy="5181600"/>
+          </a:xfrm>
+          <a:prstGeom prst="rect">
+            <a:avLst/>
+          </a:prstGeom>
+          <a:noFill/>
+          <a:extLst>
+            <a:ext uri="{909E8E84-426E-40DD-AFC4-6F175D3DCCD1}">
+              <a14:hiddenFill xmlns:a14="http://schemas.microsoft.com/office/drawing/2010/main">
+                <a:solidFill>
+                  <a:srgbClr val="FFFFFF"/>
+                </a:solidFill>
+              </a14:hiddenFill>
+            </a:ext>
+          </a:extLst>
+        </p:spPr>
+      </p:pic>
     </p:spTree>
     <p:extLst>
       <p:ext uri="{BB962C8B-B14F-4D97-AF65-F5344CB8AC3E}">
@@ -17092,19 +17101,19 @@
           <a:lstStyle/>
           <a:p>
             <a:r>
-              <a:rPr lang="en-US" dirty="0" err="1"/>
-              <a:t>Đánh</a:t>
-            </a:r>
-            <a:r>
-              <a:rPr lang="en-US" dirty="0"/>
-              <a:t> </a:t>
-            </a:r>
-            <a:r>
-              <a:rPr lang="en-US" dirty="0" err="1"/>
-              <a:t>giá</a:t>
-            </a:r>
-            <a:r>
-              <a:rPr lang="en-US" dirty="0"/>
+              <a:rPr lang="en-US" dirty="0" err="1" smtClean="0"/>
+              <a:t>Kết</a:t>
+            </a:r>
+            <a:r>
+              <a:rPr lang="en-US" dirty="0" smtClean="0"/>
+              <a:t> </a:t>
+            </a:r>
+            <a:r>
+              <a:rPr lang="en-US" dirty="0" err="1" smtClean="0"/>
+              <a:t>quả</a:t>
+            </a:r>
+            <a:r>
+              <a:rPr lang="en-US" dirty="0" smtClean="0"/>
               <a:t> </a:t>
             </a:r>
             <a:r>
@@ -17138,414 +17147,68 @@
           <a:bodyPr/>
           <a:lstStyle/>
           <a:p>
-            <a:r>
-              <a:rPr lang="en-US" sz="2800" b="0" dirty="0" err="1"/>
-              <a:t>Chương</a:t>
-            </a:r>
-            <a:r>
-              <a:rPr lang="en-US" sz="2800" b="0" dirty="0"/>
-              <a:t> </a:t>
-            </a:r>
-            <a:r>
-              <a:rPr lang="en-US" sz="2800" b="0" dirty="0" err="1"/>
-              <a:t>trình</a:t>
-            </a:r>
-            <a:r>
-              <a:rPr lang="en-US" sz="2800" b="0" dirty="0"/>
-              <a:t> </a:t>
-            </a:r>
-            <a:r>
-              <a:rPr lang="en-US" sz="2800" b="0" dirty="0" err="1"/>
-              <a:t>hoạt</a:t>
-            </a:r>
-            <a:r>
-              <a:rPr lang="en-US" sz="2800" b="0" dirty="0"/>
-              <a:t> </a:t>
-            </a:r>
-            <a:r>
-              <a:rPr lang="en-US" sz="2800" b="0" dirty="0" err="1"/>
-              <a:t>động</a:t>
-            </a:r>
-            <a:r>
-              <a:rPr lang="en-US" sz="2800" b="0" dirty="0"/>
-              <a:t> </a:t>
-            </a:r>
-            <a:r>
-              <a:rPr lang="en-US" sz="2800" b="0" dirty="0" err="1"/>
-              <a:t>theo</a:t>
-            </a:r>
-            <a:r>
-              <a:rPr lang="en-US" sz="2800" b="0" dirty="0"/>
-              <a:t> </a:t>
-            </a:r>
-            <a:r>
-              <a:rPr lang="en-US" sz="2800" b="0" dirty="0" err="1"/>
-              <a:t>đúng</a:t>
-            </a:r>
-            <a:r>
-              <a:rPr lang="en-US" sz="2800" b="0" dirty="0"/>
-              <a:t> </a:t>
-            </a:r>
-            <a:r>
-              <a:rPr lang="en-US" sz="2800" b="0" dirty="0" err="1"/>
-              <a:t>quy</a:t>
-            </a:r>
-            <a:r>
-              <a:rPr lang="en-US" sz="2800" b="0" dirty="0"/>
-              <a:t> </a:t>
-            </a:r>
-            <a:r>
-              <a:rPr lang="en-US" sz="2800" b="0" dirty="0" err="1" smtClean="0"/>
-              <a:t>trình</a:t>
-            </a:r>
-            <a:r>
-              <a:rPr lang="en-US" sz="2800" b="0" dirty="0" smtClean="0"/>
-              <a:t> </a:t>
-            </a:r>
-            <a:r>
-              <a:rPr lang="en-US" sz="2800" b="0" dirty="0" err="1" smtClean="0"/>
-              <a:t>nghiệp</a:t>
-            </a:r>
-            <a:r>
-              <a:rPr lang="en-US" sz="2800" b="0" dirty="0" smtClean="0"/>
-              <a:t> </a:t>
-            </a:r>
-            <a:r>
-              <a:rPr lang="en-US" sz="2800" b="0" dirty="0" err="1" smtClean="0"/>
-              <a:t>vụ</a:t>
-            </a:r>
-            <a:r>
-              <a:rPr lang="en-US" sz="2800" b="0" dirty="0" smtClean="0"/>
-              <a:t> </a:t>
-            </a:r>
-            <a:r>
-              <a:rPr lang="en-US" sz="2800" b="0" dirty="0" err="1"/>
-              <a:t>và</a:t>
-            </a:r>
-            <a:r>
-              <a:rPr lang="en-US" sz="2800" b="0" dirty="0"/>
-              <a:t> </a:t>
-            </a:r>
-            <a:r>
-              <a:rPr lang="en-US" sz="2800" b="0" dirty="0" err="1"/>
-              <a:t>cho</a:t>
-            </a:r>
-            <a:r>
-              <a:rPr lang="en-US" sz="2800" b="0" dirty="0"/>
-              <a:t> </a:t>
-            </a:r>
-            <a:r>
-              <a:rPr lang="en-US" sz="2800" b="0" dirty="0" err="1"/>
-              <a:t>kết</a:t>
-            </a:r>
-            <a:r>
-              <a:rPr lang="en-US" sz="2800" b="0" dirty="0"/>
-              <a:t> </a:t>
-            </a:r>
-            <a:r>
-              <a:rPr lang="en-US" sz="2800" b="0" dirty="0" err="1"/>
-              <a:t>quả</a:t>
-            </a:r>
-            <a:r>
-              <a:rPr lang="en-US" sz="2800" b="0" dirty="0"/>
-              <a:t> </a:t>
-            </a:r>
-            <a:r>
-              <a:rPr lang="en-US" sz="2800" b="0" dirty="0" err="1"/>
-              <a:t>hiển</a:t>
-            </a:r>
-            <a:r>
-              <a:rPr lang="en-US" sz="2800" b="0" dirty="0"/>
-              <a:t> </a:t>
-            </a:r>
-            <a:r>
-              <a:rPr lang="en-US" sz="2800" b="0" dirty="0" err="1"/>
-              <a:t>thị</a:t>
-            </a:r>
-            <a:r>
-              <a:rPr lang="en-US" sz="2800" b="0" dirty="0"/>
-              <a:t> </a:t>
-            </a:r>
-            <a:r>
-              <a:rPr lang="en-US" sz="2800" b="0" dirty="0" err="1"/>
-              <a:t>đúng</a:t>
-            </a:r>
-            <a:r>
-              <a:rPr lang="en-US" sz="2800" b="0" dirty="0"/>
-              <a:t>, </a:t>
-            </a:r>
-            <a:r>
-              <a:rPr lang="en-US" sz="2800" b="0" dirty="0" err="1"/>
-              <a:t>không</a:t>
-            </a:r>
-            <a:r>
-              <a:rPr lang="en-US" sz="2800" b="0" dirty="0"/>
-              <a:t> </a:t>
-            </a:r>
-            <a:r>
-              <a:rPr lang="en-US" sz="2800" b="0" dirty="0" err="1"/>
-              <a:t>xảy</a:t>
-            </a:r>
-            <a:r>
-              <a:rPr lang="en-US" sz="2800" b="0" dirty="0"/>
-              <a:t> </a:t>
-            </a:r>
-            <a:r>
-              <a:rPr lang="en-US" sz="2800" b="0" dirty="0" err="1"/>
-              <a:t>ra</a:t>
-            </a:r>
-            <a:r>
-              <a:rPr lang="en-US" sz="2800" b="0" dirty="0"/>
-              <a:t> </a:t>
-            </a:r>
-            <a:r>
-              <a:rPr lang="en-US" sz="2800" b="0" dirty="0" err="1" smtClean="0"/>
-              <a:t>lỗi</a:t>
-            </a:r>
-            <a:endParaRPr lang="en-US" sz="2800" b="0" dirty="0" smtClean="0"/>
-          </a:p>
-          <a:p>
-            <a:r>
-              <a:rPr lang="en-US" sz="2800" b="0" dirty="0" err="1" smtClean="0"/>
-              <a:t>Khi</a:t>
-            </a:r>
-            <a:r>
-              <a:rPr lang="en-US" sz="2800" b="0" dirty="0" smtClean="0"/>
-              <a:t> </a:t>
-            </a:r>
-            <a:r>
-              <a:rPr lang="en-US" sz="2800" b="0" dirty="0" err="1"/>
-              <a:t>triển</a:t>
-            </a:r>
-            <a:r>
-              <a:rPr lang="en-US" sz="2800" b="0" dirty="0"/>
-              <a:t> </a:t>
-            </a:r>
-            <a:r>
-              <a:rPr lang="en-US" sz="2800" b="0" dirty="0" err="1"/>
-              <a:t>khai</a:t>
-            </a:r>
-            <a:r>
-              <a:rPr lang="en-US" sz="2800" b="0" dirty="0"/>
-              <a:t> </a:t>
-            </a:r>
-            <a:r>
-              <a:rPr lang="en-US" sz="2800" b="0" dirty="0" err="1"/>
-              <a:t>trên</a:t>
-            </a:r>
-            <a:r>
-              <a:rPr lang="en-US" sz="2800" b="0" dirty="0"/>
-              <a:t> </a:t>
-            </a:r>
-            <a:r>
-              <a:rPr lang="en-US" sz="2800" b="0" dirty="0" err="1"/>
-              <a:t>máy</a:t>
-            </a:r>
-            <a:r>
-              <a:rPr lang="en-US" sz="2800" b="0" dirty="0"/>
-              <a:t> </a:t>
-            </a:r>
-            <a:r>
-              <a:rPr lang="en-US" sz="2800" b="0" dirty="0" err="1"/>
-              <a:t>chủ</a:t>
-            </a:r>
-            <a:r>
-              <a:rPr lang="en-US" sz="2800" b="0" dirty="0"/>
-              <a:t> (server</a:t>
-            </a:r>
-            <a:r>
-              <a:rPr lang="en-US" sz="2800" b="0" dirty="0" smtClean="0"/>
-              <a:t>) </a:t>
-            </a:r>
-            <a:r>
-              <a:rPr lang="en-US" sz="2800" b="0" dirty="0" err="1"/>
-              <a:t>ứng</a:t>
-            </a:r>
-            <a:r>
-              <a:rPr lang="en-US" sz="2800" b="0" dirty="0"/>
-              <a:t> </a:t>
-            </a:r>
-            <a:r>
-              <a:rPr lang="en-US" sz="2800" b="0" dirty="0" err="1"/>
-              <a:t>dụng</a:t>
-            </a:r>
-            <a:r>
-              <a:rPr lang="en-US" sz="2800" b="0" dirty="0"/>
-              <a:t> </a:t>
-            </a:r>
-            <a:r>
-              <a:rPr lang="en-US" sz="2800" b="0" dirty="0" err="1" smtClean="0"/>
-              <a:t>chạy</a:t>
-            </a:r>
-            <a:r>
-              <a:rPr lang="en-US" sz="2800" b="0" dirty="0" smtClean="0"/>
-              <a:t> </a:t>
-            </a:r>
-            <a:r>
-              <a:rPr lang="en-US" sz="2800" b="0" dirty="0" err="1" smtClean="0"/>
-              <a:t>chậm</a:t>
-            </a:r>
-            <a:r>
-              <a:rPr lang="en-US" sz="2800" b="0" dirty="0" smtClean="0"/>
-              <a:t>, </a:t>
-            </a:r>
-            <a:r>
-              <a:rPr lang="en-US" sz="2800" b="0" dirty="0" err="1" smtClean="0"/>
-              <a:t>đặc</a:t>
-            </a:r>
-            <a:r>
-              <a:rPr lang="en-US" sz="2800" b="0" dirty="0" smtClean="0"/>
-              <a:t> </a:t>
-            </a:r>
-            <a:r>
-              <a:rPr lang="en-US" sz="2800" b="0" dirty="0" err="1" smtClean="0"/>
-              <a:t>biệt</a:t>
-            </a:r>
-            <a:r>
-              <a:rPr lang="en-US" sz="2800" b="0" dirty="0" smtClean="0"/>
-              <a:t> </a:t>
-            </a:r>
-            <a:r>
-              <a:rPr lang="en-US" sz="2800" b="0" dirty="0" err="1" smtClean="0"/>
-              <a:t>là</a:t>
-            </a:r>
-            <a:r>
-              <a:rPr lang="en-US" sz="2800" b="0" dirty="0" smtClean="0"/>
-              <a:t> </a:t>
-            </a:r>
-            <a:r>
-              <a:rPr lang="en-US" sz="2800" b="0" dirty="0" err="1" smtClean="0"/>
-              <a:t>khi</a:t>
-            </a:r>
-            <a:r>
-              <a:rPr lang="en-US" sz="2800" b="0" dirty="0" smtClean="0"/>
-              <a:t> </a:t>
-            </a:r>
-            <a:r>
-              <a:rPr lang="en-US" sz="2800" b="0" dirty="0" err="1" smtClean="0"/>
-              <a:t>cả</a:t>
-            </a:r>
-            <a:r>
-              <a:rPr lang="en-US" sz="2800" b="0" dirty="0" smtClean="0"/>
-              <a:t> </a:t>
-            </a:r>
-            <a:r>
-              <a:rPr lang="en-US" sz="2800" b="0" dirty="0" err="1" smtClean="0"/>
-              <a:t>tài</a:t>
-            </a:r>
-            <a:r>
-              <a:rPr lang="en-US" sz="2800" b="0" dirty="0" smtClean="0"/>
-              <a:t> </a:t>
-            </a:r>
-            <a:r>
-              <a:rPr lang="en-US" sz="2800" b="0" dirty="0" err="1" smtClean="0"/>
-              <a:t>khoản</a:t>
-            </a:r>
-            <a:r>
-              <a:rPr lang="en-US" sz="2800" b="0" dirty="0" smtClean="0"/>
-              <a:t> </a:t>
-            </a:r>
-            <a:r>
-              <a:rPr lang="en-US" sz="2800" b="0" dirty="0" err="1" smtClean="0"/>
-              <a:t>ứng</a:t>
-            </a:r>
-            <a:r>
-              <a:rPr lang="en-US" sz="2800" b="0" dirty="0" smtClean="0"/>
-              <a:t> </a:t>
-            </a:r>
-            <a:r>
-              <a:rPr lang="en-US" sz="2800" b="0" dirty="0" err="1" smtClean="0"/>
-              <a:t>dụng</a:t>
-            </a:r>
-            <a:r>
-              <a:rPr lang="en-US" sz="2800" b="0" dirty="0" smtClean="0"/>
-              <a:t> </a:t>
-            </a:r>
-            <a:r>
-              <a:rPr lang="en-US" sz="2800" b="0" dirty="0" err="1" smtClean="0"/>
-              <a:t>đặt</a:t>
-            </a:r>
-            <a:r>
-              <a:rPr lang="en-US" sz="2800" b="0" dirty="0" smtClean="0"/>
-              <a:t> </a:t>
-            </a:r>
-            <a:r>
-              <a:rPr lang="en-US" sz="2800" b="0" dirty="0" err="1" smtClean="0"/>
-              <a:t>hàng</a:t>
-            </a:r>
-            <a:r>
-              <a:rPr lang="en-US" sz="2800" b="0" dirty="0" smtClean="0"/>
-              <a:t> </a:t>
-            </a:r>
-            <a:r>
-              <a:rPr lang="en-US" sz="2800" b="0" dirty="0" err="1" smtClean="0"/>
-              <a:t>và</a:t>
-            </a:r>
-            <a:r>
-              <a:rPr lang="en-US" sz="2800" b="0" dirty="0" smtClean="0"/>
-              <a:t> </a:t>
-            </a:r>
-            <a:r>
-              <a:rPr lang="en-US" sz="2800" b="0" dirty="0" err="1" smtClean="0"/>
-              <a:t>ứng</a:t>
-            </a:r>
-            <a:r>
-              <a:rPr lang="en-US" sz="2800" b="0" dirty="0" smtClean="0"/>
-              <a:t> </a:t>
-            </a:r>
-            <a:r>
-              <a:rPr lang="en-US" sz="2800" b="0" dirty="0" err="1" smtClean="0"/>
-              <a:t>dụng</a:t>
-            </a:r>
-            <a:r>
-              <a:rPr lang="en-US" sz="2800" b="0" dirty="0" smtClean="0"/>
-              <a:t> web </a:t>
-            </a:r>
-            <a:r>
-              <a:rPr lang="en-US" sz="2800" b="0" dirty="0" err="1" smtClean="0"/>
-              <a:t>cùng</a:t>
-            </a:r>
-            <a:r>
-              <a:rPr lang="en-US" sz="2800" b="0" dirty="0" smtClean="0"/>
-              <a:t> </a:t>
-            </a:r>
-            <a:r>
-              <a:rPr lang="en-US" sz="2800" b="0" dirty="0" err="1" smtClean="0"/>
-              <a:t>lúc</a:t>
-            </a:r>
-            <a:r>
-              <a:rPr lang="en-US" sz="2800" b="0" dirty="0" smtClean="0"/>
-              <a:t> </a:t>
-            </a:r>
-            <a:r>
-              <a:rPr lang="en-US" sz="2800" b="0" dirty="0" err="1" smtClean="0"/>
-              <a:t>hoạt</a:t>
-            </a:r>
-            <a:r>
-              <a:rPr lang="en-US" sz="2800" b="0" dirty="0" smtClean="0"/>
-              <a:t> </a:t>
-            </a:r>
-            <a:r>
-              <a:rPr lang="en-US" sz="2800" b="0" dirty="0" err="1" smtClean="0"/>
-              <a:t>động</a:t>
-            </a:r>
-            <a:endParaRPr lang="en-US" sz="2800" b="0" dirty="0"/>
-          </a:p>
-          <a:p>
-            <a:endParaRPr lang="en-US" dirty="0"/>
+            <a:endParaRPr lang="en-US"/>
           </a:p>
         </p:txBody>
       </p:sp>
+      <p:pic>
+        <p:nvPicPr>
+          <p:cNvPr id="2050" name="Picture 2" descr="D:\TEMP\20132-Project\Graduate_Project\Report\BaoVe\resource\staff.PNG"/>
+          <p:cNvPicPr>
+            <a:picLocks noChangeAspect="1" noChangeArrowheads="1"/>
+          </p:cNvPicPr>
+          <p:nvPr/>
+        </p:nvPicPr>
+        <p:blipFill>
+          <a:blip r:embed="rId2">
+            <a:extLst>
+              <a:ext uri="{28A0092B-C50C-407E-A947-70E740481C1C}">
+                <a14:useLocalDpi xmlns:a14="http://schemas.microsoft.com/office/drawing/2010/main" val="0"/>
+              </a:ext>
+            </a:extLst>
+          </a:blip>
+          <a:srcRect/>
+          <a:stretch>
+            <a:fillRect/>
+          </a:stretch>
+        </p:blipFill>
+        <p:spPr bwMode="auto">
+          <a:xfrm>
+            <a:off x="381000" y="1066800"/>
+            <a:ext cx="8382001" cy="5276921"/>
+          </a:xfrm>
+          <a:prstGeom prst="rect">
+            <a:avLst/>
+          </a:prstGeom>
+          <a:noFill/>
+          <a:extLst>
+            <a:ext uri="{909E8E84-426E-40DD-AFC4-6F175D3DCCD1}">
+              <a14:hiddenFill xmlns:a14="http://schemas.microsoft.com/office/drawing/2010/main">
+                <a:solidFill>
+                  <a:srgbClr val="FFFFFF"/>
+                </a:solidFill>
+              </a14:hiddenFill>
+            </a:ext>
+          </a:extLst>
+        </p:spPr>
+      </p:pic>
     </p:spTree>
     <p:extLst>
       <p:ext uri="{BB962C8B-B14F-4D97-AF65-F5344CB8AC3E}">
-        <p14:creationId xmlns:p14="http://schemas.microsoft.com/office/powerpoint/2010/main" val="229301123"/>
+        <p14:creationId xmlns:p14="http://schemas.microsoft.com/office/powerpoint/2010/main" val="1281075721"/>
       </p:ext>
     </p:extLst>
   </p:cSld>
   <p:clrMapOvr>
     <a:masterClrMapping/>
   </p:clrMapOvr>
+  <p:timing>
+    <p:tnLst>
+      <p:par>
+        <p:cTn id="1" dur="indefinite" restart="never" nodeType="tmRoot"/>
+      </p:par>
+    </p:tnLst>
+  </p:timing>
 </p:sld>
 </file>
 
@@ -17582,522 +17245,84 @@
           <a:lstStyle/>
           <a:p>
             <a:r>
-              <a:rPr lang="en-US" dirty="0" err="1" smtClean="0"/>
+              <a:rPr lang="en-US" dirty="0" err="1"/>
               <a:t>Kết</a:t>
             </a:r>
             <a:r>
-              <a:rPr lang="en-US" dirty="0" smtClean="0"/>
-              <a:t> </a:t>
-            </a:r>
-            <a:r>
-              <a:rPr lang="en-US" dirty="0" err="1" smtClean="0"/>
+              <a:rPr lang="en-US" dirty="0"/>
+              <a:t> </a:t>
+            </a:r>
+            <a:r>
+              <a:rPr lang="en-US" dirty="0" err="1"/>
               <a:t>quả</a:t>
             </a:r>
             <a:r>
-              <a:rPr lang="en-US" dirty="0" smtClean="0"/>
-              <a:t> </a:t>
-            </a:r>
-            <a:r>
-              <a:rPr lang="en-US" dirty="0" err="1" smtClean="0"/>
-              <a:t>đạt</a:t>
-            </a:r>
-            <a:r>
-              <a:rPr lang="en-US" dirty="0" smtClean="0"/>
-              <a:t> </a:t>
-            </a:r>
-            <a:r>
-              <a:rPr lang="en-US" dirty="0" err="1" smtClean="0"/>
-              <a:t>được</a:t>
+              <a:rPr lang="en-US" dirty="0"/>
+              <a:t> </a:t>
+            </a:r>
+            <a:r>
+              <a:rPr lang="en-US" dirty="0" err="1"/>
+              <a:t>chương</a:t>
+            </a:r>
+            <a:r>
+              <a:rPr lang="en-US" dirty="0"/>
+              <a:t> </a:t>
+            </a:r>
+            <a:r>
+              <a:rPr lang="en-US" dirty="0" err="1"/>
+              <a:t>trình</a:t>
             </a:r>
             <a:endParaRPr lang="en-US" dirty="0"/>
           </a:p>
         </p:txBody>
       </p:sp>
-      <p:sp>
-        <p:nvSpPr>
-          <p:cNvPr id="3" name="Content Placeholder 2"/>
-          <p:cNvSpPr>
-            <a:spLocks noGrp="1"/>
-          </p:cNvSpPr>
+      <p:pic>
+        <p:nvPicPr>
+          <p:cNvPr id="3074" name="Picture 2" descr="D:\TEMP\20132-Project\Graduate_Project\Report\BaoVe\resource\staff-journey.PNG"/>
+          <p:cNvPicPr>
+            <a:picLocks noGrp="1" noChangeAspect="1" noChangeArrowheads="1"/>
+          </p:cNvPicPr>
           <p:nvPr>
             <p:ph idx="1"/>
           </p:nvPr>
-        </p:nvSpPr>
-        <p:spPr/>
-        <p:txBody>
-          <a:bodyPr/>
-          <a:lstStyle/>
-          <a:p>
-            <a:pPr marL="114300" lvl="0" indent="0">
-              <a:buNone/>
-            </a:pPr>
-            <a:r>
-              <a:rPr lang="en-US" sz="2800" dirty="0" err="1"/>
-              <a:t>Về</a:t>
-            </a:r>
-            <a:r>
-              <a:rPr lang="en-US" sz="2800" dirty="0"/>
-              <a:t> </a:t>
-            </a:r>
-            <a:r>
-              <a:rPr lang="en-US" sz="2800" dirty="0" err="1"/>
-              <a:t>mặt</a:t>
-            </a:r>
-            <a:r>
-              <a:rPr lang="en-US" sz="2800" dirty="0"/>
-              <a:t> </a:t>
-            </a:r>
-            <a:r>
-              <a:rPr lang="en-US" sz="2800" dirty="0" err="1"/>
-              <a:t>nghiên</a:t>
-            </a:r>
-            <a:r>
-              <a:rPr lang="en-US" sz="2800" dirty="0"/>
-              <a:t> </a:t>
-            </a:r>
-            <a:r>
-              <a:rPr lang="en-US" sz="2800" dirty="0" err="1"/>
-              <a:t>cứu</a:t>
-            </a:r>
-            <a:r>
-              <a:rPr lang="en-US" sz="2800" dirty="0"/>
-              <a:t> </a:t>
-            </a:r>
-            <a:r>
-              <a:rPr lang="en-US" sz="2800" dirty="0" err="1"/>
-              <a:t>công</a:t>
-            </a:r>
-            <a:r>
-              <a:rPr lang="en-US" sz="2800" dirty="0"/>
-              <a:t> </a:t>
-            </a:r>
-            <a:r>
-              <a:rPr lang="en-US" sz="2800" dirty="0" err="1"/>
-              <a:t>nghệ</a:t>
-            </a:r>
-            <a:endParaRPr lang="en-US" sz="2800" dirty="0"/>
-          </a:p>
-          <a:p>
-            <a:pPr lvl="0"/>
-            <a:r>
-              <a:rPr lang="en-US" sz="2800" b="0" dirty="0" err="1"/>
-              <a:t>Tìm</a:t>
-            </a:r>
-            <a:r>
-              <a:rPr lang="en-US" sz="2800" b="0" dirty="0"/>
-              <a:t> </a:t>
-            </a:r>
-            <a:r>
-              <a:rPr lang="en-US" sz="2800" b="0" dirty="0" err="1"/>
-              <a:t>hiểu</a:t>
-            </a:r>
-            <a:r>
-              <a:rPr lang="en-US" sz="2800" b="0" dirty="0"/>
-              <a:t> </a:t>
-            </a:r>
-            <a:r>
-              <a:rPr lang="en-US" sz="2800" b="0" dirty="0" err="1"/>
-              <a:t>mô</a:t>
-            </a:r>
-            <a:r>
-              <a:rPr lang="en-US" sz="2800" b="0" dirty="0"/>
-              <a:t> </a:t>
-            </a:r>
-            <a:r>
-              <a:rPr lang="en-US" sz="2800" b="0" dirty="0" err="1"/>
-              <a:t>hình</a:t>
-            </a:r>
-            <a:r>
-              <a:rPr lang="en-US" sz="2800" b="0" dirty="0"/>
-              <a:t> </a:t>
-            </a:r>
-            <a:r>
-              <a:rPr lang="en-US" sz="2800" b="0" dirty="0" err="1"/>
-              <a:t>quản</a:t>
-            </a:r>
-            <a:r>
-              <a:rPr lang="en-US" sz="2800" b="0" dirty="0"/>
-              <a:t> </a:t>
-            </a:r>
-            <a:r>
-              <a:rPr lang="en-US" sz="2800" b="0" dirty="0" err="1"/>
-              <a:t>lý</a:t>
-            </a:r>
-            <a:r>
-              <a:rPr lang="en-US" sz="2800" b="0" dirty="0"/>
-              <a:t> </a:t>
-            </a:r>
-            <a:r>
-              <a:rPr lang="en-US" sz="2800" b="0" dirty="0" err="1"/>
-              <a:t>phân</a:t>
-            </a:r>
-            <a:r>
-              <a:rPr lang="en-US" sz="2800" b="0" dirty="0"/>
-              <a:t> </a:t>
-            </a:r>
-            <a:r>
-              <a:rPr lang="en-US" sz="2800" b="0" dirty="0" err="1"/>
-              <a:t>phối</a:t>
-            </a:r>
-            <a:r>
-              <a:rPr lang="en-US" sz="2800" b="0" dirty="0"/>
-              <a:t> </a:t>
-            </a:r>
-            <a:r>
-              <a:rPr lang="en-US" sz="2800" b="0" dirty="0" err="1"/>
-              <a:t>hiện</a:t>
-            </a:r>
-            <a:r>
-              <a:rPr lang="en-US" sz="2800" b="0" dirty="0"/>
-              <a:t> </a:t>
-            </a:r>
-            <a:r>
-              <a:rPr lang="en-US" sz="2800" b="0" dirty="0" err="1"/>
-              <a:t>đại</a:t>
-            </a:r>
-            <a:endParaRPr lang="en-US" sz="2800" b="0" dirty="0"/>
-          </a:p>
-          <a:p>
-            <a:pPr lvl="0"/>
-            <a:r>
-              <a:rPr lang="en-US" sz="2800" b="0" dirty="0" err="1"/>
-              <a:t>Tìm</a:t>
-            </a:r>
-            <a:r>
-              <a:rPr lang="en-US" sz="2800" b="0" dirty="0"/>
-              <a:t> </a:t>
-            </a:r>
-            <a:r>
-              <a:rPr lang="en-US" sz="2800" b="0" dirty="0" err="1"/>
-              <a:t>hiểu</a:t>
-            </a:r>
-            <a:r>
-              <a:rPr lang="en-US" sz="2800" b="0" dirty="0"/>
-              <a:t> </a:t>
-            </a:r>
-            <a:r>
-              <a:rPr lang="en-US" sz="2800" b="0" dirty="0" err="1"/>
-              <a:t>được</a:t>
-            </a:r>
-            <a:r>
-              <a:rPr lang="en-US" sz="2800" b="0" dirty="0"/>
-              <a:t> </a:t>
-            </a:r>
-            <a:r>
-              <a:rPr lang="en-US" sz="2800" b="0" dirty="0" err="1"/>
-              <a:t>các</a:t>
-            </a:r>
-            <a:r>
-              <a:rPr lang="en-US" sz="2800" b="0" dirty="0"/>
-              <a:t> </a:t>
-            </a:r>
-            <a:r>
-              <a:rPr lang="en-US" sz="2800" b="0" dirty="0" err="1"/>
-              <a:t>nghiệp</a:t>
-            </a:r>
-            <a:r>
-              <a:rPr lang="en-US" sz="2800" b="0" dirty="0"/>
-              <a:t> </a:t>
-            </a:r>
-            <a:r>
-              <a:rPr lang="en-US" sz="2800" b="0" dirty="0" err="1"/>
-              <a:t>vụ</a:t>
-            </a:r>
-            <a:r>
-              <a:rPr lang="en-US" sz="2800" b="0" dirty="0"/>
-              <a:t> </a:t>
-            </a:r>
-            <a:r>
-              <a:rPr lang="en-US" sz="2800" b="0" dirty="0" err="1"/>
-              <a:t>kế</a:t>
-            </a:r>
-            <a:r>
-              <a:rPr lang="en-US" sz="2800" b="0" dirty="0"/>
-              <a:t> </a:t>
-            </a:r>
-            <a:r>
-              <a:rPr lang="en-US" sz="2800" b="0" dirty="0" err="1"/>
-              <a:t>toán</a:t>
-            </a:r>
-            <a:endParaRPr lang="en-US" sz="2800" b="0" dirty="0"/>
-          </a:p>
-          <a:p>
-            <a:pPr lvl="0"/>
-            <a:r>
-              <a:rPr lang="en-US" sz="2800" b="0" dirty="0" err="1"/>
-              <a:t>Học</a:t>
-            </a:r>
-            <a:r>
-              <a:rPr lang="en-US" sz="2800" b="0" dirty="0"/>
-              <a:t> </a:t>
-            </a:r>
-            <a:r>
-              <a:rPr lang="en-US" sz="2800" b="0" dirty="0" err="1"/>
-              <a:t>tập</a:t>
-            </a:r>
-            <a:r>
-              <a:rPr lang="en-US" sz="2800" b="0" dirty="0"/>
-              <a:t>, </a:t>
-            </a:r>
-            <a:r>
-              <a:rPr lang="en-US" sz="2800" b="0" dirty="0" err="1"/>
-              <a:t>nghiên</a:t>
-            </a:r>
-            <a:r>
-              <a:rPr lang="en-US" sz="2800" b="0" dirty="0"/>
-              <a:t> </a:t>
-            </a:r>
-            <a:r>
-              <a:rPr lang="en-US" sz="2800" b="0" dirty="0" err="1"/>
-              <a:t>cứu</a:t>
-            </a:r>
-            <a:r>
-              <a:rPr lang="en-US" sz="2800" b="0" dirty="0"/>
-              <a:t> </a:t>
-            </a:r>
-            <a:r>
-              <a:rPr lang="en-US" sz="2800" b="0" dirty="0" err="1"/>
-              <a:t>về</a:t>
-            </a:r>
-            <a:r>
-              <a:rPr lang="en-US" sz="2800" b="0" dirty="0"/>
-              <a:t> java web, </a:t>
-            </a:r>
-            <a:r>
-              <a:rPr lang="en-US" sz="2800" b="0" dirty="0" err="1"/>
-              <a:t>jsp</a:t>
-            </a:r>
-            <a:endParaRPr lang="en-US" sz="2800" b="0" dirty="0"/>
-          </a:p>
-          <a:p>
-            <a:pPr lvl="0"/>
-            <a:r>
-              <a:rPr lang="en-US" sz="2800" b="0" dirty="0" err="1"/>
-              <a:t>Thực</a:t>
-            </a:r>
-            <a:r>
-              <a:rPr lang="en-US" sz="2800" b="0" dirty="0"/>
-              <a:t> </a:t>
-            </a:r>
-            <a:r>
-              <a:rPr lang="en-US" sz="2800" b="0" dirty="0" err="1"/>
-              <a:t>hành</a:t>
-            </a:r>
-            <a:r>
-              <a:rPr lang="en-US" sz="2800" b="0" dirty="0"/>
-              <a:t> </a:t>
-            </a:r>
-            <a:r>
-              <a:rPr lang="en-US" sz="2800" b="0" dirty="0" err="1"/>
-              <a:t>sâu</a:t>
-            </a:r>
-            <a:r>
-              <a:rPr lang="en-US" sz="2800" b="0" dirty="0"/>
-              <a:t> </a:t>
-            </a:r>
-            <a:r>
-              <a:rPr lang="en-US" sz="2800" b="0" dirty="0" err="1"/>
-              <a:t>hơn</a:t>
-            </a:r>
-            <a:r>
-              <a:rPr lang="en-US" sz="2800" b="0" dirty="0"/>
-              <a:t> </a:t>
-            </a:r>
-            <a:r>
-              <a:rPr lang="en-US" sz="2800" b="0" dirty="0" err="1"/>
-              <a:t>về</a:t>
-            </a:r>
-            <a:r>
-              <a:rPr lang="en-US" sz="2800" b="0" dirty="0"/>
-              <a:t> struts2, hibernate3 framework</a:t>
-            </a:r>
-          </a:p>
-          <a:p>
-            <a:pPr lvl="0"/>
-            <a:r>
-              <a:rPr lang="en-US" sz="2800" b="0" dirty="0" err="1"/>
-              <a:t>Tìm</a:t>
-            </a:r>
-            <a:r>
-              <a:rPr lang="en-US" sz="2800" b="0" dirty="0"/>
-              <a:t> </a:t>
-            </a:r>
-            <a:r>
-              <a:rPr lang="en-US" sz="2800" b="0" dirty="0" err="1"/>
-              <a:t>hiểu</a:t>
-            </a:r>
-            <a:r>
-              <a:rPr lang="en-US" sz="2800" b="0" dirty="0"/>
-              <a:t> </a:t>
-            </a:r>
-            <a:r>
-              <a:rPr lang="en-US" sz="2800" b="0" dirty="0" err="1"/>
-              <a:t>và</a:t>
-            </a:r>
-            <a:r>
-              <a:rPr lang="en-US" sz="2800" b="0" dirty="0"/>
-              <a:t> </a:t>
-            </a:r>
-            <a:r>
-              <a:rPr lang="en-US" sz="2800" b="0" dirty="0" err="1"/>
-              <a:t>ứng</a:t>
-            </a:r>
-            <a:r>
-              <a:rPr lang="en-US" sz="2800" b="0" dirty="0"/>
-              <a:t> </a:t>
-            </a:r>
-            <a:r>
-              <a:rPr lang="en-US" sz="2800" b="0" dirty="0" err="1"/>
-              <a:t>dụng</a:t>
-            </a:r>
-            <a:r>
-              <a:rPr lang="en-US" sz="2800" b="0" dirty="0"/>
-              <a:t> </a:t>
-            </a:r>
-            <a:r>
-              <a:rPr lang="en-US" sz="2800" b="0" dirty="0" err="1"/>
-              <a:t>webservice</a:t>
-            </a:r>
-            <a:r>
-              <a:rPr lang="en-US" sz="2800" b="0" dirty="0"/>
-              <a:t> </a:t>
-            </a:r>
-            <a:r>
-              <a:rPr lang="en-US" sz="2800" b="0" dirty="0" err="1"/>
-              <a:t>để</a:t>
-            </a:r>
-            <a:r>
-              <a:rPr lang="en-US" sz="2800" b="0" dirty="0"/>
-              <a:t> </a:t>
-            </a:r>
-            <a:r>
-              <a:rPr lang="en-US" sz="2800" b="0" dirty="0" err="1"/>
-              <a:t>phát</a:t>
-            </a:r>
-            <a:r>
-              <a:rPr lang="en-US" sz="2800" b="0" dirty="0"/>
-              <a:t> </a:t>
-            </a:r>
-            <a:r>
-              <a:rPr lang="en-US" sz="2800" b="0" dirty="0" err="1"/>
-              <a:t>triển</a:t>
-            </a:r>
-            <a:r>
-              <a:rPr lang="en-US" sz="2800" b="0" dirty="0"/>
-              <a:t> </a:t>
-            </a:r>
-            <a:r>
-              <a:rPr lang="en-US" sz="2800" b="0" dirty="0" err="1"/>
-              <a:t>rộng</a:t>
-            </a:r>
-            <a:r>
-              <a:rPr lang="en-US" sz="2800" b="0" dirty="0"/>
-              <a:t> </a:t>
-            </a:r>
-            <a:r>
-              <a:rPr lang="en-US" sz="2800" b="0" dirty="0" err="1"/>
-              <a:t>hệ</a:t>
-            </a:r>
-            <a:r>
-              <a:rPr lang="en-US" sz="2800" b="0" dirty="0"/>
-              <a:t> </a:t>
-            </a:r>
-            <a:r>
-              <a:rPr lang="en-US" sz="2800" b="0" dirty="0" err="1"/>
-              <a:t>thống</a:t>
-            </a:r>
-            <a:endParaRPr lang="en-US" sz="2800" b="0" dirty="0"/>
-          </a:p>
-          <a:p>
-            <a:pPr lvl="0"/>
-            <a:r>
-              <a:rPr lang="en-US" sz="2800" b="0" dirty="0" err="1"/>
-              <a:t>Hiểu</a:t>
-            </a:r>
-            <a:r>
-              <a:rPr lang="en-US" sz="2800" b="0" dirty="0"/>
-              <a:t> </a:t>
-            </a:r>
-            <a:r>
-              <a:rPr lang="en-US" sz="2800" b="0" dirty="0" err="1"/>
-              <a:t>được</a:t>
-            </a:r>
-            <a:r>
-              <a:rPr lang="en-US" sz="2800" b="0" dirty="0"/>
-              <a:t> </a:t>
-            </a:r>
-            <a:r>
-              <a:rPr lang="en-US" sz="2800" b="0" dirty="0" err="1"/>
-              <a:t>cách</a:t>
-            </a:r>
-            <a:r>
-              <a:rPr lang="en-US" sz="2800" b="0" dirty="0"/>
-              <a:t> </a:t>
-            </a:r>
-            <a:r>
-              <a:rPr lang="en-US" sz="2800" b="0" dirty="0" err="1"/>
-              <a:t>hoạt</a:t>
-            </a:r>
-            <a:r>
-              <a:rPr lang="en-US" sz="2800" b="0" dirty="0"/>
-              <a:t> </a:t>
-            </a:r>
-            <a:r>
-              <a:rPr lang="en-US" sz="2800" b="0" dirty="0" err="1"/>
-              <a:t>động</a:t>
-            </a:r>
-            <a:r>
-              <a:rPr lang="en-US" sz="2800" b="0" dirty="0"/>
-              <a:t> </a:t>
-            </a:r>
-            <a:r>
-              <a:rPr lang="en-US" sz="2800" b="0" dirty="0" err="1"/>
-              <a:t>và</a:t>
-            </a:r>
-            <a:r>
-              <a:rPr lang="en-US" sz="2800" b="0" dirty="0"/>
-              <a:t> </a:t>
-            </a:r>
-            <a:r>
-              <a:rPr lang="en-US" sz="2800" b="0" dirty="0" err="1"/>
-              <a:t>trình</a:t>
-            </a:r>
-            <a:r>
-              <a:rPr lang="en-US" sz="2800" b="0" dirty="0"/>
-              <a:t> </a:t>
-            </a:r>
-            <a:r>
-              <a:rPr lang="en-US" sz="2800" b="0" dirty="0" err="1"/>
-              <a:t>diễn</a:t>
-            </a:r>
-            <a:r>
-              <a:rPr lang="en-US" sz="2800" b="0" dirty="0"/>
-              <a:t> GPS </a:t>
-            </a:r>
-            <a:r>
-              <a:rPr lang="en-US" sz="2800" b="0" dirty="0" err="1"/>
-              <a:t>trên</a:t>
-            </a:r>
-            <a:r>
-              <a:rPr lang="en-US" sz="2800" b="0" dirty="0"/>
-              <a:t> </a:t>
-            </a:r>
-            <a:r>
-              <a:rPr lang="en-US" sz="2800" b="0" dirty="0" err="1"/>
-              <a:t>google</a:t>
-            </a:r>
-            <a:r>
-              <a:rPr lang="en-US" sz="2800" b="0" dirty="0"/>
-              <a:t> maps</a:t>
-            </a:r>
-            <a:endParaRPr lang="en-US" sz="2800" dirty="0"/>
-          </a:p>
-        </p:txBody>
-      </p:sp>
+        </p:nvPicPr>
+        <p:blipFill>
+          <a:blip r:embed="rId2">
+            <a:extLst>
+              <a:ext uri="{28A0092B-C50C-407E-A947-70E740481C1C}">
+                <a14:useLocalDpi xmlns:a14="http://schemas.microsoft.com/office/drawing/2010/main" val="0"/>
+              </a:ext>
+            </a:extLst>
+          </a:blip>
+          <a:srcRect/>
+          <a:stretch>
+            <a:fillRect/>
+          </a:stretch>
+        </p:blipFill>
+        <p:spPr bwMode="auto">
+          <a:xfrm>
+            <a:off x="304800" y="1066800"/>
+            <a:ext cx="8463559" cy="5257800"/>
+          </a:xfrm>
+          <a:prstGeom prst="rect">
+            <a:avLst/>
+          </a:prstGeom>
+          <a:noFill/>
+          <a:extLst>
+            <a:ext uri="{909E8E84-426E-40DD-AFC4-6F175D3DCCD1}">
+              <a14:hiddenFill xmlns:a14="http://schemas.microsoft.com/office/drawing/2010/main">
+                <a:solidFill>
+                  <a:srgbClr val="FFFFFF"/>
+                </a:solidFill>
+              </a14:hiddenFill>
+            </a:ext>
+          </a:extLst>
+        </p:spPr>
+      </p:pic>
     </p:spTree>
     <p:extLst>
       <p:ext uri="{BB962C8B-B14F-4D97-AF65-F5344CB8AC3E}">
-        <p14:creationId xmlns:p14="http://schemas.microsoft.com/office/powerpoint/2010/main" val="3461080980"/>
+        <p14:creationId xmlns:p14="http://schemas.microsoft.com/office/powerpoint/2010/main" val="83771145"/>
       </p:ext>
     </p:extLst>
   </p:cSld>
@@ -18147,885 +17372,84 @@
           <a:lstStyle/>
           <a:p>
             <a:r>
-              <a:rPr lang="en-US" dirty="0" err="1" smtClean="0"/>
+              <a:rPr lang="en-US" dirty="0" err="1"/>
               <a:t>Kết</a:t>
             </a:r>
             <a:r>
-              <a:rPr lang="en-US" dirty="0" smtClean="0"/>
-              <a:t> </a:t>
-            </a:r>
-            <a:r>
-              <a:rPr lang="en-US" dirty="0" err="1" smtClean="0"/>
+              <a:rPr lang="en-US" dirty="0"/>
+              <a:t> </a:t>
+            </a:r>
+            <a:r>
+              <a:rPr lang="en-US" dirty="0" err="1"/>
               <a:t>quả</a:t>
             </a:r>
             <a:r>
-              <a:rPr lang="en-US" dirty="0" smtClean="0"/>
-              <a:t> </a:t>
-            </a:r>
-            <a:r>
-              <a:rPr lang="en-US" dirty="0" err="1" smtClean="0"/>
-              <a:t>đạt</a:t>
-            </a:r>
-            <a:r>
-              <a:rPr lang="en-US" dirty="0" smtClean="0"/>
-              <a:t> </a:t>
-            </a:r>
-            <a:r>
-              <a:rPr lang="en-US" dirty="0" err="1" smtClean="0"/>
-              <a:t>được</a:t>
+              <a:rPr lang="en-US" dirty="0"/>
+              <a:t> </a:t>
+            </a:r>
+            <a:r>
+              <a:rPr lang="en-US" dirty="0" err="1"/>
+              <a:t>chương</a:t>
+            </a:r>
+            <a:r>
+              <a:rPr lang="en-US" dirty="0"/>
+              <a:t> </a:t>
+            </a:r>
+            <a:r>
+              <a:rPr lang="en-US" dirty="0" err="1"/>
+              <a:t>trình</a:t>
             </a:r>
             <a:endParaRPr lang="en-US" dirty="0"/>
           </a:p>
         </p:txBody>
       </p:sp>
-      <p:sp>
-        <p:nvSpPr>
-          <p:cNvPr id="3" name="Content Placeholder 2"/>
-          <p:cNvSpPr>
-            <a:spLocks noGrp="1"/>
-          </p:cNvSpPr>
+      <p:pic>
+        <p:nvPicPr>
+          <p:cNvPr id="4098" name="Picture 2" descr="D:\TEMP\20132-Project\Graduate_Project\Report\BaoVe\resource\customer-location.PNG"/>
+          <p:cNvPicPr>
+            <a:picLocks noGrp="1" noChangeAspect="1" noChangeArrowheads="1"/>
+          </p:cNvPicPr>
           <p:nvPr>
             <p:ph idx="1"/>
           </p:nvPr>
-        </p:nvSpPr>
-        <p:spPr/>
-        <p:txBody>
-          <a:bodyPr/>
-          <a:lstStyle/>
-          <a:p>
-            <a:pPr marL="114300" lvl="0" indent="0">
-              <a:buNone/>
-            </a:pPr>
-            <a:r>
-              <a:rPr lang="en-US" sz="2800" dirty="0" err="1"/>
-              <a:t>Về</a:t>
-            </a:r>
-            <a:r>
-              <a:rPr lang="en-US" sz="2800" dirty="0"/>
-              <a:t> </a:t>
-            </a:r>
-            <a:r>
-              <a:rPr lang="en-US" sz="2800" dirty="0" err="1"/>
-              <a:t>mặt</a:t>
-            </a:r>
-            <a:r>
-              <a:rPr lang="en-US" sz="2800" dirty="0"/>
-              <a:t> </a:t>
-            </a:r>
-            <a:r>
-              <a:rPr lang="en-US" sz="2800" dirty="0" err="1"/>
-              <a:t>ứng</a:t>
-            </a:r>
-            <a:r>
-              <a:rPr lang="en-US" sz="2800" dirty="0"/>
-              <a:t> </a:t>
-            </a:r>
-            <a:r>
-              <a:rPr lang="en-US" sz="2800" dirty="0" err="1"/>
-              <a:t>dụng</a:t>
-            </a:r>
-            <a:endParaRPr lang="en-US" sz="2800" dirty="0"/>
-          </a:p>
-          <a:p>
-            <a:pPr lvl="0"/>
-            <a:r>
-              <a:rPr lang="en-US" sz="2800" b="0" dirty="0" err="1"/>
-              <a:t>Ứng</a:t>
-            </a:r>
-            <a:r>
-              <a:rPr lang="en-US" sz="2800" b="0" dirty="0"/>
-              <a:t> </a:t>
-            </a:r>
-            <a:r>
-              <a:rPr lang="en-US" sz="2800" b="0" dirty="0" err="1"/>
-              <a:t>dụng</a:t>
-            </a:r>
-            <a:r>
-              <a:rPr lang="en-US" sz="2800" b="0" dirty="0"/>
-              <a:t> </a:t>
-            </a:r>
-            <a:r>
-              <a:rPr lang="en-US" sz="2800" b="0" dirty="0" err="1"/>
-              <a:t>tích</a:t>
-            </a:r>
-            <a:r>
-              <a:rPr lang="en-US" sz="2800" b="0" dirty="0"/>
-              <a:t> </a:t>
-            </a:r>
-            <a:r>
-              <a:rPr lang="en-US" sz="2800" b="0" dirty="0" err="1"/>
-              <a:t>hợp</a:t>
-            </a:r>
-            <a:r>
-              <a:rPr lang="en-US" sz="2800" b="0" dirty="0"/>
-              <a:t> </a:t>
-            </a:r>
-            <a:r>
-              <a:rPr lang="en-US" sz="2800" b="0" dirty="0" err="1"/>
-              <a:t>thành</a:t>
-            </a:r>
-            <a:r>
-              <a:rPr lang="en-US" sz="2800" b="0" dirty="0"/>
-              <a:t> </a:t>
-            </a:r>
-            <a:r>
-              <a:rPr lang="en-US" sz="2800" b="0" dirty="0" err="1"/>
-              <a:t>công</a:t>
-            </a:r>
-            <a:r>
-              <a:rPr lang="en-US" sz="2800" b="0" dirty="0"/>
-              <a:t> struts2, hibernate3 </a:t>
-            </a:r>
-            <a:r>
-              <a:rPr lang="en-US" sz="2800" b="0" dirty="0" err="1"/>
-              <a:t>vào</a:t>
-            </a:r>
-            <a:r>
-              <a:rPr lang="en-US" sz="2800" b="0" dirty="0"/>
-              <a:t> project </a:t>
-            </a:r>
-            <a:r>
-              <a:rPr lang="en-US" sz="2800" b="0" dirty="0" err="1"/>
-              <a:t>javaweb</a:t>
-            </a:r>
-            <a:r>
-              <a:rPr lang="en-US" sz="2800" b="0" dirty="0"/>
-              <a:t> </a:t>
-            </a:r>
-            <a:r>
-              <a:rPr lang="en-US" sz="2800" b="0" dirty="0" err="1"/>
-              <a:t>giúp</a:t>
-            </a:r>
-            <a:r>
-              <a:rPr lang="en-US" sz="2800" b="0" dirty="0"/>
-              <a:t> </a:t>
-            </a:r>
-            <a:r>
-              <a:rPr lang="en-US" sz="2800" b="0" dirty="0" err="1"/>
-              <a:t>tăng</a:t>
-            </a:r>
-            <a:r>
-              <a:rPr lang="en-US" sz="2800" b="0" dirty="0"/>
-              <a:t> </a:t>
-            </a:r>
-            <a:r>
-              <a:rPr lang="en-US" sz="2800" b="0" dirty="0" err="1"/>
-              <a:t>hiệu</a:t>
-            </a:r>
-            <a:r>
-              <a:rPr lang="en-US" sz="2800" b="0" dirty="0"/>
-              <a:t> </a:t>
-            </a:r>
-            <a:r>
-              <a:rPr lang="en-US" sz="2800" b="0" dirty="0" err="1"/>
-              <a:t>năng</a:t>
-            </a:r>
-            <a:r>
-              <a:rPr lang="en-US" sz="2800" b="0" dirty="0"/>
-              <a:t> </a:t>
-            </a:r>
-            <a:r>
-              <a:rPr lang="en-US" sz="2800" b="0" dirty="0" err="1"/>
-              <a:t>ứng</a:t>
-            </a:r>
-            <a:r>
-              <a:rPr lang="en-US" sz="2800" b="0" dirty="0"/>
-              <a:t> </a:t>
-            </a:r>
-            <a:r>
-              <a:rPr lang="en-US" sz="2800" b="0" dirty="0" err="1"/>
-              <a:t>dụng</a:t>
-            </a:r>
-            <a:r>
-              <a:rPr lang="en-US" sz="2800" b="0" dirty="0"/>
-              <a:t>, </a:t>
-            </a:r>
-            <a:r>
-              <a:rPr lang="en-US" sz="2800" b="0" dirty="0" err="1"/>
-              <a:t>hiệu</a:t>
-            </a:r>
-            <a:r>
-              <a:rPr lang="en-US" sz="2800" b="0" dirty="0"/>
-              <a:t> </a:t>
-            </a:r>
-            <a:r>
-              <a:rPr lang="en-US" sz="2800" b="0" dirty="0" err="1"/>
-              <a:t>quả</a:t>
-            </a:r>
-            <a:r>
-              <a:rPr lang="en-US" sz="2800" b="0" dirty="0"/>
-              <a:t> </a:t>
-            </a:r>
-            <a:r>
-              <a:rPr lang="en-US" sz="2800" b="0" dirty="0" err="1"/>
-              <a:t>mô</a:t>
-            </a:r>
-            <a:r>
-              <a:rPr lang="en-US" sz="2800" b="0" dirty="0"/>
-              <a:t> </a:t>
-            </a:r>
-            <a:r>
-              <a:rPr lang="en-US" sz="2800" b="0" dirty="0" err="1"/>
-              <a:t>hình</a:t>
-            </a:r>
-            <a:r>
-              <a:rPr lang="en-US" sz="2800" b="0" dirty="0"/>
-              <a:t> (</a:t>
-            </a:r>
-            <a:r>
-              <a:rPr lang="en-US" sz="2800" b="0" dirty="0" err="1"/>
-              <a:t>rất</a:t>
-            </a:r>
-            <a:r>
-              <a:rPr lang="en-US" sz="2800" b="0" dirty="0"/>
-              <a:t> </a:t>
-            </a:r>
-            <a:r>
-              <a:rPr lang="en-US" sz="2800" b="0" dirty="0" err="1"/>
-              <a:t>hữu</a:t>
-            </a:r>
-            <a:r>
-              <a:rPr lang="en-US" sz="2800" b="0" dirty="0"/>
-              <a:t> </a:t>
-            </a:r>
-            <a:r>
-              <a:rPr lang="en-US" sz="2800" b="0" dirty="0" err="1"/>
-              <a:t>ích</a:t>
-            </a:r>
-            <a:r>
-              <a:rPr lang="en-US" sz="2800" b="0" dirty="0"/>
-              <a:t> </a:t>
-            </a:r>
-            <a:r>
-              <a:rPr lang="en-US" sz="2800" b="0" dirty="0" err="1"/>
-              <a:t>khi</a:t>
-            </a:r>
-            <a:r>
-              <a:rPr lang="en-US" sz="2800" b="0" dirty="0"/>
-              <a:t> </a:t>
-            </a:r>
-            <a:r>
-              <a:rPr lang="en-US" sz="2800" b="0" dirty="0" err="1"/>
-              <a:t>làm</a:t>
-            </a:r>
-            <a:r>
-              <a:rPr lang="en-US" sz="2800" b="0" dirty="0"/>
-              <a:t> </a:t>
-            </a:r>
-            <a:r>
-              <a:rPr lang="en-US" sz="2800" b="0" dirty="0" err="1"/>
-              <a:t>việc</a:t>
-            </a:r>
-            <a:r>
-              <a:rPr lang="en-US" sz="2800" b="0" dirty="0"/>
-              <a:t> </a:t>
-            </a:r>
-            <a:r>
-              <a:rPr lang="en-US" sz="2800" b="0" dirty="0" err="1"/>
-              <a:t>nhóm</a:t>
-            </a:r>
-            <a:r>
-              <a:rPr lang="en-US" sz="2800" b="0" dirty="0"/>
-              <a:t>)</a:t>
-            </a:r>
-          </a:p>
-          <a:p>
-            <a:pPr lvl="0"/>
-            <a:r>
-              <a:rPr lang="en-US" sz="2800" b="0" dirty="0" err="1"/>
-              <a:t>Chương</a:t>
-            </a:r>
-            <a:r>
-              <a:rPr lang="en-US" sz="2800" b="0" dirty="0"/>
-              <a:t> </a:t>
-            </a:r>
-            <a:r>
-              <a:rPr lang="en-US" sz="2800" b="0" dirty="0" err="1"/>
-              <a:t>trình</a:t>
-            </a:r>
-            <a:r>
-              <a:rPr lang="en-US" sz="2800" b="0" dirty="0"/>
-              <a:t> </a:t>
-            </a:r>
-            <a:r>
-              <a:rPr lang="en-US" sz="2800" b="0" dirty="0" err="1"/>
-              <a:t>đáp</a:t>
-            </a:r>
-            <a:r>
-              <a:rPr lang="en-US" sz="2800" b="0" dirty="0"/>
-              <a:t> </a:t>
-            </a:r>
-            <a:r>
-              <a:rPr lang="en-US" sz="2800" b="0" dirty="0" err="1"/>
-              <a:t>ứng</a:t>
-            </a:r>
-            <a:r>
-              <a:rPr lang="en-US" sz="2800" b="0" dirty="0"/>
-              <a:t> </a:t>
-            </a:r>
-            <a:r>
-              <a:rPr lang="en-US" sz="2800" b="0" dirty="0" err="1"/>
-              <a:t>được</a:t>
-            </a:r>
-            <a:r>
-              <a:rPr lang="en-US" sz="2800" b="0" dirty="0"/>
-              <a:t> </a:t>
-            </a:r>
-            <a:r>
-              <a:rPr lang="en-US" sz="2800" b="0" dirty="0" err="1"/>
-              <a:t>các</a:t>
-            </a:r>
-            <a:r>
-              <a:rPr lang="en-US" sz="2800" b="0" dirty="0"/>
-              <a:t> </a:t>
-            </a:r>
-            <a:r>
-              <a:rPr lang="en-US" sz="2800" b="0" dirty="0" err="1"/>
-              <a:t>công</a:t>
-            </a:r>
-            <a:r>
-              <a:rPr lang="en-US" sz="2800" b="0" dirty="0"/>
-              <a:t> </a:t>
-            </a:r>
-            <a:r>
-              <a:rPr lang="en-US" sz="2800" b="0" dirty="0" err="1"/>
-              <a:t>tác</a:t>
-            </a:r>
-            <a:r>
-              <a:rPr lang="en-US" sz="2800" b="0" dirty="0"/>
-              <a:t> </a:t>
-            </a:r>
-            <a:r>
-              <a:rPr lang="en-US" sz="2800" b="0" dirty="0" err="1"/>
-              <a:t>quản</a:t>
-            </a:r>
-            <a:r>
-              <a:rPr lang="en-US" sz="2800" b="0" dirty="0"/>
-              <a:t> </a:t>
-            </a:r>
-            <a:r>
-              <a:rPr lang="en-US" sz="2800" b="0" dirty="0" err="1"/>
-              <a:t>lý</a:t>
-            </a:r>
-            <a:r>
-              <a:rPr lang="en-US" sz="2800" b="0" dirty="0"/>
-              <a:t> </a:t>
-            </a:r>
-            <a:r>
-              <a:rPr lang="en-US" sz="2800" b="0" dirty="0" err="1"/>
-              <a:t>phân</a:t>
-            </a:r>
-            <a:r>
-              <a:rPr lang="en-US" sz="2800" b="0" dirty="0"/>
-              <a:t> </a:t>
-            </a:r>
-            <a:r>
-              <a:rPr lang="en-US" sz="2800" b="0" dirty="0" err="1"/>
-              <a:t>phối</a:t>
-            </a:r>
-            <a:r>
-              <a:rPr lang="en-US" sz="2800" b="0" dirty="0"/>
-              <a:t>: </a:t>
-            </a:r>
-            <a:r>
-              <a:rPr lang="en-US" sz="2800" b="0" dirty="0" err="1"/>
-              <a:t>quản</a:t>
-            </a:r>
-            <a:r>
-              <a:rPr lang="en-US" sz="2800" b="0" dirty="0"/>
-              <a:t> </a:t>
-            </a:r>
-            <a:r>
-              <a:rPr lang="en-US" sz="2800" b="0" dirty="0" err="1"/>
-              <a:t>lý</a:t>
-            </a:r>
-            <a:r>
-              <a:rPr lang="en-US" sz="2800" b="0" dirty="0"/>
-              <a:t> </a:t>
-            </a:r>
-            <a:r>
-              <a:rPr lang="en-US" sz="2800" b="0" dirty="0" err="1"/>
-              <a:t>các</a:t>
-            </a:r>
-            <a:r>
-              <a:rPr lang="en-US" sz="2800" b="0" dirty="0"/>
-              <a:t> </a:t>
-            </a:r>
-            <a:r>
-              <a:rPr lang="en-US" sz="2800" b="0" dirty="0" err="1"/>
-              <a:t>công</a:t>
-            </a:r>
-            <a:r>
-              <a:rPr lang="en-US" sz="2800" b="0" dirty="0"/>
-              <a:t> </a:t>
-            </a:r>
-            <a:r>
-              <a:rPr lang="en-US" sz="2800" b="0" dirty="0" err="1"/>
-              <a:t>việc</a:t>
-            </a:r>
-            <a:r>
-              <a:rPr lang="en-US" sz="2800" b="0" dirty="0"/>
-              <a:t> </a:t>
-            </a:r>
-            <a:r>
-              <a:rPr lang="en-US" sz="2800" b="0" dirty="0" err="1"/>
-              <a:t>của</a:t>
-            </a:r>
-            <a:r>
-              <a:rPr lang="en-US" sz="2800" b="0" dirty="0"/>
-              <a:t> </a:t>
-            </a:r>
-            <a:r>
-              <a:rPr lang="en-US" sz="2800" b="0" dirty="0" err="1"/>
-              <a:t>kế</a:t>
-            </a:r>
-            <a:r>
-              <a:rPr lang="en-US" sz="2800" b="0" dirty="0"/>
-              <a:t> </a:t>
-            </a:r>
-            <a:r>
-              <a:rPr lang="en-US" sz="2800" b="0" dirty="0" err="1"/>
-              <a:t>toán</a:t>
-            </a:r>
-            <a:r>
-              <a:rPr lang="en-US" sz="2800" b="0" dirty="0"/>
-              <a:t>, </a:t>
-            </a:r>
-            <a:r>
-              <a:rPr lang="en-US" sz="2800" b="0" dirty="0" err="1"/>
-              <a:t>quản</a:t>
-            </a:r>
-            <a:r>
-              <a:rPr lang="en-US" sz="2800" b="0" dirty="0"/>
-              <a:t> </a:t>
-            </a:r>
-            <a:r>
-              <a:rPr lang="en-US" sz="2800" b="0" dirty="0" err="1"/>
-              <a:t>lý</a:t>
-            </a:r>
-            <a:r>
-              <a:rPr lang="en-US" sz="2800" b="0" dirty="0"/>
-              <a:t> </a:t>
-            </a:r>
-            <a:r>
-              <a:rPr lang="en-US" sz="2800" b="0" dirty="0" err="1"/>
-              <a:t>định</a:t>
-            </a:r>
-            <a:r>
-              <a:rPr lang="en-US" sz="2800" b="0" dirty="0"/>
-              <a:t> </a:t>
-            </a:r>
-            <a:r>
-              <a:rPr lang="en-US" sz="2800" b="0" dirty="0" err="1"/>
-              <a:t>vị</a:t>
-            </a:r>
-            <a:r>
-              <a:rPr lang="en-US" sz="2800" b="0" dirty="0"/>
-              <a:t> </a:t>
-            </a:r>
-            <a:r>
-              <a:rPr lang="en-US" sz="2800" b="0" dirty="0" err="1"/>
-              <a:t>để</a:t>
-            </a:r>
-            <a:r>
-              <a:rPr lang="en-US" sz="2800" b="0" dirty="0"/>
-              <a:t> </a:t>
-            </a:r>
-            <a:r>
-              <a:rPr lang="en-US" sz="2800" b="0" dirty="0" err="1"/>
-              <a:t>đánh</a:t>
-            </a:r>
-            <a:r>
-              <a:rPr lang="en-US" sz="2800" b="0" dirty="0"/>
-              <a:t> </a:t>
-            </a:r>
-            <a:r>
-              <a:rPr lang="en-US" sz="2800" b="0" dirty="0" err="1"/>
-              <a:t>giá</a:t>
-            </a:r>
-            <a:r>
-              <a:rPr lang="en-US" sz="2800" b="0" dirty="0"/>
-              <a:t> </a:t>
-            </a:r>
-            <a:r>
-              <a:rPr lang="en-US" sz="2800" b="0" dirty="0" err="1"/>
-              <a:t>hiệu</a:t>
-            </a:r>
-            <a:r>
-              <a:rPr lang="en-US" sz="2800" b="0" dirty="0"/>
-              <a:t> </a:t>
-            </a:r>
-            <a:r>
-              <a:rPr lang="en-US" sz="2800" b="0" dirty="0" err="1"/>
-              <a:t>năng</a:t>
-            </a:r>
-            <a:r>
-              <a:rPr lang="en-US" sz="2800" b="0" dirty="0"/>
-              <a:t> </a:t>
-            </a:r>
-            <a:r>
-              <a:rPr lang="en-US" sz="2800" b="0" dirty="0" err="1"/>
-              <a:t>làm</a:t>
-            </a:r>
-            <a:r>
-              <a:rPr lang="en-US" sz="2800" b="0" dirty="0"/>
-              <a:t> </a:t>
-            </a:r>
-            <a:r>
-              <a:rPr lang="en-US" sz="2800" b="0" dirty="0" err="1"/>
-              <a:t>việc</a:t>
-            </a:r>
-            <a:r>
-              <a:rPr lang="en-US" sz="2800" b="0" dirty="0"/>
-              <a:t> </a:t>
-            </a:r>
-            <a:r>
-              <a:rPr lang="en-US" sz="2800" b="0" dirty="0" err="1"/>
-              <a:t>của</a:t>
-            </a:r>
-            <a:r>
-              <a:rPr lang="en-US" sz="2800" b="0" dirty="0"/>
-              <a:t> </a:t>
-            </a:r>
-            <a:r>
-              <a:rPr lang="en-US" sz="2800" b="0" dirty="0" err="1"/>
-              <a:t>nhân</a:t>
-            </a:r>
-            <a:r>
-              <a:rPr lang="en-US" sz="2800" b="0" dirty="0"/>
-              <a:t> </a:t>
-            </a:r>
-            <a:r>
-              <a:rPr lang="en-US" sz="2800" b="0" dirty="0" err="1"/>
-              <a:t>viên</a:t>
-            </a:r>
-            <a:r>
-              <a:rPr lang="en-US" sz="2800" b="0" dirty="0"/>
-              <a:t>, </a:t>
-            </a:r>
-            <a:r>
-              <a:rPr lang="en-US" sz="2800" b="0" dirty="0" err="1"/>
-              <a:t>chương</a:t>
-            </a:r>
-            <a:r>
-              <a:rPr lang="en-US" sz="2800" b="0" dirty="0"/>
-              <a:t> </a:t>
-            </a:r>
-            <a:r>
-              <a:rPr lang="en-US" sz="2800" b="0" dirty="0" err="1"/>
-              <a:t>trình</a:t>
-            </a:r>
-            <a:r>
-              <a:rPr lang="en-US" sz="2800" b="0" dirty="0"/>
-              <a:t> </a:t>
-            </a:r>
-            <a:r>
-              <a:rPr lang="en-US" sz="2800" b="0" dirty="0" err="1"/>
-              <a:t>đã</a:t>
-            </a:r>
-            <a:r>
-              <a:rPr lang="en-US" sz="2800" b="0" dirty="0"/>
-              <a:t> </a:t>
-            </a:r>
-            <a:r>
-              <a:rPr lang="en-US" sz="2800" b="0" dirty="0" err="1"/>
-              <a:t>đáp</a:t>
-            </a:r>
-            <a:r>
-              <a:rPr lang="en-US" sz="2800" b="0" dirty="0"/>
-              <a:t> </a:t>
-            </a:r>
-            <a:r>
-              <a:rPr lang="en-US" sz="2800" b="0" dirty="0" err="1"/>
-              <a:t>ứng</a:t>
-            </a:r>
-            <a:r>
-              <a:rPr lang="en-US" sz="2800" b="0" dirty="0"/>
-              <a:t> </a:t>
-            </a:r>
-            <a:r>
-              <a:rPr lang="en-US" sz="2800" b="0" dirty="0" err="1"/>
-              <a:t>được</a:t>
-            </a:r>
-            <a:r>
-              <a:rPr lang="en-US" sz="2800" b="0" dirty="0"/>
-              <a:t> </a:t>
-            </a:r>
-            <a:r>
-              <a:rPr lang="en-US" sz="2800" b="0" dirty="0" err="1"/>
-              <a:t>các</a:t>
-            </a:r>
-            <a:r>
-              <a:rPr lang="en-US" sz="2800" b="0" dirty="0"/>
-              <a:t> </a:t>
-            </a:r>
-            <a:r>
-              <a:rPr lang="en-US" sz="2800" b="0" dirty="0" err="1"/>
-              <a:t>mục</a:t>
-            </a:r>
-            <a:r>
-              <a:rPr lang="en-US" sz="2800" b="0" dirty="0"/>
-              <a:t> </a:t>
-            </a:r>
-            <a:r>
-              <a:rPr lang="en-US" sz="2800" b="0" dirty="0" err="1"/>
-              <a:t>tiêu</a:t>
-            </a:r>
-            <a:r>
-              <a:rPr lang="en-US" sz="2800" b="0" dirty="0"/>
-              <a:t> </a:t>
-            </a:r>
-            <a:r>
-              <a:rPr lang="en-US" sz="2800" b="0" dirty="0" err="1"/>
-              <a:t>đề</a:t>
-            </a:r>
-            <a:r>
-              <a:rPr lang="en-US" sz="2800" b="0" dirty="0"/>
-              <a:t> </a:t>
-            </a:r>
-            <a:r>
-              <a:rPr lang="en-US" sz="2800" b="0" dirty="0" err="1"/>
-              <a:t>ra</a:t>
-            </a:r>
-            <a:endParaRPr lang="en-US" sz="2800" b="0" dirty="0"/>
-          </a:p>
-          <a:p>
-            <a:pPr lvl="0"/>
-            <a:r>
-              <a:rPr lang="en-US" sz="2800" b="0" dirty="0"/>
-              <a:t>So </a:t>
-            </a:r>
-            <a:r>
-              <a:rPr lang="en-US" sz="2800" b="0" dirty="0" err="1"/>
-              <a:t>với</a:t>
-            </a:r>
-            <a:r>
-              <a:rPr lang="en-US" sz="2800" b="0" dirty="0"/>
-              <a:t> </a:t>
-            </a:r>
-            <a:r>
-              <a:rPr lang="en-US" sz="2800" b="0" dirty="0" err="1"/>
-              <a:t>các</a:t>
-            </a:r>
-            <a:r>
-              <a:rPr lang="en-US" sz="2800" b="0" dirty="0"/>
-              <a:t> </a:t>
-            </a:r>
-            <a:r>
-              <a:rPr lang="en-US" sz="2800" b="0" dirty="0" err="1"/>
-              <a:t>hệ</a:t>
-            </a:r>
-            <a:r>
-              <a:rPr lang="en-US" sz="2800" b="0" dirty="0"/>
-              <a:t> </a:t>
-            </a:r>
-            <a:r>
-              <a:rPr lang="en-US" sz="2800" b="0" dirty="0" err="1"/>
-              <a:t>thống</a:t>
-            </a:r>
-            <a:r>
-              <a:rPr lang="en-US" sz="2800" b="0" dirty="0"/>
-              <a:t> </a:t>
-            </a:r>
-            <a:r>
-              <a:rPr lang="en-US" sz="2800" b="0" dirty="0" err="1"/>
-              <a:t>phân</a:t>
-            </a:r>
-            <a:r>
-              <a:rPr lang="en-US" sz="2800" b="0" dirty="0"/>
-              <a:t> </a:t>
-            </a:r>
-            <a:r>
-              <a:rPr lang="en-US" sz="2800" b="0" dirty="0" err="1"/>
-              <a:t>phối</a:t>
-            </a:r>
-            <a:r>
-              <a:rPr lang="en-US" sz="2800" b="0" dirty="0"/>
-              <a:t> </a:t>
-            </a:r>
-            <a:r>
-              <a:rPr lang="en-US" sz="2800" b="0" dirty="0" err="1"/>
-              <a:t>thông</a:t>
-            </a:r>
-            <a:r>
-              <a:rPr lang="en-US" sz="2800" b="0" dirty="0"/>
-              <a:t> </a:t>
-            </a:r>
-            <a:r>
-              <a:rPr lang="en-US" sz="2800" b="0" dirty="0" err="1"/>
-              <a:t>thường</a:t>
-            </a:r>
-            <a:r>
-              <a:rPr lang="en-US" sz="2800" b="0" dirty="0"/>
-              <a:t> </a:t>
-            </a:r>
-            <a:r>
-              <a:rPr lang="en-US" sz="2800" b="0" dirty="0" err="1"/>
-              <a:t>hệ</a:t>
-            </a:r>
-            <a:r>
-              <a:rPr lang="en-US" sz="2800" b="0" dirty="0"/>
-              <a:t> </a:t>
-            </a:r>
-            <a:r>
-              <a:rPr lang="en-US" sz="2800" b="0" dirty="0" err="1"/>
-              <a:t>thống</a:t>
-            </a:r>
-            <a:r>
-              <a:rPr lang="en-US" sz="2800" b="0" dirty="0"/>
-              <a:t> </a:t>
-            </a:r>
-            <a:r>
-              <a:rPr lang="en-US" sz="2800" b="0" dirty="0" err="1"/>
-              <a:t>đã</a:t>
-            </a:r>
-            <a:r>
-              <a:rPr lang="en-US" sz="2800" b="0" dirty="0"/>
-              <a:t> </a:t>
-            </a:r>
-            <a:r>
-              <a:rPr lang="en-US" sz="2800" b="0" dirty="0" err="1"/>
-              <a:t>xây</a:t>
-            </a:r>
-            <a:r>
-              <a:rPr lang="en-US" sz="2800" b="0" dirty="0"/>
-              <a:t> </a:t>
-            </a:r>
-            <a:r>
-              <a:rPr lang="en-US" sz="2800" b="0" dirty="0" err="1"/>
-              <a:t>dựng</a:t>
-            </a:r>
-            <a:r>
-              <a:rPr lang="en-US" sz="2800" b="0" dirty="0"/>
-              <a:t> </a:t>
-            </a:r>
-            <a:r>
-              <a:rPr lang="en-US" sz="2800" b="0" dirty="0" err="1"/>
-              <a:t>có</a:t>
-            </a:r>
-            <a:r>
-              <a:rPr lang="en-US" sz="2800" b="0" dirty="0"/>
-              <a:t> </a:t>
-            </a:r>
-            <a:r>
-              <a:rPr lang="en-US" sz="2800" b="0" dirty="0" err="1"/>
-              <a:t>thêm</a:t>
-            </a:r>
-            <a:r>
-              <a:rPr lang="en-US" sz="2800" b="0" dirty="0"/>
-              <a:t> </a:t>
-            </a:r>
-            <a:r>
-              <a:rPr lang="en-US" sz="2800" b="0" dirty="0" err="1"/>
-              <a:t>các</a:t>
-            </a:r>
-            <a:r>
-              <a:rPr lang="en-US" sz="2800" b="0" dirty="0"/>
-              <a:t> </a:t>
-            </a:r>
-            <a:r>
-              <a:rPr lang="en-US" sz="2800" b="0" dirty="0" err="1"/>
-              <a:t>chức</a:t>
-            </a:r>
-            <a:r>
-              <a:rPr lang="en-US" sz="2800" b="0" dirty="0"/>
-              <a:t> </a:t>
-            </a:r>
-            <a:r>
-              <a:rPr lang="en-US" sz="2800" b="0" dirty="0" err="1"/>
-              <a:t>năng</a:t>
-            </a:r>
-            <a:r>
-              <a:rPr lang="en-US" sz="2800" b="0" dirty="0"/>
-              <a:t> </a:t>
-            </a:r>
-            <a:r>
-              <a:rPr lang="en-US" sz="2800" b="0" dirty="0" err="1"/>
-              <a:t>về</a:t>
-            </a:r>
-            <a:r>
-              <a:rPr lang="en-US" sz="2800" b="0" dirty="0"/>
-              <a:t> </a:t>
-            </a:r>
-            <a:r>
-              <a:rPr lang="en-US" sz="2800" b="0" dirty="0" err="1"/>
-              <a:t>định</a:t>
-            </a:r>
-            <a:r>
-              <a:rPr lang="en-US" sz="2800" b="0" dirty="0"/>
-              <a:t> </a:t>
-            </a:r>
-            <a:r>
-              <a:rPr lang="en-US" sz="2800" b="0" dirty="0" err="1"/>
-              <a:t>vị</a:t>
-            </a:r>
-            <a:r>
-              <a:rPr lang="en-US" sz="2800" b="0" dirty="0"/>
-              <a:t> GPS </a:t>
-            </a:r>
-            <a:r>
-              <a:rPr lang="en-US" sz="2800" b="0" dirty="0" err="1"/>
-              <a:t>để</a:t>
-            </a:r>
-            <a:r>
-              <a:rPr lang="en-US" sz="2800" b="0" dirty="0"/>
-              <a:t> </a:t>
-            </a:r>
-            <a:r>
-              <a:rPr lang="en-US" sz="2800" b="0" dirty="0" err="1"/>
-              <a:t>theo</a:t>
-            </a:r>
-            <a:r>
-              <a:rPr lang="en-US" sz="2800" b="0" dirty="0"/>
-              <a:t> </a:t>
-            </a:r>
-            <a:r>
-              <a:rPr lang="en-US" sz="2800" b="0" dirty="0" err="1"/>
-              <a:t>dõi</a:t>
-            </a:r>
-            <a:r>
-              <a:rPr lang="en-US" sz="2800" b="0" dirty="0"/>
-              <a:t>, </a:t>
-            </a:r>
-            <a:r>
-              <a:rPr lang="en-US" sz="2800" b="0" dirty="0" err="1"/>
-              <a:t>quản</a:t>
-            </a:r>
-            <a:r>
-              <a:rPr lang="en-US" sz="2800" b="0" dirty="0"/>
-              <a:t> </a:t>
-            </a:r>
-            <a:r>
-              <a:rPr lang="en-US" sz="2800" b="0" dirty="0" err="1"/>
-              <a:t>lý</a:t>
-            </a:r>
-            <a:r>
-              <a:rPr lang="en-US" sz="2800" b="0" dirty="0"/>
-              <a:t> </a:t>
-            </a:r>
-            <a:r>
-              <a:rPr lang="en-US" sz="2800" b="0" dirty="0" err="1"/>
-              <a:t>nhân</a:t>
-            </a:r>
-            <a:r>
-              <a:rPr lang="en-US" sz="2800" b="0" dirty="0"/>
-              <a:t> </a:t>
-            </a:r>
-            <a:r>
-              <a:rPr lang="en-US" sz="2800" b="0" dirty="0" err="1"/>
-              <a:t>viên</a:t>
-            </a:r>
-            <a:endParaRPr lang="en-US" sz="2800" b="0" dirty="0"/>
-          </a:p>
-          <a:p>
-            <a:endParaRPr lang="en-US" dirty="0"/>
-          </a:p>
-        </p:txBody>
-      </p:sp>
+        </p:nvPicPr>
+        <p:blipFill>
+          <a:blip r:embed="rId2">
+            <a:extLst>
+              <a:ext uri="{28A0092B-C50C-407E-A947-70E740481C1C}">
+                <a14:useLocalDpi xmlns:a14="http://schemas.microsoft.com/office/drawing/2010/main" val="0"/>
+              </a:ext>
+            </a:extLst>
+          </a:blip>
+          <a:srcRect/>
+          <a:stretch>
+            <a:fillRect/>
+          </a:stretch>
+        </p:blipFill>
+        <p:spPr bwMode="auto">
+          <a:xfrm>
+            <a:off x="457200" y="990600"/>
+            <a:ext cx="8229600" cy="5334000"/>
+          </a:xfrm>
+          <a:prstGeom prst="rect">
+            <a:avLst/>
+          </a:prstGeom>
+          <a:noFill/>
+          <a:extLst>
+            <a:ext uri="{909E8E84-426E-40DD-AFC4-6F175D3DCCD1}">
+              <a14:hiddenFill xmlns:a14="http://schemas.microsoft.com/office/drawing/2010/main">
+                <a:solidFill>
+                  <a:srgbClr val="FFFFFF"/>
+                </a:solidFill>
+              </a14:hiddenFill>
+            </a:ext>
+          </a:extLst>
+        </p:spPr>
+      </p:pic>
     </p:spTree>
     <p:extLst>
       <p:ext uri="{BB962C8B-B14F-4D97-AF65-F5344CB8AC3E}">
-        <p14:creationId xmlns:p14="http://schemas.microsoft.com/office/powerpoint/2010/main" val="58215080"/>
+        <p14:creationId xmlns:p14="http://schemas.microsoft.com/office/powerpoint/2010/main" val="1968545974"/>
       </p:ext>
     </p:extLst>
   </p:cSld>
@@ -22060,382 +20484,84 @@
           <a:lstStyle/>
           <a:p>
             <a:r>
-              <a:rPr lang="en-US" dirty="0" err="1" smtClean="0"/>
-              <a:t>Đánh</a:t>
-            </a:r>
-            <a:r>
-              <a:rPr lang="en-US" dirty="0" smtClean="0"/>
-              <a:t> </a:t>
-            </a:r>
-            <a:r>
-              <a:rPr lang="en-US" dirty="0" err="1" smtClean="0"/>
-              <a:t>giá</a:t>
-            </a:r>
-            <a:r>
-              <a:rPr lang="en-US" dirty="0" smtClean="0"/>
-              <a:t> </a:t>
-            </a:r>
-            <a:r>
-              <a:rPr lang="en-US" dirty="0" err="1" smtClean="0"/>
-              <a:t>kết</a:t>
-            </a:r>
-            <a:r>
-              <a:rPr lang="en-US" dirty="0" smtClean="0"/>
-              <a:t> </a:t>
-            </a:r>
-            <a:r>
-              <a:rPr lang="en-US" dirty="0" err="1" smtClean="0"/>
+              <a:rPr lang="en-US" dirty="0" err="1"/>
+              <a:t>Kết</a:t>
+            </a:r>
+            <a:r>
+              <a:rPr lang="en-US" dirty="0"/>
+              <a:t> </a:t>
+            </a:r>
+            <a:r>
+              <a:rPr lang="en-US" dirty="0" err="1"/>
               <a:t>quả</a:t>
+            </a:r>
+            <a:r>
+              <a:rPr lang="en-US" dirty="0"/>
+              <a:t> </a:t>
+            </a:r>
+            <a:r>
+              <a:rPr lang="en-US" dirty="0" err="1"/>
+              <a:t>chương</a:t>
+            </a:r>
+            <a:r>
+              <a:rPr lang="en-US" dirty="0"/>
+              <a:t> </a:t>
+            </a:r>
+            <a:r>
+              <a:rPr lang="en-US" dirty="0" err="1"/>
+              <a:t>trình</a:t>
             </a:r>
             <a:endParaRPr lang="en-US" dirty="0"/>
           </a:p>
         </p:txBody>
       </p:sp>
-      <p:sp>
-        <p:nvSpPr>
-          <p:cNvPr id="3" name="Content Placeholder 2"/>
-          <p:cNvSpPr>
-            <a:spLocks noGrp="1"/>
-          </p:cNvSpPr>
+      <p:pic>
+        <p:nvPicPr>
+          <p:cNvPr id="5122" name="Picture 2" descr="D:\TEMP\20132-Project\Graduate_Project\Report\BaoVe\resource\system-manager.PNG"/>
+          <p:cNvPicPr>
+            <a:picLocks noGrp="1" noChangeAspect="1" noChangeArrowheads="1"/>
+          </p:cNvPicPr>
           <p:nvPr>
             <p:ph idx="1"/>
           </p:nvPr>
-        </p:nvSpPr>
-        <p:spPr/>
-        <p:txBody>
-          <a:bodyPr/>
-          <a:lstStyle/>
-          <a:p>
-            <a:r>
-              <a:rPr lang="en-US" sz="2800" b="0" dirty="0" err="1"/>
-              <a:t>Chương</a:t>
-            </a:r>
-            <a:r>
-              <a:rPr lang="en-US" sz="2800" b="0" dirty="0"/>
-              <a:t> </a:t>
-            </a:r>
-            <a:r>
-              <a:rPr lang="en-US" sz="2800" b="0" dirty="0" err="1"/>
-              <a:t>trình</a:t>
-            </a:r>
-            <a:r>
-              <a:rPr lang="en-US" sz="2800" b="0" dirty="0"/>
-              <a:t> </a:t>
-            </a:r>
-            <a:r>
-              <a:rPr lang="en-US" sz="2800" b="0" dirty="0" err="1"/>
-              <a:t>hoàn</a:t>
-            </a:r>
-            <a:r>
-              <a:rPr lang="en-US" sz="2800" b="0" dirty="0"/>
-              <a:t> </a:t>
-            </a:r>
-            <a:r>
-              <a:rPr lang="en-US" sz="2800" b="0" dirty="0" err="1"/>
-              <a:t>thành</a:t>
-            </a:r>
-            <a:r>
-              <a:rPr lang="en-US" sz="2800" b="0" dirty="0"/>
-              <a:t> </a:t>
-            </a:r>
-            <a:r>
-              <a:rPr lang="en-US" sz="2800" b="0" dirty="0" err="1"/>
-              <a:t>là</a:t>
-            </a:r>
-            <a:r>
-              <a:rPr lang="en-US" sz="2800" b="0" dirty="0"/>
-              <a:t> </a:t>
-            </a:r>
-            <a:r>
-              <a:rPr lang="en-US" sz="2800" b="0" dirty="0" err="1"/>
-              <a:t>một</a:t>
-            </a:r>
-            <a:r>
-              <a:rPr lang="en-US" sz="2800" b="0" dirty="0"/>
-              <a:t> </a:t>
-            </a:r>
-            <a:r>
-              <a:rPr lang="en-US" sz="2800" b="0" dirty="0" err="1"/>
-              <a:t>phần</a:t>
-            </a:r>
-            <a:r>
-              <a:rPr lang="en-US" sz="2800" b="0" dirty="0"/>
-              <a:t> </a:t>
-            </a:r>
-            <a:r>
-              <a:rPr lang="en-US" sz="2800" b="0" dirty="0" err="1"/>
-              <a:t>của</a:t>
-            </a:r>
-            <a:r>
-              <a:rPr lang="en-US" sz="2800" b="0" dirty="0"/>
-              <a:t> </a:t>
-            </a:r>
-            <a:r>
-              <a:rPr lang="en-US" sz="2800" b="0" dirty="0" err="1"/>
-              <a:t>hệ</a:t>
-            </a:r>
-            <a:r>
-              <a:rPr lang="en-US" sz="2800" b="0" dirty="0"/>
-              <a:t> </a:t>
-            </a:r>
-            <a:r>
-              <a:rPr lang="en-US" sz="2800" b="0" dirty="0" err="1"/>
-              <a:t>thống</a:t>
-            </a:r>
-            <a:r>
-              <a:rPr lang="en-US" sz="2800" b="0" dirty="0"/>
-              <a:t> </a:t>
-            </a:r>
-            <a:r>
-              <a:rPr lang="en-US" sz="2800" b="0" dirty="0" err="1"/>
-              <a:t>quản</a:t>
-            </a:r>
-            <a:r>
-              <a:rPr lang="en-US" sz="2800" b="0" dirty="0"/>
-              <a:t> </a:t>
-            </a:r>
-            <a:r>
-              <a:rPr lang="en-US" sz="2800" b="0" dirty="0" err="1"/>
-              <a:t>lý</a:t>
-            </a:r>
-            <a:r>
-              <a:rPr lang="en-US" sz="2800" b="0" dirty="0"/>
-              <a:t> </a:t>
-            </a:r>
-            <a:r>
-              <a:rPr lang="en-US" sz="2800" b="0" dirty="0" err="1"/>
-              <a:t>phân</a:t>
-            </a:r>
-            <a:r>
-              <a:rPr lang="en-US" sz="2800" b="0" dirty="0"/>
-              <a:t> </a:t>
-            </a:r>
-            <a:r>
-              <a:rPr lang="en-US" sz="2800" b="0" dirty="0" err="1"/>
-              <a:t>phối</a:t>
-            </a:r>
-            <a:r>
-              <a:rPr lang="en-US" sz="2800" b="0" dirty="0"/>
-              <a:t>, </a:t>
-            </a:r>
-            <a:r>
-              <a:rPr lang="en-US" sz="2800" b="0" dirty="0" err="1"/>
-              <a:t>chương</a:t>
-            </a:r>
-            <a:r>
-              <a:rPr lang="en-US" sz="2800" b="0" dirty="0"/>
-              <a:t> </a:t>
-            </a:r>
-            <a:r>
-              <a:rPr lang="en-US" sz="2800" b="0" dirty="0" err="1"/>
-              <a:t>trình</a:t>
-            </a:r>
-            <a:r>
-              <a:rPr lang="en-US" sz="2800" b="0" dirty="0"/>
-              <a:t> </a:t>
-            </a:r>
-            <a:r>
-              <a:rPr lang="en-US" sz="2800" b="0" dirty="0" err="1"/>
-              <a:t>chạy</a:t>
-            </a:r>
-            <a:r>
-              <a:rPr lang="en-US" sz="2800" b="0" dirty="0"/>
-              <a:t> </a:t>
-            </a:r>
-            <a:r>
-              <a:rPr lang="en-US" sz="2800" b="0" dirty="0" err="1"/>
-              <a:t>tương</a:t>
-            </a:r>
-            <a:r>
-              <a:rPr lang="en-US" sz="2800" b="0" dirty="0"/>
-              <a:t> </a:t>
-            </a:r>
-            <a:r>
-              <a:rPr lang="en-US" sz="2800" b="0" dirty="0" err="1"/>
-              <a:t>đối</a:t>
-            </a:r>
-            <a:r>
-              <a:rPr lang="en-US" sz="2800" b="0" dirty="0"/>
-              <a:t> </a:t>
-            </a:r>
-            <a:r>
-              <a:rPr lang="en-US" sz="2800" b="0" dirty="0" err="1"/>
-              <a:t>ổn</a:t>
-            </a:r>
-            <a:r>
-              <a:rPr lang="en-US" sz="2800" b="0" dirty="0"/>
-              <a:t> </a:t>
-            </a:r>
-            <a:r>
-              <a:rPr lang="en-US" sz="2800" b="0" dirty="0" err="1"/>
-              <a:t>định</a:t>
-            </a:r>
-            <a:r>
-              <a:rPr lang="en-US" sz="2800" b="0" dirty="0"/>
-              <a:t>. </a:t>
-            </a:r>
-            <a:endParaRPr lang="en-US" sz="2800" b="0" dirty="0" smtClean="0"/>
-          </a:p>
-          <a:p>
-            <a:r>
-              <a:rPr lang="en-US" sz="2800" b="0" dirty="0" err="1" smtClean="0"/>
-              <a:t>Hệ</a:t>
-            </a:r>
-            <a:r>
-              <a:rPr lang="en-US" sz="2800" b="0" dirty="0" smtClean="0"/>
-              <a:t> </a:t>
-            </a:r>
-            <a:r>
-              <a:rPr lang="en-US" sz="2800" b="0" dirty="0" err="1"/>
-              <a:t>thống</a:t>
-            </a:r>
-            <a:r>
-              <a:rPr lang="en-US" sz="2800" b="0" dirty="0"/>
-              <a:t> </a:t>
-            </a:r>
-            <a:r>
-              <a:rPr lang="en-US" sz="2800" b="0" dirty="0" err="1"/>
-              <a:t>đã</a:t>
-            </a:r>
-            <a:r>
-              <a:rPr lang="en-US" sz="2800" b="0" dirty="0"/>
-              <a:t> </a:t>
-            </a:r>
-            <a:r>
-              <a:rPr lang="en-US" sz="2800" b="0" dirty="0" err="1"/>
-              <a:t>và</a:t>
-            </a:r>
-            <a:r>
-              <a:rPr lang="en-US" sz="2800" b="0" dirty="0"/>
-              <a:t> </a:t>
-            </a:r>
-            <a:r>
-              <a:rPr lang="en-US" sz="2800" b="0" dirty="0" err="1"/>
-              <a:t>đang</a:t>
-            </a:r>
-            <a:r>
-              <a:rPr lang="en-US" sz="2800" b="0" dirty="0"/>
-              <a:t> </a:t>
-            </a:r>
-            <a:r>
-              <a:rPr lang="en-US" sz="2800" b="0" dirty="0" err="1"/>
-              <a:t>được</a:t>
-            </a:r>
-            <a:r>
-              <a:rPr lang="en-US" sz="2800" b="0" dirty="0"/>
-              <a:t> </a:t>
-            </a:r>
-            <a:r>
-              <a:rPr lang="en-US" sz="2800" b="0" dirty="0" err="1"/>
-              <a:t>triển</a:t>
-            </a:r>
-            <a:r>
-              <a:rPr lang="en-US" sz="2800" b="0" dirty="0"/>
-              <a:t> </a:t>
-            </a:r>
-            <a:r>
-              <a:rPr lang="en-US" sz="2800" b="0" dirty="0" err="1"/>
-              <a:t>khai</a:t>
-            </a:r>
-            <a:r>
-              <a:rPr lang="en-US" sz="2800" b="0" dirty="0"/>
-              <a:t> </a:t>
-            </a:r>
-            <a:r>
-              <a:rPr lang="en-US" sz="2800" b="0" dirty="0" err="1"/>
-              <a:t>trên</a:t>
-            </a:r>
-            <a:r>
-              <a:rPr lang="en-US" sz="2800" b="0" dirty="0"/>
-              <a:t> </a:t>
-            </a:r>
-            <a:r>
-              <a:rPr lang="en-US" sz="2800" b="0" dirty="0" err="1"/>
-              <a:t>thực</a:t>
-            </a:r>
-            <a:r>
-              <a:rPr lang="en-US" sz="2800" b="0" dirty="0"/>
-              <a:t> </a:t>
-            </a:r>
-            <a:r>
-              <a:rPr lang="en-US" sz="2800" b="0" dirty="0" err="1"/>
-              <a:t>tế</a:t>
-            </a:r>
-            <a:r>
-              <a:rPr lang="en-US" sz="2800" b="0" dirty="0"/>
-              <a:t> </a:t>
-            </a:r>
-            <a:r>
-              <a:rPr lang="en-US" sz="2800" b="0" dirty="0" err="1"/>
-              <a:t>cho</a:t>
-            </a:r>
-            <a:r>
-              <a:rPr lang="en-US" sz="2800" b="0" dirty="0"/>
-              <a:t> </a:t>
-            </a:r>
-            <a:r>
-              <a:rPr lang="en-US" sz="2800" b="0" dirty="0" err="1"/>
-              <a:t>công</a:t>
-            </a:r>
-            <a:r>
-              <a:rPr lang="en-US" sz="2800" b="0" dirty="0"/>
-              <a:t> </a:t>
-            </a:r>
-            <a:r>
-              <a:rPr lang="en-US" sz="2800" b="0" dirty="0" err="1"/>
-              <a:t>ty</a:t>
-            </a:r>
-            <a:r>
-              <a:rPr lang="en-US" sz="2800" b="0" dirty="0"/>
-              <a:t> </a:t>
-            </a:r>
-            <a:r>
-              <a:rPr lang="en-US" sz="2800" b="0" dirty="0" err="1"/>
-              <a:t>phân</a:t>
-            </a:r>
-            <a:r>
-              <a:rPr lang="en-US" sz="2800" b="0" dirty="0"/>
-              <a:t> </a:t>
-            </a:r>
-            <a:r>
-              <a:rPr lang="en-US" sz="2800" b="0" dirty="0" err="1"/>
-              <a:t>phối</a:t>
-            </a:r>
-            <a:r>
-              <a:rPr lang="en-US" sz="2800" b="0" dirty="0"/>
-              <a:t> </a:t>
-            </a:r>
-            <a:r>
-              <a:rPr lang="en-US" sz="2800" b="0" dirty="0" err="1"/>
-              <a:t>thực</a:t>
-            </a:r>
-            <a:r>
-              <a:rPr lang="en-US" sz="2800" b="0" dirty="0"/>
-              <a:t> </a:t>
-            </a:r>
-            <a:r>
-              <a:rPr lang="en-US" sz="2800" b="0" dirty="0" err="1"/>
-              <a:t>phẩm</a:t>
-            </a:r>
-            <a:r>
-              <a:rPr lang="en-US" sz="2800" b="0" dirty="0"/>
-              <a:t> </a:t>
-            </a:r>
-            <a:r>
-              <a:rPr lang="en-US" sz="2800" b="0" dirty="0" err="1"/>
-              <a:t>EUFood</a:t>
-            </a:r>
-            <a:endParaRPr lang="en-US" sz="2800" b="0" dirty="0"/>
-          </a:p>
-          <a:p>
-            <a:endParaRPr lang="en-US" dirty="0"/>
-          </a:p>
-        </p:txBody>
-      </p:sp>
+        </p:nvPicPr>
+        <p:blipFill>
+          <a:blip r:embed="rId2">
+            <a:extLst>
+              <a:ext uri="{28A0092B-C50C-407E-A947-70E740481C1C}">
+                <a14:useLocalDpi xmlns:a14="http://schemas.microsoft.com/office/drawing/2010/main" val="0"/>
+              </a:ext>
+            </a:extLst>
+          </a:blip>
+          <a:srcRect/>
+          <a:stretch>
+            <a:fillRect/>
+          </a:stretch>
+        </p:blipFill>
+        <p:spPr bwMode="auto">
+          <a:xfrm>
+            <a:off x="457200" y="1066801"/>
+            <a:ext cx="8229600" cy="5181600"/>
+          </a:xfrm>
+          <a:prstGeom prst="rect">
+            <a:avLst/>
+          </a:prstGeom>
+          <a:noFill/>
+          <a:extLst>
+            <a:ext uri="{909E8E84-426E-40DD-AFC4-6F175D3DCCD1}">
+              <a14:hiddenFill xmlns:a14="http://schemas.microsoft.com/office/drawing/2010/main">
+                <a:solidFill>
+                  <a:srgbClr val="FFFFFF"/>
+                </a:solidFill>
+              </a14:hiddenFill>
+            </a:ext>
+          </a:extLst>
+        </p:spPr>
+      </p:pic>
     </p:spTree>
     <p:extLst>
       <p:ext uri="{BB962C8B-B14F-4D97-AF65-F5344CB8AC3E}">
-        <p14:creationId xmlns:p14="http://schemas.microsoft.com/office/powerpoint/2010/main" val="3690983403"/>
+        <p14:creationId xmlns:p14="http://schemas.microsoft.com/office/powerpoint/2010/main" val="364980085"/>
       </p:ext>
     </p:extLst>
   </p:cSld>
@@ -22485,8 +20611,24 @@
           <a:lstStyle/>
           <a:p>
             <a:r>
+              <a:rPr lang="en-US" dirty="0" err="1"/>
+              <a:t>Đánh</a:t>
+            </a:r>
+            <a:r>
+              <a:rPr lang="en-US" dirty="0"/>
+              <a:t> </a:t>
+            </a:r>
+            <a:r>
+              <a:rPr lang="en-US" dirty="0" err="1"/>
+              <a:t>giá</a:t>
+            </a:r>
+            <a:r>
+              <a:rPr lang="en-US" dirty="0"/>
+              <a:t> </a:t>
+            </a:r>
+            <a:r>
               <a:rPr lang="en-US" dirty="0" err="1" smtClean="0"/>
-              <a:t>Hạn</a:t>
+              <a:t>chương</a:t>
             </a:r>
             <a:r>
               <a:rPr lang="en-US" dirty="0" smtClean="0"/>
@@ -22494,7 +20636,7 @@
             </a:r>
             <a:r>
               <a:rPr lang="en-US" dirty="0" err="1" smtClean="0"/>
-              <a:t>chế</a:t>
+              <a:t>trình</a:t>
             </a:r>
             <a:endParaRPr lang="en-US" dirty="0"/>
           </a:p>
@@ -22516,8 +20658,64 @@
           <a:lstStyle/>
           <a:p>
             <a:r>
+              <a:rPr lang="en-US" sz="2800" b="0" dirty="0" err="1"/>
+              <a:t>Chương</a:t>
+            </a:r>
+            <a:r>
+              <a:rPr lang="en-US" sz="2800" b="0" dirty="0"/>
+              <a:t> </a:t>
+            </a:r>
+            <a:r>
+              <a:rPr lang="en-US" sz="2800" b="0" dirty="0" err="1"/>
+              <a:t>trình</a:t>
+            </a:r>
+            <a:r>
+              <a:rPr lang="en-US" sz="2800" b="0" dirty="0"/>
+              <a:t> </a:t>
+            </a:r>
+            <a:r>
+              <a:rPr lang="en-US" sz="2800" b="0" dirty="0" err="1"/>
+              <a:t>hoạt</a:t>
+            </a:r>
+            <a:r>
+              <a:rPr lang="en-US" sz="2800" b="0" dirty="0"/>
+              <a:t> </a:t>
+            </a:r>
+            <a:r>
+              <a:rPr lang="en-US" sz="2800" b="0" dirty="0" err="1"/>
+              <a:t>động</a:t>
+            </a:r>
+            <a:r>
+              <a:rPr lang="en-US" sz="2800" b="0" dirty="0"/>
+              <a:t> </a:t>
+            </a:r>
+            <a:r>
+              <a:rPr lang="en-US" sz="2800" b="0" dirty="0" err="1"/>
+              <a:t>theo</a:t>
+            </a:r>
+            <a:r>
+              <a:rPr lang="en-US" sz="2800" b="0" dirty="0"/>
+              <a:t> </a:t>
+            </a:r>
+            <a:r>
+              <a:rPr lang="en-US" sz="2800" b="0" dirty="0" err="1"/>
+              <a:t>đúng</a:t>
+            </a:r>
+            <a:r>
+              <a:rPr lang="en-US" sz="2800" b="0" dirty="0"/>
+              <a:t> </a:t>
+            </a:r>
+            <a:r>
+              <a:rPr lang="en-US" sz="2800" b="0" dirty="0" err="1"/>
+              <a:t>quy</a:t>
+            </a:r>
+            <a:r>
+              <a:rPr lang="en-US" sz="2800" b="0" dirty="0"/>
+              <a:t> </a:t>
+            </a:r>
+            <a:r>
               <a:rPr lang="en-US" sz="2800" b="0" dirty="0" err="1" smtClean="0"/>
-              <a:t>Ứng</a:t>
+              <a:t>trình</a:t>
             </a:r>
             <a:r>
               <a:rPr lang="en-US" sz="2800" b="0" dirty="0" smtClean="0"/>
@@ -22525,7 +20723,7 @@
             </a:r>
             <a:r>
               <a:rPr lang="en-US" sz="2800" b="0" dirty="0" err="1" smtClean="0"/>
-              <a:t>dụng</a:t>
+              <a:t>nghiệp</a:t>
             </a:r>
             <a:r>
               <a:rPr lang="en-US" sz="2800" b="0" dirty="0" smtClean="0"/>
@@ -22533,78 +20731,170 @@
             </a:r>
             <a:r>
               <a:rPr lang="en-US" sz="2800" b="0" dirty="0" err="1" smtClean="0"/>
-              <a:t>chưa</a:t>
+              <a:t>vụ</a:t>
             </a:r>
             <a:r>
               <a:rPr lang="en-US" sz="2800" b="0" dirty="0" smtClean="0"/>
               <a:t> </a:t>
             </a:r>
             <a:r>
+              <a:rPr lang="en-US" sz="2800" b="0" dirty="0" err="1"/>
+              <a:t>và</a:t>
+            </a:r>
+            <a:r>
+              <a:rPr lang="en-US" sz="2800" b="0" dirty="0"/>
+              <a:t> </a:t>
+            </a:r>
+            <a:r>
+              <a:rPr lang="en-US" sz="2800" b="0" dirty="0" err="1"/>
+              <a:t>cho</a:t>
+            </a:r>
+            <a:r>
+              <a:rPr lang="en-US" sz="2800" b="0" dirty="0"/>
+              <a:t> </a:t>
+            </a:r>
+            <a:r>
+              <a:rPr lang="en-US" sz="2800" b="0" dirty="0" err="1"/>
+              <a:t>kết</a:t>
+            </a:r>
+            <a:r>
+              <a:rPr lang="en-US" sz="2800" b="0" dirty="0"/>
+              <a:t> </a:t>
+            </a:r>
+            <a:r>
+              <a:rPr lang="en-US" sz="2800" b="0" dirty="0" err="1"/>
+              <a:t>quả</a:t>
+            </a:r>
+            <a:r>
+              <a:rPr lang="en-US" sz="2800" b="0" dirty="0"/>
+              <a:t> </a:t>
+            </a:r>
+            <a:r>
+              <a:rPr lang="en-US" sz="2800" b="0" dirty="0" err="1"/>
+              <a:t>hiển</a:t>
+            </a:r>
+            <a:r>
+              <a:rPr lang="en-US" sz="2800" b="0" dirty="0"/>
+              <a:t> </a:t>
+            </a:r>
+            <a:r>
+              <a:rPr lang="en-US" sz="2800" b="0" dirty="0" err="1"/>
+              <a:t>thị</a:t>
+            </a:r>
+            <a:r>
+              <a:rPr lang="en-US" sz="2800" b="0" dirty="0"/>
+              <a:t> </a:t>
+            </a:r>
+            <a:r>
+              <a:rPr lang="en-US" sz="2800" b="0" dirty="0" err="1"/>
+              <a:t>đúng</a:t>
+            </a:r>
+            <a:r>
+              <a:rPr lang="en-US" sz="2800" b="0" dirty="0"/>
+              <a:t>, </a:t>
+            </a:r>
+            <a:r>
+              <a:rPr lang="en-US" sz="2800" b="0" dirty="0" err="1"/>
+              <a:t>không</a:t>
+            </a:r>
+            <a:r>
+              <a:rPr lang="en-US" sz="2800" b="0" dirty="0"/>
+              <a:t> </a:t>
+            </a:r>
+            <a:r>
+              <a:rPr lang="en-US" sz="2800" b="0" dirty="0" err="1"/>
+              <a:t>xảy</a:t>
+            </a:r>
+            <a:r>
+              <a:rPr lang="en-US" sz="2800" b="0" dirty="0"/>
+              <a:t> </a:t>
+            </a:r>
+            <a:r>
+              <a:rPr lang="en-US" sz="2800" b="0" dirty="0" err="1"/>
+              <a:t>ra</a:t>
+            </a:r>
+            <a:r>
+              <a:rPr lang="en-US" sz="2800" b="0" dirty="0"/>
+              <a:t> </a:t>
+            </a:r>
+            <a:r>
               <a:rPr lang="en-US" sz="2800" b="0" dirty="0" err="1" smtClean="0"/>
-              <a:t>hoàn</a:t>
-            </a:r>
-            <a:r>
-              <a:rPr lang="en-US" sz="2800" b="0" dirty="0" smtClean="0"/>
-              <a:t> </a:t>
-            </a:r>
-            <a:r>
-              <a:rPr lang="en-US" sz="2800" b="0" dirty="0" err="1" smtClean="0"/>
-              <a:t>thành</a:t>
-            </a:r>
-            <a:r>
-              <a:rPr lang="en-US" sz="2800" b="0" dirty="0" smtClean="0"/>
-              <a:t> </a:t>
-            </a:r>
-            <a:r>
-              <a:rPr lang="en-US" sz="2800" b="0" dirty="0" err="1" smtClean="0"/>
-              <a:t>các</a:t>
-            </a:r>
-            <a:r>
-              <a:rPr lang="en-US" sz="2800" b="0" dirty="0" smtClean="0"/>
-              <a:t> </a:t>
-            </a:r>
-            <a:r>
-              <a:rPr lang="en-US" sz="2800" b="0" dirty="0" err="1" smtClean="0"/>
-              <a:t>công</a:t>
-            </a:r>
-            <a:r>
-              <a:rPr lang="en-US" sz="2800" b="0" dirty="0" smtClean="0"/>
-              <a:t> </a:t>
-            </a:r>
-            <a:r>
-              <a:rPr lang="en-US" sz="2800" b="0" dirty="0" err="1" smtClean="0"/>
-              <a:t>tác</a:t>
-            </a:r>
-            <a:r>
-              <a:rPr lang="en-US" sz="2800" b="0" dirty="0" smtClean="0"/>
-              <a:t> </a:t>
-            </a:r>
-            <a:r>
-              <a:rPr lang="en-US" sz="2800" b="0" dirty="0" err="1" smtClean="0"/>
-              <a:t>báo</a:t>
-            </a:r>
-            <a:r>
-              <a:rPr lang="en-US" sz="2800" b="0" dirty="0" smtClean="0"/>
-              <a:t> </a:t>
-            </a:r>
-            <a:r>
-              <a:rPr lang="en-US" sz="2800" b="0" dirty="0" err="1" smtClean="0"/>
-              <a:t>cáo</a:t>
+              <a:t>lỗi</a:t>
             </a:r>
             <a:endParaRPr lang="en-US" sz="2800" b="0" dirty="0" smtClean="0"/>
           </a:p>
           <a:p>
             <a:r>
               <a:rPr lang="en-US" sz="2800" b="0" dirty="0" err="1" smtClean="0"/>
-              <a:t>Chưa</a:t>
+              <a:t>Khi</a:t>
             </a:r>
             <a:r>
               <a:rPr lang="en-US" sz="2800" b="0" dirty="0" smtClean="0"/>
               <a:t> </a:t>
             </a:r>
             <a:r>
+              <a:rPr lang="en-US" sz="2800" b="0" dirty="0" err="1"/>
+              <a:t>triển</a:t>
+            </a:r>
+            <a:r>
+              <a:rPr lang="en-US" sz="2800" b="0" dirty="0"/>
+              <a:t> </a:t>
+            </a:r>
+            <a:r>
+              <a:rPr lang="en-US" sz="2800" b="0" dirty="0" err="1"/>
+              <a:t>khai</a:t>
+            </a:r>
+            <a:r>
+              <a:rPr lang="en-US" sz="2800" b="0" dirty="0"/>
+              <a:t> </a:t>
+            </a:r>
+            <a:r>
+              <a:rPr lang="en-US" sz="2800" b="0" dirty="0" err="1"/>
+              <a:t>trên</a:t>
+            </a:r>
+            <a:r>
+              <a:rPr lang="en-US" sz="2800" b="0" dirty="0"/>
+              <a:t> </a:t>
+            </a:r>
+            <a:r>
+              <a:rPr lang="en-US" sz="2800" b="0" dirty="0" err="1"/>
+              <a:t>máy</a:t>
+            </a:r>
+            <a:r>
+              <a:rPr lang="en-US" sz="2800" b="0" dirty="0"/>
+              <a:t> </a:t>
+            </a:r>
+            <a:r>
+              <a:rPr lang="en-US" sz="2800" b="0" dirty="0" err="1"/>
+              <a:t>chủ</a:t>
+            </a:r>
+            <a:r>
+              <a:rPr lang="en-US" sz="2800" b="0" dirty="0"/>
+              <a:t> (server</a:t>
+            </a:r>
+            <a:r>
+              <a:rPr lang="en-US" sz="2800" b="0" dirty="0" smtClean="0"/>
+              <a:t>) </a:t>
+            </a:r>
+            <a:r>
+              <a:rPr lang="en-US" sz="2800" b="0" dirty="0" err="1"/>
+              <a:t>ứng</a:t>
+            </a:r>
+            <a:r>
+              <a:rPr lang="en-US" sz="2800" b="0" dirty="0"/>
+              <a:t> </a:t>
+            </a:r>
+            <a:r>
+              <a:rPr lang="en-US" sz="2800" b="0" dirty="0" err="1"/>
+              <a:t>dụng</a:t>
+            </a:r>
+            <a:r>
+              <a:rPr lang="en-US" sz="2800" b="0" dirty="0"/>
+              <a:t> </a:t>
+            </a:r>
+            <a:r>
               <a:rPr lang="en-US" sz="2800" b="0" dirty="0" err="1" smtClean="0"/>
-              <a:t>được</a:t>
+              <a:t>chạy</a:t>
             </a:r>
             <a:r>
               <a:rPr lang="en-US" sz="2800" b="0" dirty="0" smtClean="0"/>
@@ -22612,69 +20902,176 @@
             </a:r>
             <a:r>
               <a:rPr lang="en-US" sz="2800" b="0" dirty="0" err="1" smtClean="0"/>
-              <a:t>bảo</a:t>
+              <a:t>chậm</a:t>
             </a:r>
             <a:r>
               <a:rPr lang="en-US" sz="2800" b="0" dirty="0" smtClean="0"/>
-              <a:t> </a:t>
+              <a:t>, </a:t>
             </a:r>
             <a:r>
               <a:rPr lang="en-US" sz="2800" b="0" dirty="0" err="1" smtClean="0"/>
-              <a:t>mật</a:t>
-            </a:r>
-            <a:endParaRPr lang="en-US" sz="2800" b="0" dirty="0" smtClean="0"/>
+              <a:t>đặc</a:t>
+            </a:r>
+            <a:r>
+              <a:rPr lang="en-US" sz="2800" b="0" dirty="0" smtClean="0"/>
+              <a:t> </a:t>
+            </a:r>
+            <a:r>
+              <a:rPr lang="en-US" sz="2800" b="0" dirty="0" err="1" smtClean="0"/>
+              <a:t>biệt</a:t>
+            </a:r>
+            <a:r>
+              <a:rPr lang="en-US" sz="2800" b="0" dirty="0" smtClean="0"/>
+              <a:t> </a:t>
+            </a:r>
+            <a:r>
+              <a:rPr lang="en-US" sz="2800" b="0" dirty="0" err="1" smtClean="0"/>
+              <a:t>là</a:t>
+            </a:r>
+            <a:r>
+              <a:rPr lang="en-US" sz="2800" b="0" dirty="0" smtClean="0"/>
+              <a:t> </a:t>
+            </a:r>
+            <a:r>
+              <a:rPr lang="en-US" sz="2800" b="0" dirty="0" err="1" smtClean="0"/>
+              <a:t>khi</a:t>
+            </a:r>
+            <a:r>
+              <a:rPr lang="en-US" sz="2800" b="0" dirty="0" smtClean="0"/>
+              <a:t> </a:t>
+            </a:r>
+            <a:r>
+              <a:rPr lang="en-US" sz="2800" b="0" dirty="0" err="1" smtClean="0"/>
+              <a:t>cả</a:t>
+            </a:r>
+            <a:r>
+              <a:rPr lang="en-US" sz="2800" b="0" dirty="0" smtClean="0"/>
+              <a:t> </a:t>
+            </a:r>
+            <a:r>
+              <a:rPr lang="en-US" sz="2800" b="0" dirty="0" err="1" smtClean="0"/>
+              <a:t>tài</a:t>
+            </a:r>
+            <a:r>
+              <a:rPr lang="en-US" sz="2800" b="0" dirty="0" smtClean="0"/>
+              <a:t> </a:t>
+            </a:r>
+            <a:r>
+              <a:rPr lang="en-US" sz="2800" b="0" dirty="0" err="1" smtClean="0"/>
+              <a:t>khoản</a:t>
+            </a:r>
+            <a:r>
+              <a:rPr lang="en-US" sz="2800" b="0" dirty="0" smtClean="0"/>
+              <a:t> </a:t>
+            </a:r>
+            <a:r>
+              <a:rPr lang="en-US" sz="2800" b="0" dirty="0" err="1" smtClean="0"/>
+              <a:t>ứng</a:t>
+            </a:r>
+            <a:r>
+              <a:rPr lang="en-US" sz="2800" b="0" dirty="0" smtClean="0"/>
+              <a:t> </a:t>
+            </a:r>
+            <a:r>
+              <a:rPr lang="en-US" sz="2800" b="0" dirty="0" err="1" smtClean="0"/>
+              <a:t>dụng</a:t>
+            </a:r>
+            <a:r>
+              <a:rPr lang="en-US" sz="2800" b="0" dirty="0" smtClean="0"/>
+              <a:t> </a:t>
+            </a:r>
+            <a:r>
+              <a:rPr lang="en-US" sz="2800" b="0" dirty="0" err="1" smtClean="0"/>
+              <a:t>đặt</a:t>
+            </a:r>
+            <a:r>
+              <a:rPr lang="en-US" sz="2800" b="0" dirty="0" smtClean="0"/>
+              <a:t> </a:t>
+            </a:r>
+            <a:r>
+              <a:rPr lang="en-US" sz="2800" b="0" dirty="0" err="1" smtClean="0"/>
+              <a:t>hàng</a:t>
+            </a:r>
+            <a:r>
+              <a:rPr lang="en-US" sz="2800" b="0" dirty="0" smtClean="0"/>
+              <a:t> </a:t>
+            </a:r>
+            <a:r>
+              <a:rPr lang="en-US" sz="2800" b="0" dirty="0" err="1" smtClean="0"/>
+              <a:t>và</a:t>
+            </a:r>
+            <a:r>
+              <a:rPr lang="en-US" sz="2800" b="0" dirty="0" smtClean="0"/>
+              <a:t> </a:t>
+            </a:r>
+            <a:r>
+              <a:rPr lang="en-US" sz="2800" b="0" dirty="0" err="1" smtClean="0"/>
+              <a:t>ứng</a:t>
+            </a:r>
+            <a:r>
+              <a:rPr lang="en-US" sz="2800" b="0" dirty="0" smtClean="0"/>
+              <a:t> </a:t>
+            </a:r>
+            <a:r>
+              <a:rPr lang="en-US" sz="2800" b="0" dirty="0" err="1" smtClean="0"/>
+              <a:t>dụng</a:t>
+            </a:r>
+            <a:r>
+              <a:rPr lang="en-US" sz="2800" b="0" dirty="0" smtClean="0"/>
+              <a:t> web </a:t>
+            </a:r>
+            <a:r>
+              <a:rPr lang="en-US" sz="2800" b="0" dirty="0" err="1" smtClean="0"/>
+              <a:t>cùng</a:t>
+            </a:r>
+            <a:r>
+              <a:rPr lang="en-US" sz="2800" b="0" dirty="0" smtClean="0"/>
+              <a:t> </a:t>
+            </a:r>
+            <a:r>
+              <a:rPr lang="en-US" sz="2800" b="0" dirty="0" err="1" smtClean="0"/>
+              <a:t>lúc</a:t>
+            </a:r>
+            <a:r>
+              <a:rPr lang="en-US" sz="2800" b="0" dirty="0" smtClean="0"/>
+              <a:t> </a:t>
+            </a:r>
+            <a:r>
+              <a:rPr lang="en-US" sz="2800" b="0" dirty="0" err="1" smtClean="0"/>
+              <a:t>hoạt</a:t>
+            </a:r>
+            <a:r>
+              <a:rPr lang="en-US" sz="2800" b="0" dirty="0" smtClean="0"/>
+              <a:t> </a:t>
+            </a:r>
+            <a:r>
+              <a:rPr lang="en-US" sz="2800" b="0" dirty="0" err="1" smtClean="0"/>
+              <a:t>động</a:t>
+            </a:r>
+            <a:endParaRPr lang="en-US" sz="2800" b="0" dirty="0"/>
           </a:p>
           <a:p>
-            <a:r>
-              <a:rPr lang="en-US" sz="2800" b="0" dirty="0" err="1" smtClean="0"/>
-              <a:t>Khả</a:t>
-            </a:r>
-            <a:r>
-              <a:rPr lang="en-US" sz="2800" b="0" dirty="0" smtClean="0"/>
-              <a:t> </a:t>
-            </a:r>
-            <a:r>
-              <a:rPr lang="en-US" sz="2800" b="0" dirty="0" err="1" smtClean="0"/>
-              <a:t>năng</a:t>
-            </a:r>
-            <a:r>
-              <a:rPr lang="en-US" sz="2800" b="0" dirty="0" smtClean="0"/>
-              <a:t> </a:t>
-            </a:r>
-            <a:r>
-              <a:rPr lang="en-US" sz="2800" b="0" dirty="0" err="1" smtClean="0"/>
-              <a:t>chịu</a:t>
-            </a:r>
-            <a:r>
-              <a:rPr lang="en-US" sz="2800" b="0" dirty="0" smtClean="0"/>
-              <a:t> </a:t>
-            </a:r>
-            <a:r>
-              <a:rPr lang="en-US" sz="2800" b="0" dirty="0" err="1" smtClean="0"/>
-              <a:t>tải</a:t>
-            </a:r>
-            <a:r>
-              <a:rPr lang="en-US" sz="2800" b="0" dirty="0" smtClean="0"/>
-              <a:t> </a:t>
-            </a:r>
-            <a:r>
-              <a:rPr lang="en-US" sz="2800" b="0" dirty="0" err="1" smtClean="0"/>
-              <a:t>kém</a:t>
-            </a:r>
-            <a:endParaRPr lang="en-US" sz="2800" b="0" dirty="0"/>
+            <a:endParaRPr lang="en-US" dirty="0"/>
           </a:p>
         </p:txBody>
       </p:sp>
     </p:spTree>
     <p:extLst>
       <p:ext uri="{BB962C8B-B14F-4D97-AF65-F5344CB8AC3E}">
-        <p14:creationId xmlns:p14="http://schemas.microsoft.com/office/powerpoint/2010/main" val="2698879725"/>
+        <p14:creationId xmlns:p14="http://schemas.microsoft.com/office/powerpoint/2010/main" val="229301123"/>
       </p:ext>
     </p:extLst>
   </p:cSld>
   <p:clrMapOvr>
     <a:masterClrMapping/>
   </p:clrMapOvr>
+  <p:timing>
+    <p:tnLst>
+      <p:par>
+        <p:cTn id="1" dur="indefinite" restart="never" nodeType="tmRoot"/>
+      </p:par>
+    </p:tnLst>
+  </p:timing>
 </p:sld>
 </file>
 
@@ -22712,6 +21109,2150 @@
           <a:p>
             <a:r>
               <a:rPr lang="en-US" dirty="0" err="1" smtClean="0"/>
+              <a:t>Kết</a:t>
+            </a:r>
+            <a:r>
+              <a:rPr lang="en-US" dirty="0" smtClean="0"/>
+              <a:t> </a:t>
+            </a:r>
+            <a:r>
+              <a:rPr lang="en-US" dirty="0" err="1" smtClean="0"/>
+              <a:t>quả</a:t>
+            </a:r>
+            <a:r>
+              <a:rPr lang="en-US" dirty="0" smtClean="0"/>
+              <a:t> </a:t>
+            </a:r>
+            <a:r>
+              <a:rPr lang="en-US" dirty="0" err="1" smtClean="0"/>
+              <a:t>đạt</a:t>
+            </a:r>
+            <a:r>
+              <a:rPr lang="en-US" dirty="0" smtClean="0"/>
+              <a:t> </a:t>
+            </a:r>
+            <a:r>
+              <a:rPr lang="en-US" dirty="0" err="1" smtClean="0"/>
+              <a:t>được</a:t>
+            </a:r>
+            <a:endParaRPr lang="en-US" dirty="0"/>
+          </a:p>
+        </p:txBody>
+      </p:sp>
+      <p:sp>
+        <p:nvSpPr>
+          <p:cNvPr id="3" name="Content Placeholder 2"/>
+          <p:cNvSpPr>
+            <a:spLocks noGrp="1"/>
+          </p:cNvSpPr>
+          <p:nvPr>
+            <p:ph idx="1"/>
+          </p:nvPr>
+        </p:nvSpPr>
+        <p:spPr/>
+        <p:txBody>
+          <a:bodyPr/>
+          <a:lstStyle/>
+          <a:p>
+            <a:pPr marL="114300" lvl="0" indent="0">
+              <a:buNone/>
+            </a:pPr>
+            <a:r>
+              <a:rPr lang="en-US" sz="2800" dirty="0" err="1"/>
+              <a:t>Về</a:t>
+            </a:r>
+            <a:r>
+              <a:rPr lang="en-US" sz="2800" dirty="0"/>
+              <a:t> </a:t>
+            </a:r>
+            <a:r>
+              <a:rPr lang="en-US" sz="2800" dirty="0" err="1"/>
+              <a:t>mặt</a:t>
+            </a:r>
+            <a:r>
+              <a:rPr lang="en-US" sz="2800" dirty="0"/>
+              <a:t> </a:t>
+            </a:r>
+            <a:r>
+              <a:rPr lang="en-US" sz="2800" dirty="0" err="1"/>
+              <a:t>nghiên</a:t>
+            </a:r>
+            <a:r>
+              <a:rPr lang="en-US" sz="2800" dirty="0"/>
+              <a:t> </a:t>
+            </a:r>
+            <a:r>
+              <a:rPr lang="en-US" sz="2800" dirty="0" err="1"/>
+              <a:t>cứu</a:t>
+            </a:r>
+            <a:r>
+              <a:rPr lang="en-US" sz="2800" dirty="0"/>
+              <a:t> </a:t>
+            </a:r>
+            <a:r>
+              <a:rPr lang="en-US" sz="2800" dirty="0" err="1"/>
+              <a:t>công</a:t>
+            </a:r>
+            <a:r>
+              <a:rPr lang="en-US" sz="2800" dirty="0"/>
+              <a:t> </a:t>
+            </a:r>
+            <a:r>
+              <a:rPr lang="en-US" sz="2800" dirty="0" err="1"/>
+              <a:t>nghệ</a:t>
+            </a:r>
+            <a:endParaRPr lang="en-US" sz="2800" dirty="0"/>
+          </a:p>
+          <a:p>
+            <a:pPr lvl="0"/>
+            <a:r>
+              <a:rPr lang="en-US" sz="2800" b="0" dirty="0" err="1"/>
+              <a:t>Tìm</a:t>
+            </a:r>
+            <a:r>
+              <a:rPr lang="en-US" sz="2800" b="0" dirty="0"/>
+              <a:t> </a:t>
+            </a:r>
+            <a:r>
+              <a:rPr lang="en-US" sz="2800" b="0" dirty="0" err="1"/>
+              <a:t>hiểu</a:t>
+            </a:r>
+            <a:r>
+              <a:rPr lang="en-US" sz="2800" b="0" dirty="0"/>
+              <a:t> </a:t>
+            </a:r>
+            <a:r>
+              <a:rPr lang="en-US" sz="2800" b="0" dirty="0" err="1"/>
+              <a:t>mô</a:t>
+            </a:r>
+            <a:r>
+              <a:rPr lang="en-US" sz="2800" b="0" dirty="0"/>
+              <a:t> </a:t>
+            </a:r>
+            <a:r>
+              <a:rPr lang="en-US" sz="2800" b="0" dirty="0" err="1"/>
+              <a:t>hình</a:t>
+            </a:r>
+            <a:r>
+              <a:rPr lang="en-US" sz="2800" b="0" dirty="0"/>
+              <a:t> </a:t>
+            </a:r>
+            <a:r>
+              <a:rPr lang="en-US" sz="2800" b="0" dirty="0" err="1"/>
+              <a:t>quản</a:t>
+            </a:r>
+            <a:r>
+              <a:rPr lang="en-US" sz="2800" b="0" dirty="0"/>
+              <a:t> </a:t>
+            </a:r>
+            <a:r>
+              <a:rPr lang="en-US" sz="2800" b="0" dirty="0" err="1"/>
+              <a:t>lý</a:t>
+            </a:r>
+            <a:r>
+              <a:rPr lang="en-US" sz="2800" b="0" dirty="0"/>
+              <a:t> </a:t>
+            </a:r>
+            <a:r>
+              <a:rPr lang="en-US" sz="2800" b="0" dirty="0" err="1"/>
+              <a:t>phân</a:t>
+            </a:r>
+            <a:r>
+              <a:rPr lang="en-US" sz="2800" b="0" dirty="0"/>
+              <a:t> </a:t>
+            </a:r>
+            <a:r>
+              <a:rPr lang="en-US" sz="2800" b="0" dirty="0" err="1"/>
+              <a:t>phối</a:t>
+            </a:r>
+            <a:r>
+              <a:rPr lang="en-US" sz="2800" b="0" dirty="0"/>
+              <a:t> </a:t>
+            </a:r>
+            <a:r>
+              <a:rPr lang="en-US" sz="2800" b="0" dirty="0" err="1"/>
+              <a:t>hiện</a:t>
+            </a:r>
+            <a:r>
+              <a:rPr lang="en-US" sz="2800" b="0" dirty="0"/>
+              <a:t> </a:t>
+            </a:r>
+            <a:r>
+              <a:rPr lang="en-US" sz="2800" b="0" dirty="0" err="1"/>
+              <a:t>đại</a:t>
+            </a:r>
+            <a:endParaRPr lang="en-US" sz="2800" b="0" dirty="0"/>
+          </a:p>
+          <a:p>
+            <a:pPr lvl="0"/>
+            <a:r>
+              <a:rPr lang="en-US" sz="2800" b="0" dirty="0" err="1"/>
+              <a:t>Tìm</a:t>
+            </a:r>
+            <a:r>
+              <a:rPr lang="en-US" sz="2800" b="0" dirty="0"/>
+              <a:t> </a:t>
+            </a:r>
+            <a:r>
+              <a:rPr lang="en-US" sz="2800" b="0" dirty="0" err="1"/>
+              <a:t>hiểu</a:t>
+            </a:r>
+            <a:r>
+              <a:rPr lang="en-US" sz="2800" b="0" dirty="0"/>
+              <a:t> </a:t>
+            </a:r>
+            <a:r>
+              <a:rPr lang="en-US" sz="2800" b="0" dirty="0" err="1"/>
+              <a:t>được</a:t>
+            </a:r>
+            <a:r>
+              <a:rPr lang="en-US" sz="2800" b="0" dirty="0"/>
+              <a:t> </a:t>
+            </a:r>
+            <a:r>
+              <a:rPr lang="en-US" sz="2800" b="0" dirty="0" err="1"/>
+              <a:t>các</a:t>
+            </a:r>
+            <a:r>
+              <a:rPr lang="en-US" sz="2800" b="0" dirty="0"/>
+              <a:t> </a:t>
+            </a:r>
+            <a:r>
+              <a:rPr lang="en-US" sz="2800" b="0" dirty="0" err="1"/>
+              <a:t>nghiệp</a:t>
+            </a:r>
+            <a:r>
+              <a:rPr lang="en-US" sz="2800" b="0" dirty="0"/>
+              <a:t> </a:t>
+            </a:r>
+            <a:r>
+              <a:rPr lang="en-US" sz="2800" b="0" dirty="0" err="1"/>
+              <a:t>vụ</a:t>
+            </a:r>
+            <a:r>
+              <a:rPr lang="en-US" sz="2800" b="0" dirty="0"/>
+              <a:t> </a:t>
+            </a:r>
+            <a:r>
+              <a:rPr lang="en-US" sz="2800" b="0" dirty="0" err="1"/>
+              <a:t>kế</a:t>
+            </a:r>
+            <a:r>
+              <a:rPr lang="en-US" sz="2800" b="0" dirty="0"/>
+              <a:t> </a:t>
+            </a:r>
+            <a:r>
+              <a:rPr lang="en-US" sz="2800" b="0" dirty="0" err="1"/>
+              <a:t>toán</a:t>
+            </a:r>
+            <a:endParaRPr lang="en-US" sz="2800" b="0" dirty="0"/>
+          </a:p>
+          <a:p>
+            <a:pPr lvl="0"/>
+            <a:r>
+              <a:rPr lang="en-US" sz="2800" b="0" dirty="0" err="1"/>
+              <a:t>Học</a:t>
+            </a:r>
+            <a:r>
+              <a:rPr lang="en-US" sz="2800" b="0" dirty="0"/>
+              <a:t> </a:t>
+            </a:r>
+            <a:r>
+              <a:rPr lang="en-US" sz="2800" b="0" dirty="0" err="1"/>
+              <a:t>tập</a:t>
+            </a:r>
+            <a:r>
+              <a:rPr lang="en-US" sz="2800" b="0" dirty="0"/>
+              <a:t>, </a:t>
+            </a:r>
+            <a:r>
+              <a:rPr lang="en-US" sz="2800" b="0" dirty="0" err="1"/>
+              <a:t>nghiên</a:t>
+            </a:r>
+            <a:r>
+              <a:rPr lang="en-US" sz="2800" b="0" dirty="0"/>
+              <a:t> </a:t>
+            </a:r>
+            <a:r>
+              <a:rPr lang="en-US" sz="2800" b="0" dirty="0" err="1"/>
+              <a:t>cứu</a:t>
+            </a:r>
+            <a:r>
+              <a:rPr lang="en-US" sz="2800" b="0" dirty="0"/>
+              <a:t> </a:t>
+            </a:r>
+            <a:r>
+              <a:rPr lang="en-US" sz="2800" b="0" dirty="0" err="1"/>
+              <a:t>về</a:t>
+            </a:r>
+            <a:r>
+              <a:rPr lang="en-US" sz="2800" b="0" dirty="0"/>
+              <a:t> java web, </a:t>
+            </a:r>
+            <a:r>
+              <a:rPr lang="en-US" sz="2800" b="0" dirty="0" err="1"/>
+              <a:t>jsp</a:t>
+            </a:r>
+            <a:endParaRPr lang="en-US" sz="2800" b="0" dirty="0"/>
+          </a:p>
+          <a:p>
+            <a:pPr lvl="0"/>
+            <a:r>
+              <a:rPr lang="en-US" sz="2800" b="0" dirty="0" err="1"/>
+              <a:t>Thực</a:t>
+            </a:r>
+            <a:r>
+              <a:rPr lang="en-US" sz="2800" b="0" dirty="0"/>
+              <a:t> </a:t>
+            </a:r>
+            <a:r>
+              <a:rPr lang="en-US" sz="2800" b="0" dirty="0" err="1"/>
+              <a:t>hành</a:t>
+            </a:r>
+            <a:r>
+              <a:rPr lang="en-US" sz="2800" b="0" dirty="0"/>
+              <a:t> </a:t>
+            </a:r>
+            <a:r>
+              <a:rPr lang="en-US" sz="2800" b="0" dirty="0" err="1"/>
+              <a:t>sâu</a:t>
+            </a:r>
+            <a:r>
+              <a:rPr lang="en-US" sz="2800" b="0" dirty="0"/>
+              <a:t> </a:t>
+            </a:r>
+            <a:r>
+              <a:rPr lang="en-US" sz="2800" b="0" dirty="0" err="1"/>
+              <a:t>hơn</a:t>
+            </a:r>
+            <a:r>
+              <a:rPr lang="en-US" sz="2800" b="0" dirty="0"/>
+              <a:t> </a:t>
+            </a:r>
+            <a:r>
+              <a:rPr lang="en-US" sz="2800" b="0" dirty="0" err="1"/>
+              <a:t>về</a:t>
+            </a:r>
+            <a:r>
+              <a:rPr lang="en-US" sz="2800" b="0" dirty="0"/>
+              <a:t> struts2, hibernate3 framework</a:t>
+            </a:r>
+          </a:p>
+          <a:p>
+            <a:pPr lvl="0"/>
+            <a:r>
+              <a:rPr lang="en-US" sz="2800" b="0" dirty="0" err="1"/>
+              <a:t>Tìm</a:t>
+            </a:r>
+            <a:r>
+              <a:rPr lang="en-US" sz="2800" b="0" dirty="0"/>
+              <a:t> </a:t>
+            </a:r>
+            <a:r>
+              <a:rPr lang="en-US" sz="2800" b="0" dirty="0" err="1"/>
+              <a:t>hiểu</a:t>
+            </a:r>
+            <a:r>
+              <a:rPr lang="en-US" sz="2800" b="0" dirty="0"/>
+              <a:t> </a:t>
+            </a:r>
+            <a:r>
+              <a:rPr lang="en-US" sz="2800" b="0" dirty="0" err="1"/>
+              <a:t>và</a:t>
+            </a:r>
+            <a:r>
+              <a:rPr lang="en-US" sz="2800" b="0" dirty="0"/>
+              <a:t> </a:t>
+            </a:r>
+            <a:r>
+              <a:rPr lang="en-US" sz="2800" b="0" dirty="0" err="1"/>
+              <a:t>ứng</a:t>
+            </a:r>
+            <a:r>
+              <a:rPr lang="en-US" sz="2800" b="0" dirty="0"/>
+              <a:t> </a:t>
+            </a:r>
+            <a:r>
+              <a:rPr lang="en-US" sz="2800" b="0" dirty="0" err="1"/>
+              <a:t>dụng</a:t>
+            </a:r>
+            <a:r>
+              <a:rPr lang="en-US" sz="2800" b="0" dirty="0"/>
+              <a:t> </a:t>
+            </a:r>
+            <a:r>
+              <a:rPr lang="en-US" sz="2800" b="0" dirty="0" err="1"/>
+              <a:t>webservice</a:t>
+            </a:r>
+            <a:r>
+              <a:rPr lang="en-US" sz="2800" b="0" dirty="0"/>
+              <a:t> </a:t>
+            </a:r>
+            <a:r>
+              <a:rPr lang="en-US" sz="2800" b="0" dirty="0" err="1"/>
+              <a:t>để</a:t>
+            </a:r>
+            <a:r>
+              <a:rPr lang="en-US" sz="2800" b="0" dirty="0"/>
+              <a:t> </a:t>
+            </a:r>
+            <a:r>
+              <a:rPr lang="en-US" sz="2800" b="0" dirty="0" err="1"/>
+              <a:t>phát</a:t>
+            </a:r>
+            <a:r>
+              <a:rPr lang="en-US" sz="2800" b="0" dirty="0"/>
+              <a:t> </a:t>
+            </a:r>
+            <a:r>
+              <a:rPr lang="en-US" sz="2800" b="0" dirty="0" err="1"/>
+              <a:t>triển</a:t>
+            </a:r>
+            <a:r>
+              <a:rPr lang="en-US" sz="2800" b="0" dirty="0"/>
+              <a:t> </a:t>
+            </a:r>
+            <a:r>
+              <a:rPr lang="en-US" sz="2800" b="0" dirty="0" err="1"/>
+              <a:t>rộng</a:t>
+            </a:r>
+            <a:r>
+              <a:rPr lang="en-US" sz="2800" b="0" dirty="0"/>
+              <a:t> </a:t>
+            </a:r>
+            <a:r>
+              <a:rPr lang="en-US" sz="2800" b="0" dirty="0" err="1"/>
+              <a:t>hệ</a:t>
+            </a:r>
+            <a:r>
+              <a:rPr lang="en-US" sz="2800" b="0" dirty="0"/>
+              <a:t> </a:t>
+            </a:r>
+            <a:r>
+              <a:rPr lang="en-US" sz="2800" b="0" dirty="0" err="1"/>
+              <a:t>thống</a:t>
+            </a:r>
+            <a:endParaRPr lang="en-US" sz="2800" b="0" dirty="0"/>
+          </a:p>
+          <a:p>
+            <a:pPr lvl="0"/>
+            <a:r>
+              <a:rPr lang="en-US" sz="2800" b="0" dirty="0" err="1"/>
+              <a:t>Hiểu</a:t>
+            </a:r>
+            <a:r>
+              <a:rPr lang="en-US" sz="2800" b="0" dirty="0"/>
+              <a:t> </a:t>
+            </a:r>
+            <a:r>
+              <a:rPr lang="en-US" sz="2800" b="0" dirty="0" err="1"/>
+              <a:t>được</a:t>
+            </a:r>
+            <a:r>
+              <a:rPr lang="en-US" sz="2800" b="0" dirty="0"/>
+              <a:t> </a:t>
+            </a:r>
+            <a:r>
+              <a:rPr lang="en-US" sz="2800" b="0" dirty="0" err="1"/>
+              <a:t>cách</a:t>
+            </a:r>
+            <a:r>
+              <a:rPr lang="en-US" sz="2800" b="0" dirty="0"/>
+              <a:t> </a:t>
+            </a:r>
+            <a:r>
+              <a:rPr lang="en-US" sz="2800" b="0" dirty="0" err="1"/>
+              <a:t>hoạt</a:t>
+            </a:r>
+            <a:r>
+              <a:rPr lang="en-US" sz="2800" b="0" dirty="0"/>
+              <a:t> </a:t>
+            </a:r>
+            <a:r>
+              <a:rPr lang="en-US" sz="2800" b="0" dirty="0" err="1"/>
+              <a:t>động</a:t>
+            </a:r>
+            <a:r>
+              <a:rPr lang="en-US" sz="2800" b="0" dirty="0"/>
+              <a:t> </a:t>
+            </a:r>
+            <a:r>
+              <a:rPr lang="en-US" sz="2800" b="0" dirty="0" err="1"/>
+              <a:t>và</a:t>
+            </a:r>
+            <a:r>
+              <a:rPr lang="en-US" sz="2800" b="0" dirty="0"/>
+              <a:t> </a:t>
+            </a:r>
+            <a:r>
+              <a:rPr lang="en-US" sz="2800" b="0" dirty="0" err="1"/>
+              <a:t>trình</a:t>
+            </a:r>
+            <a:r>
+              <a:rPr lang="en-US" sz="2800" b="0" dirty="0"/>
+              <a:t> </a:t>
+            </a:r>
+            <a:r>
+              <a:rPr lang="en-US" sz="2800" b="0" dirty="0" err="1"/>
+              <a:t>diễn</a:t>
+            </a:r>
+            <a:r>
+              <a:rPr lang="en-US" sz="2800" b="0" dirty="0"/>
+              <a:t> GPS </a:t>
+            </a:r>
+            <a:r>
+              <a:rPr lang="en-US" sz="2800" b="0" dirty="0" err="1"/>
+              <a:t>trên</a:t>
+            </a:r>
+            <a:r>
+              <a:rPr lang="en-US" sz="2800" b="0" dirty="0"/>
+              <a:t> </a:t>
+            </a:r>
+            <a:r>
+              <a:rPr lang="en-US" sz="2800" b="0" dirty="0" err="1"/>
+              <a:t>google</a:t>
+            </a:r>
+            <a:r>
+              <a:rPr lang="en-US" sz="2800" b="0" dirty="0"/>
+              <a:t> maps</a:t>
+            </a:r>
+            <a:endParaRPr lang="en-US" sz="2800" dirty="0"/>
+          </a:p>
+        </p:txBody>
+      </p:sp>
+    </p:spTree>
+    <p:extLst>
+      <p:ext uri="{BB962C8B-B14F-4D97-AF65-F5344CB8AC3E}">
+        <p14:creationId xmlns:p14="http://schemas.microsoft.com/office/powerpoint/2010/main" val="3461080980"/>
+      </p:ext>
+    </p:extLst>
+  </p:cSld>
+  <p:clrMapOvr>
+    <a:masterClrMapping/>
+  </p:clrMapOvr>
+  <p:timing>
+    <p:tnLst>
+      <p:par>
+        <p:cTn id="1" dur="indefinite" restart="never" nodeType="tmRoot"/>
+      </p:par>
+    </p:tnLst>
+  </p:timing>
+</p:sld>
+</file>
+
+<file path=ppt/slides/slide33.xml><?xml version="1.0" encoding="utf-8"?>
+<p:sld xmlns:a="http://schemas.openxmlformats.org/drawingml/2006/main" xmlns:r="http://schemas.openxmlformats.org/officeDocument/2006/relationships" xmlns:p="http://schemas.openxmlformats.org/presentationml/2006/main">
+  <p:cSld>
+    <p:spTree>
+      <p:nvGrpSpPr>
+        <p:cNvPr id="1" name=""/>
+        <p:cNvGrpSpPr/>
+        <p:nvPr/>
+      </p:nvGrpSpPr>
+      <p:grpSpPr>
+        <a:xfrm>
+          <a:off x="0" y="0"/>
+          <a:ext cx="0" cy="0"/>
+          <a:chOff x="0" y="0"/>
+          <a:chExt cx="0" cy="0"/>
+        </a:xfrm>
+      </p:grpSpPr>
+      <p:sp>
+        <p:nvSpPr>
+          <p:cNvPr id="2" name="Title 1"/>
+          <p:cNvSpPr>
+            <a:spLocks noGrp="1"/>
+          </p:cNvSpPr>
+          <p:nvPr>
+            <p:ph type="title"/>
+          </p:nvPr>
+        </p:nvSpPr>
+        <p:spPr/>
+        <p:txBody>
+          <a:bodyPr/>
+          <a:lstStyle/>
+          <a:p>
+            <a:r>
+              <a:rPr lang="en-US" dirty="0" err="1" smtClean="0"/>
+              <a:t>Kết</a:t>
+            </a:r>
+            <a:r>
+              <a:rPr lang="en-US" dirty="0" smtClean="0"/>
+              <a:t> </a:t>
+            </a:r>
+            <a:r>
+              <a:rPr lang="en-US" dirty="0" err="1" smtClean="0"/>
+              <a:t>quả</a:t>
+            </a:r>
+            <a:r>
+              <a:rPr lang="en-US" dirty="0" smtClean="0"/>
+              <a:t> </a:t>
+            </a:r>
+            <a:r>
+              <a:rPr lang="en-US" dirty="0" err="1" smtClean="0"/>
+              <a:t>đạt</a:t>
+            </a:r>
+            <a:r>
+              <a:rPr lang="en-US" dirty="0" smtClean="0"/>
+              <a:t> </a:t>
+            </a:r>
+            <a:r>
+              <a:rPr lang="en-US" dirty="0" err="1" smtClean="0"/>
+              <a:t>được</a:t>
+            </a:r>
+            <a:endParaRPr lang="en-US" dirty="0"/>
+          </a:p>
+        </p:txBody>
+      </p:sp>
+      <p:sp>
+        <p:nvSpPr>
+          <p:cNvPr id="3" name="Content Placeholder 2"/>
+          <p:cNvSpPr>
+            <a:spLocks noGrp="1"/>
+          </p:cNvSpPr>
+          <p:nvPr>
+            <p:ph idx="1"/>
+          </p:nvPr>
+        </p:nvSpPr>
+        <p:spPr/>
+        <p:txBody>
+          <a:bodyPr/>
+          <a:lstStyle/>
+          <a:p>
+            <a:pPr marL="114300" lvl="0" indent="0">
+              <a:buNone/>
+            </a:pPr>
+            <a:r>
+              <a:rPr lang="en-US" sz="2800" dirty="0" err="1"/>
+              <a:t>Về</a:t>
+            </a:r>
+            <a:r>
+              <a:rPr lang="en-US" sz="2800" dirty="0"/>
+              <a:t> </a:t>
+            </a:r>
+            <a:r>
+              <a:rPr lang="en-US" sz="2800" dirty="0" err="1"/>
+              <a:t>mặt</a:t>
+            </a:r>
+            <a:r>
+              <a:rPr lang="en-US" sz="2800" dirty="0"/>
+              <a:t> </a:t>
+            </a:r>
+            <a:r>
+              <a:rPr lang="en-US" sz="2800" dirty="0" err="1"/>
+              <a:t>ứng</a:t>
+            </a:r>
+            <a:r>
+              <a:rPr lang="en-US" sz="2800" dirty="0"/>
+              <a:t> </a:t>
+            </a:r>
+            <a:r>
+              <a:rPr lang="en-US" sz="2800" dirty="0" err="1"/>
+              <a:t>dụng</a:t>
+            </a:r>
+            <a:endParaRPr lang="en-US" sz="2800" dirty="0"/>
+          </a:p>
+          <a:p>
+            <a:pPr lvl="0"/>
+            <a:r>
+              <a:rPr lang="en-US" sz="2800" b="0" dirty="0" err="1"/>
+              <a:t>Ứng</a:t>
+            </a:r>
+            <a:r>
+              <a:rPr lang="en-US" sz="2800" b="0" dirty="0"/>
+              <a:t> </a:t>
+            </a:r>
+            <a:r>
+              <a:rPr lang="en-US" sz="2800" b="0" dirty="0" err="1"/>
+              <a:t>dụng</a:t>
+            </a:r>
+            <a:r>
+              <a:rPr lang="en-US" sz="2800" b="0" dirty="0"/>
+              <a:t> </a:t>
+            </a:r>
+            <a:r>
+              <a:rPr lang="en-US" sz="2800" b="0" dirty="0" err="1"/>
+              <a:t>tích</a:t>
+            </a:r>
+            <a:r>
+              <a:rPr lang="en-US" sz="2800" b="0" dirty="0"/>
+              <a:t> </a:t>
+            </a:r>
+            <a:r>
+              <a:rPr lang="en-US" sz="2800" b="0" dirty="0" err="1"/>
+              <a:t>hợp</a:t>
+            </a:r>
+            <a:r>
+              <a:rPr lang="en-US" sz="2800" b="0" dirty="0"/>
+              <a:t> </a:t>
+            </a:r>
+            <a:r>
+              <a:rPr lang="en-US" sz="2800" b="0" dirty="0" err="1"/>
+              <a:t>thành</a:t>
+            </a:r>
+            <a:r>
+              <a:rPr lang="en-US" sz="2800" b="0" dirty="0"/>
+              <a:t> </a:t>
+            </a:r>
+            <a:r>
+              <a:rPr lang="en-US" sz="2800" b="0" dirty="0" err="1"/>
+              <a:t>công</a:t>
+            </a:r>
+            <a:r>
+              <a:rPr lang="en-US" sz="2800" b="0" dirty="0"/>
+              <a:t> struts2, hibernate3 </a:t>
+            </a:r>
+            <a:r>
+              <a:rPr lang="en-US" sz="2800" b="0" dirty="0" err="1"/>
+              <a:t>vào</a:t>
+            </a:r>
+            <a:r>
+              <a:rPr lang="en-US" sz="2800" b="0" dirty="0"/>
+              <a:t> project </a:t>
+            </a:r>
+            <a:r>
+              <a:rPr lang="en-US" sz="2800" b="0" dirty="0" err="1"/>
+              <a:t>javaweb</a:t>
+            </a:r>
+            <a:r>
+              <a:rPr lang="en-US" sz="2800" b="0" dirty="0"/>
+              <a:t> </a:t>
+            </a:r>
+            <a:r>
+              <a:rPr lang="en-US" sz="2800" b="0" dirty="0" err="1"/>
+              <a:t>giúp</a:t>
+            </a:r>
+            <a:r>
+              <a:rPr lang="en-US" sz="2800" b="0" dirty="0"/>
+              <a:t> </a:t>
+            </a:r>
+            <a:r>
+              <a:rPr lang="en-US" sz="2800" b="0" dirty="0" err="1"/>
+              <a:t>tăng</a:t>
+            </a:r>
+            <a:r>
+              <a:rPr lang="en-US" sz="2800" b="0" dirty="0"/>
+              <a:t> </a:t>
+            </a:r>
+            <a:r>
+              <a:rPr lang="en-US" sz="2800" b="0" dirty="0" err="1"/>
+              <a:t>hiệu</a:t>
+            </a:r>
+            <a:r>
+              <a:rPr lang="en-US" sz="2800" b="0" dirty="0"/>
+              <a:t> </a:t>
+            </a:r>
+            <a:r>
+              <a:rPr lang="en-US" sz="2800" b="0" dirty="0" err="1"/>
+              <a:t>năng</a:t>
+            </a:r>
+            <a:r>
+              <a:rPr lang="en-US" sz="2800" b="0" dirty="0"/>
+              <a:t> </a:t>
+            </a:r>
+            <a:r>
+              <a:rPr lang="en-US" sz="2800" b="0" dirty="0" err="1"/>
+              <a:t>ứng</a:t>
+            </a:r>
+            <a:r>
+              <a:rPr lang="en-US" sz="2800" b="0" dirty="0"/>
+              <a:t> </a:t>
+            </a:r>
+            <a:r>
+              <a:rPr lang="en-US" sz="2800" b="0" dirty="0" err="1"/>
+              <a:t>dụng</a:t>
+            </a:r>
+            <a:r>
+              <a:rPr lang="en-US" sz="2800" b="0" dirty="0"/>
+              <a:t>, </a:t>
+            </a:r>
+            <a:r>
+              <a:rPr lang="en-US" sz="2800" b="0" dirty="0" err="1"/>
+              <a:t>hiệu</a:t>
+            </a:r>
+            <a:r>
+              <a:rPr lang="en-US" sz="2800" b="0" dirty="0"/>
+              <a:t> </a:t>
+            </a:r>
+            <a:r>
+              <a:rPr lang="en-US" sz="2800" b="0" dirty="0" err="1"/>
+              <a:t>quả</a:t>
+            </a:r>
+            <a:r>
+              <a:rPr lang="en-US" sz="2800" b="0" dirty="0"/>
+              <a:t> </a:t>
+            </a:r>
+            <a:r>
+              <a:rPr lang="en-US" sz="2800" b="0" dirty="0" err="1"/>
+              <a:t>mô</a:t>
+            </a:r>
+            <a:r>
+              <a:rPr lang="en-US" sz="2800" b="0" dirty="0"/>
+              <a:t> </a:t>
+            </a:r>
+            <a:r>
+              <a:rPr lang="en-US" sz="2800" b="0" dirty="0" err="1"/>
+              <a:t>hình</a:t>
+            </a:r>
+            <a:r>
+              <a:rPr lang="en-US" sz="2800" b="0" dirty="0"/>
+              <a:t> (</a:t>
+            </a:r>
+            <a:r>
+              <a:rPr lang="en-US" sz="2800" b="0" dirty="0" err="1"/>
+              <a:t>rất</a:t>
+            </a:r>
+            <a:r>
+              <a:rPr lang="en-US" sz="2800" b="0" dirty="0"/>
+              <a:t> </a:t>
+            </a:r>
+            <a:r>
+              <a:rPr lang="en-US" sz="2800" b="0" dirty="0" err="1"/>
+              <a:t>hữu</a:t>
+            </a:r>
+            <a:r>
+              <a:rPr lang="en-US" sz="2800" b="0" dirty="0"/>
+              <a:t> </a:t>
+            </a:r>
+            <a:r>
+              <a:rPr lang="en-US" sz="2800" b="0" dirty="0" err="1"/>
+              <a:t>ích</a:t>
+            </a:r>
+            <a:r>
+              <a:rPr lang="en-US" sz="2800" b="0" dirty="0"/>
+              <a:t> </a:t>
+            </a:r>
+            <a:r>
+              <a:rPr lang="en-US" sz="2800" b="0" dirty="0" err="1"/>
+              <a:t>khi</a:t>
+            </a:r>
+            <a:r>
+              <a:rPr lang="en-US" sz="2800" b="0" dirty="0"/>
+              <a:t> </a:t>
+            </a:r>
+            <a:r>
+              <a:rPr lang="en-US" sz="2800" b="0" dirty="0" err="1"/>
+              <a:t>làm</a:t>
+            </a:r>
+            <a:r>
+              <a:rPr lang="en-US" sz="2800" b="0" dirty="0"/>
+              <a:t> </a:t>
+            </a:r>
+            <a:r>
+              <a:rPr lang="en-US" sz="2800" b="0" dirty="0" err="1"/>
+              <a:t>việc</a:t>
+            </a:r>
+            <a:r>
+              <a:rPr lang="en-US" sz="2800" b="0" dirty="0"/>
+              <a:t> </a:t>
+            </a:r>
+            <a:r>
+              <a:rPr lang="en-US" sz="2800" b="0" dirty="0" err="1"/>
+              <a:t>nhóm</a:t>
+            </a:r>
+            <a:r>
+              <a:rPr lang="en-US" sz="2800" b="0" dirty="0"/>
+              <a:t>)</a:t>
+            </a:r>
+          </a:p>
+          <a:p>
+            <a:pPr lvl="0"/>
+            <a:r>
+              <a:rPr lang="en-US" sz="2800" b="0" dirty="0" err="1"/>
+              <a:t>Chương</a:t>
+            </a:r>
+            <a:r>
+              <a:rPr lang="en-US" sz="2800" b="0" dirty="0"/>
+              <a:t> </a:t>
+            </a:r>
+            <a:r>
+              <a:rPr lang="en-US" sz="2800" b="0" dirty="0" err="1"/>
+              <a:t>trình</a:t>
+            </a:r>
+            <a:r>
+              <a:rPr lang="en-US" sz="2800" b="0" dirty="0"/>
+              <a:t> </a:t>
+            </a:r>
+            <a:r>
+              <a:rPr lang="en-US" sz="2800" b="0" dirty="0" err="1"/>
+              <a:t>đáp</a:t>
+            </a:r>
+            <a:r>
+              <a:rPr lang="en-US" sz="2800" b="0" dirty="0"/>
+              <a:t> </a:t>
+            </a:r>
+            <a:r>
+              <a:rPr lang="en-US" sz="2800" b="0" dirty="0" err="1"/>
+              <a:t>ứng</a:t>
+            </a:r>
+            <a:r>
+              <a:rPr lang="en-US" sz="2800" b="0" dirty="0"/>
+              <a:t> </a:t>
+            </a:r>
+            <a:r>
+              <a:rPr lang="en-US" sz="2800" b="0" dirty="0" err="1"/>
+              <a:t>được</a:t>
+            </a:r>
+            <a:r>
+              <a:rPr lang="en-US" sz="2800" b="0" dirty="0"/>
+              <a:t> </a:t>
+            </a:r>
+            <a:r>
+              <a:rPr lang="en-US" sz="2800" b="0" dirty="0" err="1"/>
+              <a:t>các</a:t>
+            </a:r>
+            <a:r>
+              <a:rPr lang="en-US" sz="2800" b="0" dirty="0"/>
+              <a:t> </a:t>
+            </a:r>
+            <a:r>
+              <a:rPr lang="en-US" sz="2800" b="0" dirty="0" err="1"/>
+              <a:t>công</a:t>
+            </a:r>
+            <a:r>
+              <a:rPr lang="en-US" sz="2800" b="0" dirty="0"/>
+              <a:t> </a:t>
+            </a:r>
+            <a:r>
+              <a:rPr lang="en-US" sz="2800" b="0" dirty="0" err="1"/>
+              <a:t>tác</a:t>
+            </a:r>
+            <a:r>
+              <a:rPr lang="en-US" sz="2800" b="0" dirty="0"/>
+              <a:t> </a:t>
+            </a:r>
+            <a:r>
+              <a:rPr lang="en-US" sz="2800" b="0" dirty="0" err="1"/>
+              <a:t>quản</a:t>
+            </a:r>
+            <a:r>
+              <a:rPr lang="en-US" sz="2800" b="0" dirty="0"/>
+              <a:t> </a:t>
+            </a:r>
+            <a:r>
+              <a:rPr lang="en-US" sz="2800" b="0" dirty="0" err="1"/>
+              <a:t>lý</a:t>
+            </a:r>
+            <a:r>
+              <a:rPr lang="en-US" sz="2800" b="0" dirty="0"/>
+              <a:t> </a:t>
+            </a:r>
+            <a:r>
+              <a:rPr lang="en-US" sz="2800" b="0" dirty="0" err="1"/>
+              <a:t>phân</a:t>
+            </a:r>
+            <a:r>
+              <a:rPr lang="en-US" sz="2800" b="0" dirty="0"/>
+              <a:t> </a:t>
+            </a:r>
+            <a:r>
+              <a:rPr lang="en-US" sz="2800" b="0" dirty="0" err="1"/>
+              <a:t>phối</a:t>
+            </a:r>
+            <a:r>
+              <a:rPr lang="en-US" sz="2800" b="0" dirty="0"/>
+              <a:t>: </a:t>
+            </a:r>
+            <a:r>
+              <a:rPr lang="en-US" sz="2800" b="0" dirty="0" err="1"/>
+              <a:t>quản</a:t>
+            </a:r>
+            <a:r>
+              <a:rPr lang="en-US" sz="2800" b="0" dirty="0"/>
+              <a:t> </a:t>
+            </a:r>
+            <a:r>
+              <a:rPr lang="en-US" sz="2800" b="0" dirty="0" err="1"/>
+              <a:t>lý</a:t>
+            </a:r>
+            <a:r>
+              <a:rPr lang="en-US" sz="2800" b="0" dirty="0"/>
+              <a:t> </a:t>
+            </a:r>
+            <a:r>
+              <a:rPr lang="en-US" sz="2800" b="0" dirty="0" err="1"/>
+              <a:t>các</a:t>
+            </a:r>
+            <a:r>
+              <a:rPr lang="en-US" sz="2800" b="0" dirty="0"/>
+              <a:t> </a:t>
+            </a:r>
+            <a:r>
+              <a:rPr lang="en-US" sz="2800" b="0" dirty="0" err="1"/>
+              <a:t>công</a:t>
+            </a:r>
+            <a:r>
+              <a:rPr lang="en-US" sz="2800" b="0" dirty="0"/>
+              <a:t> </a:t>
+            </a:r>
+            <a:r>
+              <a:rPr lang="en-US" sz="2800" b="0" dirty="0" err="1"/>
+              <a:t>việc</a:t>
+            </a:r>
+            <a:r>
+              <a:rPr lang="en-US" sz="2800" b="0" dirty="0"/>
+              <a:t> </a:t>
+            </a:r>
+            <a:r>
+              <a:rPr lang="en-US" sz="2800" b="0" dirty="0" err="1"/>
+              <a:t>của</a:t>
+            </a:r>
+            <a:r>
+              <a:rPr lang="en-US" sz="2800" b="0" dirty="0"/>
+              <a:t> </a:t>
+            </a:r>
+            <a:r>
+              <a:rPr lang="en-US" sz="2800" b="0" dirty="0" err="1"/>
+              <a:t>kế</a:t>
+            </a:r>
+            <a:r>
+              <a:rPr lang="en-US" sz="2800" b="0" dirty="0"/>
+              <a:t> </a:t>
+            </a:r>
+            <a:r>
+              <a:rPr lang="en-US" sz="2800" b="0" dirty="0" err="1"/>
+              <a:t>toán</a:t>
+            </a:r>
+            <a:r>
+              <a:rPr lang="en-US" sz="2800" b="0" dirty="0"/>
+              <a:t>, </a:t>
+            </a:r>
+            <a:r>
+              <a:rPr lang="en-US" sz="2800" b="0" dirty="0" err="1"/>
+              <a:t>quản</a:t>
+            </a:r>
+            <a:r>
+              <a:rPr lang="en-US" sz="2800" b="0" dirty="0"/>
+              <a:t> </a:t>
+            </a:r>
+            <a:r>
+              <a:rPr lang="en-US" sz="2800" b="0" dirty="0" err="1"/>
+              <a:t>lý</a:t>
+            </a:r>
+            <a:r>
+              <a:rPr lang="en-US" sz="2800" b="0" dirty="0"/>
+              <a:t> </a:t>
+            </a:r>
+            <a:r>
+              <a:rPr lang="en-US" sz="2800" b="0" dirty="0" err="1"/>
+              <a:t>định</a:t>
+            </a:r>
+            <a:r>
+              <a:rPr lang="en-US" sz="2800" b="0" dirty="0"/>
+              <a:t> </a:t>
+            </a:r>
+            <a:r>
+              <a:rPr lang="en-US" sz="2800" b="0" dirty="0" err="1"/>
+              <a:t>vị</a:t>
+            </a:r>
+            <a:r>
+              <a:rPr lang="en-US" sz="2800" b="0" dirty="0"/>
+              <a:t> </a:t>
+            </a:r>
+            <a:r>
+              <a:rPr lang="en-US" sz="2800" b="0" dirty="0" err="1"/>
+              <a:t>để</a:t>
+            </a:r>
+            <a:r>
+              <a:rPr lang="en-US" sz="2800" b="0" dirty="0"/>
+              <a:t> </a:t>
+            </a:r>
+            <a:r>
+              <a:rPr lang="en-US" sz="2800" b="0" dirty="0" err="1"/>
+              <a:t>đánh</a:t>
+            </a:r>
+            <a:r>
+              <a:rPr lang="en-US" sz="2800" b="0" dirty="0"/>
+              <a:t> </a:t>
+            </a:r>
+            <a:r>
+              <a:rPr lang="en-US" sz="2800" b="0" dirty="0" err="1"/>
+              <a:t>giá</a:t>
+            </a:r>
+            <a:r>
+              <a:rPr lang="en-US" sz="2800" b="0" dirty="0"/>
+              <a:t> </a:t>
+            </a:r>
+            <a:r>
+              <a:rPr lang="en-US" sz="2800" b="0" dirty="0" err="1"/>
+              <a:t>hiệu</a:t>
+            </a:r>
+            <a:r>
+              <a:rPr lang="en-US" sz="2800" b="0" dirty="0"/>
+              <a:t> </a:t>
+            </a:r>
+            <a:r>
+              <a:rPr lang="en-US" sz="2800" b="0" dirty="0" err="1"/>
+              <a:t>năng</a:t>
+            </a:r>
+            <a:r>
+              <a:rPr lang="en-US" sz="2800" b="0" dirty="0"/>
+              <a:t> </a:t>
+            </a:r>
+            <a:r>
+              <a:rPr lang="en-US" sz="2800" b="0" dirty="0" err="1"/>
+              <a:t>làm</a:t>
+            </a:r>
+            <a:r>
+              <a:rPr lang="en-US" sz="2800" b="0" dirty="0"/>
+              <a:t> </a:t>
+            </a:r>
+            <a:r>
+              <a:rPr lang="en-US" sz="2800" b="0" dirty="0" err="1"/>
+              <a:t>việc</a:t>
+            </a:r>
+            <a:r>
+              <a:rPr lang="en-US" sz="2800" b="0" dirty="0"/>
+              <a:t> </a:t>
+            </a:r>
+            <a:r>
+              <a:rPr lang="en-US" sz="2800" b="0" dirty="0" err="1"/>
+              <a:t>của</a:t>
+            </a:r>
+            <a:r>
+              <a:rPr lang="en-US" sz="2800" b="0" dirty="0"/>
+              <a:t> </a:t>
+            </a:r>
+            <a:r>
+              <a:rPr lang="en-US" sz="2800" b="0" dirty="0" err="1"/>
+              <a:t>nhân</a:t>
+            </a:r>
+            <a:r>
+              <a:rPr lang="en-US" sz="2800" b="0" dirty="0"/>
+              <a:t> </a:t>
+            </a:r>
+            <a:r>
+              <a:rPr lang="en-US" sz="2800" b="0" dirty="0" err="1"/>
+              <a:t>viên</a:t>
+            </a:r>
+            <a:r>
+              <a:rPr lang="en-US" sz="2800" b="0" dirty="0"/>
+              <a:t>, </a:t>
+            </a:r>
+            <a:r>
+              <a:rPr lang="en-US" sz="2800" b="0" dirty="0" err="1"/>
+              <a:t>chương</a:t>
+            </a:r>
+            <a:r>
+              <a:rPr lang="en-US" sz="2800" b="0" dirty="0"/>
+              <a:t> </a:t>
+            </a:r>
+            <a:r>
+              <a:rPr lang="en-US" sz="2800" b="0" dirty="0" err="1"/>
+              <a:t>trình</a:t>
+            </a:r>
+            <a:r>
+              <a:rPr lang="en-US" sz="2800" b="0" dirty="0"/>
+              <a:t> </a:t>
+            </a:r>
+            <a:r>
+              <a:rPr lang="en-US" sz="2800" b="0" dirty="0" err="1"/>
+              <a:t>đã</a:t>
+            </a:r>
+            <a:r>
+              <a:rPr lang="en-US" sz="2800" b="0" dirty="0"/>
+              <a:t> </a:t>
+            </a:r>
+            <a:r>
+              <a:rPr lang="en-US" sz="2800" b="0" dirty="0" err="1"/>
+              <a:t>đáp</a:t>
+            </a:r>
+            <a:r>
+              <a:rPr lang="en-US" sz="2800" b="0" dirty="0"/>
+              <a:t> </a:t>
+            </a:r>
+            <a:r>
+              <a:rPr lang="en-US" sz="2800" b="0" dirty="0" err="1"/>
+              <a:t>ứng</a:t>
+            </a:r>
+            <a:r>
+              <a:rPr lang="en-US" sz="2800" b="0" dirty="0"/>
+              <a:t> </a:t>
+            </a:r>
+            <a:r>
+              <a:rPr lang="en-US" sz="2800" b="0" dirty="0" err="1"/>
+              <a:t>được</a:t>
+            </a:r>
+            <a:r>
+              <a:rPr lang="en-US" sz="2800" b="0" dirty="0"/>
+              <a:t> </a:t>
+            </a:r>
+            <a:r>
+              <a:rPr lang="en-US" sz="2800" b="0" dirty="0" err="1"/>
+              <a:t>các</a:t>
+            </a:r>
+            <a:r>
+              <a:rPr lang="en-US" sz="2800" b="0" dirty="0"/>
+              <a:t> </a:t>
+            </a:r>
+            <a:r>
+              <a:rPr lang="en-US" sz="2800" b="0" dirty="0" err="1"/>
+              <a:t>mục</a:t>
+            </a:r>
+            <a:r>
+              <a:rPr lang="en-US" sz="2800" b="0" dirty="0"/>
+              <a:t> </a:t>
+            </a:r>
+            <a:r>
+              <a:rPr lang="en-US" sz="2800" b="0" dirty="0" err="1"/>
+              <a:t>tiêu</a:t>
+            </a:r>
+            <a:r>
+              <a:rPr lang="en-US" sz="2800" b="0" dirty="0"/>
+              <a:t> </a:t>
+            </a:r>
+            <a:r>
+              <a:rPr lang="en-US" sz="2800" b="0" dirty="0" err="1"/>
+              <a:t>đề</a:t>
+            </a:r>
+            <a:r>
+              <a:rPr lang="en-US" sz="2800" b="0" dirty="0"/>
+              <a:t> </a:t>
+            </a:r>
+            <a:r>
+              <a:rPr lang="en-US" sz="2800" b="0" dirty="0" err="1"/>
+              <a:t>ra</a:t>
+            </a:r>
+            <a:endParaRPr lang="en-US" sz="2800" b="0" dirty="0"/>
+          </a:p>
+          <a:p>
+            <a:pPr lvl="0"/>
+            <a:r>
+              <a:rPr lang="en-US" sz="2800" b="0" dirty="0"/>
+              <a:t>So </a:t>
+            </a:r>
+            <a:r>
+              <a:rPr lang="en-US" sz="2800" b="0" dirty="0" err="1"/>
+              <a:t>với</a:t>
+            </a:r>
+            <a:r>
+              <a:rPr lang="en-US" sz="2800" b="0" dirty="0"/>
+              <a:t> </a:t>
+            </a:r>
+            <a:r>
+              <a:rPr lang="en-US" sz="2800" b="0" dirty="0" err="1"/>
+              <a:t>các</a:t>
+            </a:r>
+            <a:r>
+              <a:rPr lang="en-US" sz="2800" b="0" dirty="0"/>
+              <a:t> </a:t>
+            </a:r>
+            <a:r>
+              <a:rPr lang="en-US" sz="2800" b="0" dirty="0" err="1"/>
+              <a:t>hệ</a:t>
+            </a:r>
+            <a:r>
+              <a:rPr lang="en-US" sz="2800" b="0" dirty="0"/>
+              <a:t> </a:t>
+            </a:r>
+            <a:r>
+              <a:rPr lang="en-US" sz="2800" b="0" dirty="0" err="1"/>
+              <a:t>thống</a:t>
+            </a:r>
+            <a:r>
+              <a:rPr lang="en-US" sz="2800" b="0" dirty="0"/>
+              <a:t> </a:t>
+            </a:r>
+            <a:r>
+              <a:rPr lang="en-US" sz="2800" b="0" dirty="0" err="1"/>
+              <a:t>phân</a:t>
+            </a:r>
+            <a:r>
+              <a:rPr lang="en-US" sz="2800" b="0" dirty="0"/>
+              <a:t> </a:t>
+            </a:r>
+            <a:r>
+              <a:rPr lang="en-US" sz="2800" b="0" dirty="0" err="1"/>
+              <a:t>phối</a:t>
+            </a:r>
+            <a:r>
+              <a:rPr lang="en-US" sz="2800" b="0" dirty="0"/>
+              <a:t> </a:t>
+            </a:r>
+            <a:r>
+              <a:rPr lang="en-US" sz="2800" b="0" dirty="0" err="1"/>
+              <a:t>thông</a:t>
+            </a:r>
+            <a:r>
+              <a:rPr lang="en-US" sz="2800" b="0" dirty="0"/>
+              <a:t> </a:t>
+            </a:r>
+            <a:r>
+              <a:rPr lang="en-US" sz="2800" b="0" dirty="0" err="1"/>
+              <a:t>thường</a:t>
+            </a:r>
+            <a:r>
+              <a:rPr lang="en-US" sz="2800" b="0" dirty="0"/>
+              <a:t> </a:t>
+            </a:r>
+            <a:r>
+              <a:rPr lang="en-US" sz="2800" b="0" dirty="0" err="1"/>
+              <a:t>hệ</a:t>
+            </a:r>
+            <a:r>
+              <a:rPr lang="en-US" sz="2800" b="0" dirty="0"/>
+              <a:t> </a:t>
+            </a:r>
+            <a:r>
+              <a:rPr lang="en-US" sz="2800" b="0" dirty="0" err="1"/>
+              <a:t>thống</a:t>
+            </a:r>
+            <a:r>
+              <a:rPr lang="en-US" sz="2800" b="0" dirty="0"/>
+              <a:t> </a:t>
+            </a:r>
+            <a:r>
+              <a:rPr lang="en-US" sz="2800" b="0" dirty="0" err="1"/>
+              <a:t>đã</a:t>
+            </a:r>
+            <a:r>
+              <a:rPr lang="en-US" sz="2800" b="0" dirty="0"/>
+              <a:t> </a:t>
+            </a:r>
+            <a:r>
+              <a:rPr lang="en-US" sz="2800" b="0" dirty="0" err="1"/>
+              <a:t>xây</a:t>
+            </a:r>
+            <a:r>
+              <a:rPr lang="en-US" sz="2800" b="0" dirty="0"/>
+              <a:t> </a:t>
+            </a:r>
+            <a:r>
+              <a:rPr lang="en-US" sz="2800" b="0" dirty="0" err="1"/>
+              <a:t>dựng</a:t>
+            </a:r>
+            <a:r>
+              <a:rPr lang="en-US" sz="2800" b="0" dirty="0"/>
+              <a:t> </a:t>
+            </a:r>
+            <a:r>
+              <a:rPr lang="en-US" sz="2800" b="0" dirty="0" err="1"/>
+              <a:t>có</a:t>
+            </a:r>
+            <a:r>
+              <a:rPr lang="en-US" sz="2800" b="0" dirty="0"/>
+              <a:t> </a:t>
+            </a:r>
+            <a:r>
+              <a:rPr lang="en-US" sz="2800" b="0" dirty="0" err="1"/>
+              <a:t>thêm</a:t>
+            </a:r>
+            <a:r>
+              <a:rPr lang="en-US" sz="2800" b="0" dirty="0"/>
+              <a:t> </a:t>
+            </a:r>
+            <a:r>
+              <a:rPr lang="en-US" sz="2800" b="0" dirty="0" err="1"/>
+              <a:t>các</a:t>
+            </a:r>
+            <a:r>
+              <a:rPr lang="en-US" sz="2800" b="0" dirty="0"/>
+              <a:t> </a:t>
+            </a:r>
+            <a:r>
+              <a:rPr lang="en-US" sz="2800" b="0" dirty="0" err="1"/>
+              <a:t>chức</a:t>
+            </a:r>
+            <a:r>
+              <a:rPr lang="en-US" sz="2800" b="0" dirty="0"/>
+              <a:t> </a:t>
+            </a:r>
+            <a:r>
+              <a:rPr lang="en-US" sz="2800" b="0" dirty="0" err="1"/>
+              <a:t>năng</a:t>
+            </a:r>
+            <a:r>
+              <a:rPr lang="en-US" sz="2800" b="0" dirty="0"/>
+              <a:t> </a:t>
+            </a:r>
+            <a:r>
+              <a:rPr lang="en-US" sz="2800" b="0" dirty="0" err="1"/>
+              <a:t>về</a:t>
+            </a:r>
+            <a:r>
+              <a:rPr lang="en-US" sz="2800" b="0" dirty="0"/>
+              <a:t> </a:t>
+            </a:r>
+            <a:r>
+              <a:rPr lang="en-US" sz="2800" b="0" dirty="0" err="1"/>
+              <a:t>định</a:t>
+            </a:r>
+            <a:r>
+              <a:rPr lang="en-US" sz="2800" b="0" dirty="0"/>
+              <a:t> </a:t>
+            </a:r>
+            <a:r>
+              <a:rPr lang="en-US" sz="2800" b="0" dirty="0" err="1"/>
+              <a:t>vị</a:t>
+            </a:r>
+            <a:r>
+              <a:rPr lang="en-US" sz="2800" b="0" dirty="0"/>
+              <a:t> GPS </a:t>
+            </a:r>
+            <a:r>
+              <a:rPr lang="en-US" sz="2800" b="0" dirty="0" err="1"/>
+              <a:t>để</a:t>
+            </a:r>
+            <a:r>
+              <a:rPr lang="en-US" sz="2800" b="0" dirty="0"/>
+              <a:t> </a:t>
+            </a:r>
+            <a:r>
+              <a:rPr lang="en-US" sz="2800" b="0" dirty="0" err="1"/>
+              <a:t>theo</a:t>
+            </a:r>
+            <a:r>
+              <a:rPr lang="en-US" sz="2800" b="0" dirty="0"/>
+              <a:t> </a:t>
+            </a:r>
+            <a:r>
+              <a:rPr lang="en-US" sz="2800" b="0" dirty="0" err="1"/>
+              <a:t>dõi</a:t>
+            </a:r>
+            <a:r>
+              <a:rPr lang="en-US" sz="2800" b="0" dirty="0"/>
+              <a:t>, </a:t>
+            </a:r>
+            <a:r>
+              <a:rPr lang="en-US" sz="2800" b="0" dirty="0" err="1"/>
+              <a:t>quản</a:t>
+            </a:r>
+            <a:r>
+              <a:rPr lang="en-US" sz="2800" b="0" dirty="0"/>
+              <a:t> </a:t>
+            </a:r>
+            <a:r>
+              <a:rPr lang="en-US" sz="2800" b="0" dirty="0" err="1"/>
+              <a:t>lý</a:t>
+            </a:r>
+            <a:r>
+              <a:rPr lang="en-US" sz="2800" b="0" dirty="0"/>
+              <a:t> </a:t>
+            </a:r>
+            <a:r>
+              <a:rPr lang="en-US" sz="2800" b="0" dirty="0" err="1"/>
+              <a:t>nhân</a:t>
+            </a:r>
+            <a:r>
+              <a:rPr lang="en-US" sz="2800" b="0" dirty="0"/>
+              <a:t> </a:t>
+            </a:r>
+            <a:r>
+              <a:rPr lang="en-US" sz="2800" b="0" dirty="0" err="1"/>
+              <a:t>viên</a:t>
+            </a:r>
+            <a:endParaRPr lang="en-US" sz="2800" b="0" dirty="0"/>
+          </a:p>
+          <a:p>
+            <a:endParaRPr lang="en-US" dirty="0"/>
+          </a:p>
+        </p:txBody>
+      </p:sp>
+    </p:spTree>
+    <p:extLst>
+      <p:ext uri="{BB962C8B-B14F-4D97-AF65-F5344CB8AC3E}">
+        <p14:creationId xmlns:p14="http://schemas.microsoft.com/office/powerpoint/2010/main" val="58215080"/>
+      </p:ext>
+    </p:extLst>
+  </p:cSld>
+  <p:clrMapOvr>
+    <a:masterClrMapping/>
+  </p:clrMapOvr>
+  <p:timing>
+    <p:tnLst>
+      <p:par>
+        <p:cTn id="1" dur="indefinite" restart="never" nodeType="tmRoot"/>
+      </p:par>
+    </p:tnLst>
+  </p:timing>
+</p:sld>
+</file>
+
+<file path=ppt/slides/slide34.xml><?xml version="1.0" encoding="utf-8"?>
+<p:sld xmlns:a="http://schemas.openxmlformats.org/drawingml/2006/main" xmlns:r="http://schemas.openxmlformats.org/officeDocument/2006/relationships" xmlns:p="http://schemas.openxmlformats.org/presentationml/2006/main">
+  <p:cSld>
+    <p:spTree>
+      <p:nvGrpSpPr>
+        <p:cNvPr id="1" name=""/>
+        <p:cNvGrpSpPr/>
+        <p:nvPr/>
+      </p:nvGrpSpPr>
+      <p:grpSpPr>
+        <a:xfrm>
+          <a:off x="0" y="0"/>
+          <a:ext cx="0" cy="0"/>
+          <a:chOff x="0" y="0"/>
+          <a:chExt cx="0" cy="0"/>
+        </a:xfrm>
+      </p:grpSpPr>
+      <p:sp>
+        <p:nvSpPr>
+          <p:cNvPr id="2" name="Title 1"/>
+          <p:cNvSpPr>
+            <a:spLocks noGrp="1"/>
+          </p:cNvSpPr>
+          <p:nvPr>
+            <p:ph type="title"/>
+          </p:nvPr>
+        </p:nvSpPr>
+        <p:spPr/>
+        <p:txBody>
+          <a:bodyPr/>
+          <a:lstStyle/>
+          <a:p>
+            <a:r>
+              <a:rPr lang="en-US" dirty="0" err="1" smtClean="0"/>
+              <a:t>Đánh</a:t>
+            </a:r>
+            <a:r>
+              <a:rPr lang="en-US" dirty="0" smtClean="0"/>
+              <a:t> </a:t>
+            </a:r>
+            <a:r>
+              <a:rPr lang="en-US" dirty="0" err="1" smtClean="0"/>
+              <a:t>giá</a:t>
+            </a:r>
+            <a:r>
+              <a:rPr lang="en-US" dirty="0" smtClean="0"/>
+              <a:t> </a:t>
+            </a:r>
+            <a:r>
+              <a:rPr lang="en-US" dirty="0" err="1" smtClean="0"/>
+              <a:t>kết</a:t>
+            </a:r>
+            <a:r>
+              <a:rPr lang="en-US" dirty="0" smtClean="0"/>
+              <a:t> </a:t>
+            </a:r>
+            <a:r>
+              <a:rPr lang="en-US" dirty="0" err="1" smtClean="0"/>
+              <a:t>quả</a:t>
+            </a:r>
+            <a:endParaRPr lang="en-US" dirty="0"/>
+          </a:p>
+        </p:txBody>
+      </p:sp>
+      <p:sp>
+        <p:nvSpPr>
+          <p:cNvPr id="3" name="Content Placeholder 2"/>
+          <p:cNvSpPr>
+            <a:spLocks noGrp="1"/>
+          </p:cNvSpPr>
+          <p:nvPr>
+            <p:ph idx="1"/>
+          </p:nvPr>
+        </p:nvSpPr>
+        <p:spPr/>
+        <p:txBody>
+          <a:bodyPr/>
+          <a:lstStyle/>
+          <a:p>
+            <a:r>
+              <a:rPr lang="en-US" sz="2800" b="0" dirty="0" err="1"/>
+              <a:t>Chương</a:t>
+            </a:r>
+            <a:r>
+              <a:rPr lang="en-US" sz="2800" b="0" dirty="0"/>
+              <a:t> </a:t>
+            </a:r>
+            <a:r>
+              <a:rPr lang="en-US" sz="2800" b="0" dirty="0" err="1"/>
+              <a:t>trình</a:t>
+            </a:r>
+            <a:r>
+              <a:rPr lang="en-US" sz="2800" b="0" dirty="0"/>
+              <a:t> </a:t>
+            </a:r>
+            <a:r>
+              <a:rPr lang="en-US" sz="2800" b="0" dirty="0" err="1"/>
+              <a:t>hoàn</a:t>
+            </a:r>
+            <a:r>
+              <a:rPr lang="en-US" sz="2800" b="0" dirty="0"/>
+              <a:t> </a:t>
+            </a:r>
+            <a:r>
+              <a:rPr lang="en-US" sz="2800" b="0" dirty="0" err="1"/>
+              <a:t>thành</a:t>
+            </a:r>
+            <a:r>
+              <a:rPr lang="en-US" sz="2800" b="0" dirty="0"/>
+              <a:t> </a:t>
+            </a:r>
+            <a:r>
+              <a:rPr lang="en-US" sz="2800" b="0" dirty="0" err="1"/>
+              <a:t>là</a:t>
+            </a:r>
+            <a:r>
+              <a:rPr lang="en-US" sz="2800" b="0" dirty="0"/>
+              <a:t> </a:t>
+            </a:r>
+            <a:r>
+              <a:rPr lang="en-US" sz="2800" b="0" dirty="0" err="1"/>
+              <a:t>một</a:t>
+            </a:r>
+            <a:r>
+              <a:rPr lang="en-US" sz="2800" b="0" dirty="0"/>
+              <a:t> </a:t>
+            </a:r>
+            <a:r>
+              <a:rPr lang="en-US" sz="2800" b="0" dirty="0" err="1"/>
+              <a:t>phần</a:t>
+            </a:r>
+            <a:r>
+              <a:rPr lang="en-US" sz="2800" b="0" dirty="0"/>
+              <a:t> </a:t>
+            </a:r>
+            <a:r>
+              <a:rPr lang="en-US" sz="2800" b="0" dirty="0" err="1"/>
+              <a:t>của</a:t>
+            </a:r>
+            <a:r>
+              <a:rPr lang="en-US" sz="2800" b="0" dirty="0"/>
+              <a:t> </a:t>
+            </a:r>
+            <a:r>
+              <a:rPr lang="en-US" sz="2800" b="0" dirty="0" err="1"/>
+              <a:t>hệ</a:t>
+            </a:r>
+            <a:r>
+              <a:rPr lang="en-US" sz="2800" b="0" dirty="0"/>
+              <a:t> </a:t>
+            </a:r>
+            <a:r>
+              <a:rPr lang="en-US" sz="2800" b="0" dirty="0" err="1"/>
+              <a:t>thống</a:t>
+            </a:r>
+            <a:r>
+              <a:rPr lang="en-US" sz="2800" b="0" dirty="0"/>
+              <a:t> </a:t>
+            </a:r>
+            <a:r>
+              <a:rPr lang="en-US" sz="2800" b="0" dirty="0" err="1"/>
+              <a:t>quản</a:t>
+            </a:r>
+            <a:r>
+              <a:rPr lang="en-US" sz="2800" b="0" dirty="0"/>
+              <a:t> </a:t>
+            </a:r>
+            <a:r>
+              <a:rPr lang="en-US" sz="2800" b="0" dirty="0" err="1"/>
+              <a:t>lý</a:t>
+            </a:r>
+            <a:r>
+              <a:rPr lang="en-US" sz="2800" b="0" dirty="0"/>
+              <a:t> </a:t>
+            </a:r>
+            <a:r>
+              <a:rPr lang="en-US" sz="2800" b="0" dirty="0" err="1"/>
+              <a:t>phân</a:t>
+            </a:r>
+            <a:r>
+              <a:rPr lang="en-US" sz="2800" b="0" dirty="0"/>
+              <a:t> </a:t>
+            </a:r>
+            <a:r>
+              <a:rPr lang="en-US" sz="2800" b="0" dirty="0" err="1"/>
+              <a:t>phối</a:t>
+            </a:r>
+            <a:r>
+              <a:rPr lang="en-US" sz="2800" b="0" dirty="0"/>
+              <a:t>, </a:t>
+            </a:r>
+            <a:r>
+              <a:rPr lang="en-US" sz="2800" b="0" dirty="0" err="1"/>
+              <a:t>chương</a:t>
+            </a:r>
+            <a:r>
+              <a:rPr lang="en-US" sz="2800" b="0" dirty="0"/>
+              <a:t> </a:t>
+            </a:r>
+            <a:r>
+              <a:rPr lang="en-US" sz="2800" b="0" dirty="0" err="1"/>
+              <a:t>trình</a:t>
+            </a:r>
+            <a:r>
+              <a:rPr lang="en-US" sz="2800" b="0" dirty="0"/>
+              <a:t> </a:t>
+            </a:r>
+            <a:r>
+              <a:rPr lang="en-US" sz="2800" b="0" dirty="0" err="1"/>
+              <a:t>chạy</a:t>
+            </a:r>
+            <a:r>
+              <a:rPr lang="en-US" sz="2800" b="0" dirty="0"/>
+              <a:t> </a:t>
+            </a:r>
+            <a:r>
+              <a:rPr lang="en-US" sz="2800" b="0" dirty="0" err="1"/>
+              <a:t>tương</a:t>
+            </a:r>
+            <a:r>
+              <a:rPr lang="en-US" sz="2800" b="0" dirty="0"/>
+              <a:t> </a:t>
+            </a:r>
+            <a:r>
+              <a:rPr lang="en-US" sz="2800" b="0" dirty="0" err="1"/>
+              <a:t>đối</a:t>
+            </a:r>
+            <a:r>
+              <a:rPr lang="en-US" sz="2800" b="0" dirty="0"/>
+              <a:t> </a:t>
+            </a:r>
+            <a:r>
+              <a:rPr lang="en-US" sz="2800" b="0" dirty="0" err="1"/>
+              <a:t>ổn</a:t>
+            </a:r>
+            <a:r>
+              <a:rPr lang="en-US" sz="2800" b="0" dirty="0"/>
+              <a:t> </a:t>
+            </a:r>
+            <a:r>
+              <a:rPr lang="en-US" sz="2800" b="0" dirty="0" err="1"/>
+              <a:t>định</a:t>
+            </a:r>
+            <a:r>
+              <a:rPr lang="en-US" sz="2800" b="0" dirty="0"/>
+              <a:t>. </a:t>
+            </a:r>
+            <a:endParaRPr lang="en-US" sz="2800" b="0" dirty="0" smtClean="0"/>
+          </a:p>
+          <a:p>
+            <a:r>
+              <a:rPr lang="en-US" sz="2800" b="0" dirty="0" err="1" smtClean="0"/>
+              <a:t>Hệ</a:t>
+            </a:r>
+            <a:r>
+              <a:rPr lang="en-US" sz="2800" b="0" dirty="0" smtClean="0"/>
+              <a:t> </a:t>
+            </a:r>
+            <a:r>
+              <a:rPr lang="en-US" sz="2800" b="0" dirty="0" err="1"/>
+              <a:t>thống</a:t>
+            </a:r>
+            <a:r>
+              <a:rPr lang="en-US" sz="2800" b="0" dirty="0"/>
+              <a:t> </a:t>
+            </a:r>
+            <a:r>
+              <a:rPr lang="en-US" sz="2800" b="0" dirty="0" err="1"/>
+              <a:t>đã</a:t>
+            </a:r>
+            <a:r>
+              <a:rPr lang="en-US" sz="2800" b="0" dirty="0"/>
+              <a:t> </a:t>
+            </a:r>
+            <a:r>
+              <a:rPr lang="en-US" sz="2800" b="0" dirty="0" err="1"/>
+              <a:t>và</a:t>
+            </a:r>
+            <a:r>
+              <a:rPr lang="en-US" sz="2800" b="0" dirty="0"/>
+              <a:t> </a:t>
+            </a:r>
+            <a:r>
+              <a:rPr lang="en-US" sz="2800" b="0" dirty="0" err="1"/>
+              <a:t>đang</a:t>
+            </a:r>
+            <a:r>
+              <a:rPr lang="en-US" sz="2800" b="0" dirty="0"/>
+              <a:t> </a:t>
+            </a:r>
+            <a:r>
+              <a:rPr lang="en-US" sz="2800" b="0" dirty="0" err="1"/>
+              <a:t>được</a:t>
+            </a:r>
+            <a:r>
+              <a:rPr lang="en-US" sz="2800" b="0" dirty="0"/>
+              <a:t> </a:t>
+            </a:r>
+            <a:r>
+              <a:rPr lang="en-US" sz="2800" b="0" dirty="0" err="1"/>
+              <a:t>triển</a:t>
+            </a:r>
+            <a:r>
+              <a:rPr lang="en-US" sz="2800" b="0" dirty="0"/>
+              <a:t> </a:t>
+            </a:r>
+            <a:r>
+              <a:rPr lang="en-US" sz="2800" b="0" dirty="0" err="1"/>
+              <a:t>khai</a:t>
+            </a:r>
+            <a:r>
+              <a:rPr lang="en-US" sz="2800" b="0" dirty="0"/>
+              <a:t> </a:t>
+            </a:r>
+            <a:r>
+              <a:rPr lang="en-US" sz="2800" b="0" dirty="0" err="1"/>
+              <a:t>trên</a:t>
+            </a:r>
+            <a:r>
+              <a:rPr lang="en-US" sz="2800" b="0" dirty="0"/>
+              <a:t> </a:t>
+            </a:r>
+            <a:r>
+              <a:rPr lang="en-US" sz="2800" b="0" dirty="0" err="1"/>
+              <a:t>thực</a:t>
+            </a:r>
+            <a:r>
+              <a:rPr lang="en-US" sz="2800" b="0" dirty="0"/>
+              <a:t> </a:t>
+            </a:r>
+            <a:r>
+              <a:rPr lang="en-US" sz="2800" b="0" dirty="0" err="1"/>
+              <a:t>tế</a:t>
+            </a:r>
+            <a:r>
+              <a:rPr lang="en-US" sz="2800" b="0" dirty="0"/>
+              <a:t> </a:t>
+            </a:r>
+            <a:r>
+              <a:rPr lang="en-US" sz="2800" b="0" dirty="0" err="1"/>
+              <a:t>cho</a:t>
+            </a:r>
+            <a:r>
+              <a:rPr lang="en-US" sz="2800" b="0" dirty="0"/>
+              <a:t> </a:t>
+            </a:r>
+            <a:r>
+              <a:rPr lang="en-US" sz="2800" b="0" dirty="0" err="1"/>
+              <a:t>công</a:t>
+            </a:r>
+            <a:r>
+              <a:rPr lang="en-US" sz="2800" b="0" dirty="0"/>
+              <a:t> </a:t>
+            </a:r>
+            <a:r>
+              <a:rPr lang="en-US" sz="2800" b="0" dirty="0" err="1"/>
+              <a:t>ty</a:t>
+            </a:r>
+            <a:r>
+              <a:rPr lang="en-US" sz="2800" b="0" dirty="0"/>
+              <a:t> </a:t>
+            </a:r>
+            <a:r>
+              <a:rPr lang="en-US" sz="2800" b="0" dirty="0" err="1"/>
+              <a:t>phân</a:t>
+            </a:r>
+            <a:r>
+              <a:rPr lang="en-US" sz="2800" b="0" dirty="0"/>
+              <a:t> </a:t>
+            </a:r>
+            <a:r>
+              <a:rPr lang="en-US" sz="2800" b="0" dirty="0" err="1"/>
+              <a:t>phối</a:t>
+            </a:r>
+            <a:r>
+              <a:rPr lang="en-US" sz="2800" b="0" dirty="0"/>
+              <a:t> </a:t>
+            </a:r>
+            <a:r>
+              <a:rPr lang="en-US" sz="2800" b="0" dirty="0" err="1"/>
+              <a:t>thực</a:t>
+            </a:r>
+            <a:r>
+              <a:rPr lang="en-US" sz="2800" b="0" dirty="0"/>
+              <a:t> </a:t>
+            </a:r>
+            <a:r>
+              <a:rPr lang="en-US" sz="2800" b="0" dirty="0" err="1"/>
+              <a:t>phẩm</a:t>
+            </a:r>
+            <a:r>
+              <a:rPr lang="en-US" sz="2800" b="0" dirty="0"/>
+              <a:t> </a:t>
+            </a:r>
+            <a:r>
+              <a:rPr lang="en-US" sz="2800" b="0" dirty="0" err="1"/>
+              <a:t>EUFood</a:t>
+            </a:r>
+            <a:endParaRPr lang="en-US" sz="2800" b="0" dirty="0"/>
+          </a:p>
+          <a:p>
+            <a:endParaRPr lang="en-US" dirty="0"/>
+          </a:p>
+        </p:txBody>
+      </p:sp>
+    </p:spTree>
+    <p:extLst>
+      <p:ext uri="{BB962C8B-B14F-4D97-AF65-F5344CB8AC3E}">
+        <p14:creationId xmlns:p14="http://schemas.microsoft.com/office/powerpoint/2010/main" val="3690983403"/>
+      </p:ext>
+    </p:extLst>
+  </p:cSld>
+  <p:clrMapOvr>
+    <a:masterClrMapping/>
+  </p:clrMapOvr>
+  <p:timing>
+    <p:tnLst>
+      <p:par>
+        <p:cTn id="1" dur="indefinite" restart="never" nodeType="tmRoot"/>
+      </p:par>
+    </p:tnLst>
+  </p:timing>
+</p:sld>
+</file>
+
+<file path=ppt/slides/slide35.xml><?xml version="1.0" encoding="utf-8"?>
+<p:sld xmlns:a="http://schemas.openxmlformats.org/drawingml/2006/main" xmlns:r="http://schemas.openxmlformats.org/officeDocument/2006/relationships" xmlns:p="http://schemas.openxmlformats.org/presentationml/2006/main">
+  <p:cSld>
+    <p:spTree>
+      <p:nvGrpSpPr>
+        <p:cNvPr id="1" name=""/>
+        <p:cNvGrpSpPr/>
+        <p:nvPr/>
+      </p:nvGrpSpPr>
+      <p:grpSpPr>
+        <a:xfrm>
+          <a:off x="0" y="0"/>
+          <a:ext cx="0" cy="0"/>
+          <a:chOff x="0" y="0"/>
+          <a:chExt cx="0" cy="0"/>
+        </a:xfrm>
+      </p:grpSpPr>
+      <p:sp>
+        <p:nvSpPr>
+          <p:cNvPr id="2" name="Title 1"/>
+          <p:cNvSpPr>
+            <a:spLocks noGrp="1"/>
+          </p:cNvSpPr>
+          <p:nvPr>
+            <p:ph type="title"/>
+          </p:nvPr>
+        </p:nvSpPr>
+        <p:spPr/>
+        <p:txBody>
+          <a:bodyPr/>
+          <a:lstStyle/>
+          <a:p>
+            <a:r>
+              <a:rPr lang="en-US" dirty="0" err="1" smtClean="0"/>
+              <a:t>Hạn</a:t>
+            </a:r>
+            <a:r>
+              <a:rPr lang="en-US" dirty="0" smtClean="0"/>
+              <a:t> </a:t>
+            </a:r>
+            <a:r>
+              <a:rPr lang="en-US" dirty="0" err="1" smtClean="0"/>
+              <a:t>chế</a:t>
+            </a:r>
+            <a:endParaRPr lang="en-US" dirty="0"/>
+          </a:p>
+        </p:txBody>
+      </p:sp>
+      <p:sp>
+        <p:nvSpPr>
+          <p:cNvPr id="3" name="Content Placeholder 2"/>
+          <p:cNvSpPr>
+            <a:spLocks noGrp="1"/>
+          </p:cNvSpPr>
+          <p:nvPr>
+            <p:ph idx="1"/>
+          </p:nvPr>
+        </p:nvSpPr>
+        <p:spPr/>
+        <p:txBody>
+          <a:bodyPr/>
+          <a:lstStyle/>
+          <a:p>
+            <a:r>
+              <a:rPr lang="en-US" sz="2800" b="0" dirty="0" err="1" smtClean="0"/>
+              <a:t>Ứng</a:t>
+            </a:r>
+            <a:r>
+              <a:rPr lang="en-US" sz="2800" b="0" dirty="0" smtClean="0"/>
+              <a:t> </a:t>
+            </a:r>
+            <a:r>
+              <a:rPr lang="en-US" sz="2800" b="0" dirty="0" err="1" smtClean="0"/>
+              <a:t>dụng</a:t>
+            </a:r>
+            <a:r>
+              <a:rPr lang="en-US" sz="2800" b="0" dirty="0" smtClean="0"/>
+              <a:t> </a:t>
+            </a:r>
+            <a:r>
+              <a:rPr lang="en-US" sz="2800" b="0" dirty="0" err="1" smtClean="0"/>
+              <a:t>chưa</a:t>
+            </a:r>
+            <a:r>
+              <a:rPr lang="en-US" sz="2800" b="0" dirty="0" smtClean="0"/>
+              <a:t> </a:t>
+            </a:r>
+            <a:r>
+              <a:rPr lang="en-US" sz="2800" b="0" dirty="0" err="1" smtClean="0"/>
+              <a:t>hoàn</a:t>
+            </a:r>
+            <a:r>
+              <a:rPr lang="en-US" sz="2800" b="0" dirty="0" smtClean="0"/>
+              <a:t> </a:t>
+            </a:r>
+            <a:r>
+              <a:rPr lang="en-US" sz="2800" b="0" dirty="0" err="1" smtClean="0"/>
+              <a:t>thành</a:t>
+            </a:r>
+            <a:r>
+              <a:rPr lang="en-US" sz="2800" b="0" dirty="0" smtClean="0"/>
+              <a:t> </a:t>
+            </a:r>
+            <a:r>
+              <a:rPr lang="en-US" sz="2800" b="0" dirty="0" err="1" smtClean="0"/>
+              <a:t>các</a:t>
+            </a:r>
+            <a:r>
+              <a:rPr lang="en-US" sz="2800" b="0" dirty="0" smtClean="0"/>
+              <a:t> </a:t>
+            </a:r>
+            <a:r>
+              <a:rPr lang="en-US" sz="2800" b="0" dirty="0" err="1" smtClean="0"/>
+              <a:t>công</a:t>
+            </a:r>
+            <a:r>
+              <a:rPr lang="en-US" sz="2800" b="0" dirty="0" smtClean="0"/>
+              <a:t> </a:t>
+            </a:r>
+            <a:r>
+              <a:rPr lang="en-US" sz="2800" b="0" dirty="0" err="1" smtClean="0"/>
+              <a:t>tác</a:t>
+            </a:r>
+            <a:r>
+              <a:rPr lang="en-US" sz="2800" b="0" dirty="0" smtClean="0"/>
+              <a:t> </a:t>
+            </a:r>
+            <a:r>
+              <a:rPr lang="en-US" sz="2800" b="0" dirty="0" err="1" smtClean="0"/>
+              <a:t>báo</a:t>
+            </a:r>
+            <a:r>
+              <a:rPr lang="en-US" sz="2800" b="0" dirty="0" smtClean="0"/>
+              <a:t> </a:t>
+            </a:r>
+            <a:r>
+              <a:rPr lang="en-US" sz="2800" b="0" dirty="0" err="1" smtClean="0"/>
+              <a:t>cáo</a:t>
+            </a:r>
+            <a:endParaRPr lang="en-US" sz="2800" b="0" dirty="0" smtClean="0"/>
+          </a:p>
+          <a:p>
+            <a:r>
+              <a:rPr lang="en-US" sz="2800" b="0" dirty="0" err="1" smtClean="0"/>
+              <a:t>Chưa</a:t>
+            </a:r>
+            <a:r>
+              <a:rPr lang="en-US" sz="2800" b="0" dirty="0" smtClean="0"/>
+              <a:t> </a:t>
+            </a:r>
+            <a:r>
+              <a:rPr lang="en-US" sz="2800" b="0" dirty="0" err="1" smtClean="0"/>
+              <a:t>được</a:t>
+            </a:r>
+            <a:r>
+              <a:rPr lang="en-US" sz="2800" b="0" dirty="0" smtClean="0"/>
+              <a:t> </a:t>
+            </a:r>
+            <a:r>
+              <a:rPr lang="en-US" sz="2800" b="0" dirty="0" err="1" smtClean="0"/>
+              <a:t>bảo</a:t>
+            </a:r>
+            <a:r>
+              <a:rPr lang="en-US" sz="2800" b="0" dirty="0" smtClean="0"/>
+              <a:t> </a:t>
+            </a:r>
+            <a:r>
+              <a:rPr lang="en-US" sz="2800" b="0" dirty="0" err="1" smtClean="0"/>
+              <a:t>mật</a:t>
+            </a:r>
+            <a:endParaRPr lang="en-US" sz="2800" b="0" dirty="0" smtClean="0"/>
+          </a:p>
+          <a:p>
+            <a:r>
+              <a:rPr lang="en-US" sz="2800" b="0" dirty="0" err="1" smtClean="0"/>
+              <a:t>Khả</a:t>
+            </a:r>
+            <a:r>
+              <a:rPr lang="en-US" sz="2800" b="0" dirty="0" smtClean="0"/>
+              <a:t> </a:t>
+            </a:r>
+            <a:r>
+              <a:rPr lang="en-US" sz="2800" b="0" dirty="0" err="1" smtClean="0"/>
+              <a:t>năng</a:t>
+            </a:r>
+            <a:r>
+              <a:rPr lang="en-US" sz="2800" b="0" dirty="0" smtClean="0"/>
+              <a:t> </a:t>
+            </a:r>
+            <a:r>
+              <a:rPr lang="en-US" sz="2800" b="0" dirty="0" err="1" smtClean="0"/>
+              <a:t>chịu</a:t>
+            </a:r>
+            <a:r>
+              <a:rPr lang="en-US" sz="2800" b="0" dirty="0" smtClean="0"/>
+              <a:t> </a:t>
+            </a:r>
+            <a:r>
+              <a:rPr lang="en-US" sz="2800" b="0" dirty="0" err="1" smtClean="0"/>
+              <a:t>tải</a:t>
+            </a:r>
+            <a:r>
+              <a:rPr lang="en-US" sz="2800" b="0" dirty="0" smtClean="0"/>
+              <a:t> </a:t>
+            </a:r>
+            <a:r>
+              <a:rPr lang="en-US" sz="2800" b="0" dirty="0" err="1" smtClean="0"/>
+              <a:t>kém</a:t>
+            </a:r>
+            <a:endParaRPr lang="en-US" sz="2800" b="0" dirty="0"/>
+          </a:p>
+        </p:txBody>
+      </p:sp>
+    </p:spTree>
+    <p:extLst>
+      <p:ext uri="{BB962C8B-B14F-4D97-AF65-F5344CB8AC3E}">
+        <p14:creationId xmlns:p14="http://schemas.microsoft.com/office/powerpoint/2010/main" val="2698879725"/>
+      </p:ext>
+    </p:extLst>
+  </p:cSld>
+  <p:clrMapOvr>
+    <a:masterClrMapping/>
+  </p:clrMapOvr>
+</p:sld>
+</file>
+
+<file path=ppt/slides/slide36.xml><?xml version="1.0" encoding="utf-8"?>
+<p:sld xmlns:a="http://schemas.openxmlformats.org/drawingml/2006/main" xmlns:r="http://schemas.openxmlformats.org/officeDocument/2006/relationships" xmlns:p="http://schemas.openxmlformats.org/presentationml/2006/main">
+  <p:cSld>
+    <p:spTree>
+      <p:nvGrpSpPr>
+        <p:cNvPr id="1" name=""/>
+        <p:cNvGrpSpPr/>
+        <p:nvPr/>
+      </p:nvGrpSpPr>
+      <p:grpSpPr>
+        <a:xfrm>
+          <a:off x="0" y="0"/>
+          <a:ext cx="0" cy="0"/>
+          <a:chOff x="0" y="0"/>
+          <a:chExt cx="0" cy="0"/>
+        </a:xfrm>
+      </p:grpSpPr>
+      <p:sp>
+        <p:nvSpPr>
+          <p:cNvPr id="2" name="Title 1"/>
+          <p:cNvSpPr>
+            <a:spLocks noGrp="1"/>
+          </p:cNvSpPr>
+          <p:nvPr>
+            <p:ph type="title"/>
+          </p:nvPr>
+        </p:nvSpPr>
+        <p:spPr/>
+        <p:txBody>
+          <a:bodyPr/>
+          <a:lstStyle/>
+          <a:p>
+            <a:r>
+              <a:rPr lang="en-US" dirty="0" err="1" smtClean="0"/>
               <a:t>Hướng</a:t>
             </a:r>
             <a:r>
@@ -23369,7 +23910,7 @@
 </p:sld>
 </file>
 
-<file path=ppt/slides/slide33.xml><?xml version="1.0" encoding="utf-8"?>
+<file path=ppt/slides/slide37.xml><?xml version="1.0" encoding="utf-8"?>
 <p:sld xmlns:a="http://schemas.openxmlformats.org/drawingml/2006/main" xmlns:r="http://schemas.openxmlformats.org/officeDocument/2006/relationships" xmlns:p="http://schemas.openxmlformats.org/presentationml/2006/main">
   <p:cSld>
     <p:spTree>

--- a/Report/BaoVe/TrinhDien/Slide.pptx
+++ b/Report/BaoVe/TrinhDien/Slide.pptx
@@ -4601,6 +4601,27 @@
           <a:bodyPr/>
           <a:lstStyle/>
           <a:p>
+            <a:pPr marL="0" indent="0">
+              <a:buNone/>
+            </a:pPr>
+            <a:r>
+              <a:rPr lang="en-US" sz="2800" u="sng" dirty="0" err="1" smtClean="0"/>
+              <a:t>Chức</a:t>
+            </a:r>
+            <a:r>
+              <a:rPr lang="en-US" sz="2800" u="sng" dirty="0" smtClean="0"/>
+              <a:t> </a:t>
+            </a:r>
+            <a:r>
+              <a:rPr lang="en-US" sz="2800" u="sng" dirty="0" err="1" smtClean="0"/>
+              <a:t>năng</a:t>
+            </a:r>
+            <a:r>
+              <a:rPr lang="en-US" sz="2800" u="sng" dirty="0" smtClean="0"/>
+              <a:t>:</a:t>
+            </a:r>
+          </a:p>
+          <a:p>
             <a:r>
               <a:rPr lang="en-US" sz="2800" dirty="0" err="1" smtClean="0"/>
               <a:t>Ứng</a:t>
@@ -5344,12 +5365,34 @@
           <a:bodyPr/>
           <a:lstStyle/>
           <a:p>
-            <a:r>
-              <a:rPr lang="en-US" sz="2800" dirty="0" err="1"/>
+            <a:pPr marL="0" indent="0">
+              <a:buNone/>
+            </a:pPr>
+            <a:r>
+              <a:rPr lang="en-US" sz="2800" u="sng" dirty="0" err="1"/>
+              <a:t>Chức</a:t>
+            </a:r>
+            <a:r>
+              <a:rPr lang="en-US" sz="2800" u="sng" dirty="0"/>
+              <a:t> </a:t>
+            </a:r>
+            <a:r>
+              <a:rPr lang="en-US" sz="2800" u="sng" dirty="0" err="1"/>
+              <a:t>năng</a:t>
+            </a:r>
+            <a:r>
+              <a:rPr lang="en-US" sz="2800" u="sng" dirty="0" smtClean="0"/>
+              <a:t>:</a:t>
+            </a:r>
+            <a:endParaRPr lang="en-US" sz="2800" dirty="0" smtClean="0"/>
+          </a:p>
+          <a:p>
+            <a:r>
+              <a:rPr lang="en-US" sz="2800" dirty="0" err="1" smtClean="0"/>
               <a:t>Ứng</a:t>
             </a:r>
             <a:r>
-              <a:rPr lang="en-US" sz="2800" dirty="0"/>
+              <a:rPr lang="en-US" sz="2800" dirty="0" smtClean="0"/>
               <a:t> </a:t>
             </a:r>
             <a:r>
@@ -5412,687 +5455,687 @@
           <a:p>
             <a:pPr lvl="1"/>
             <a:r>
-              <a:rPr lang="en-US" sz="2800" dirty="0" err="1"/>
+              <a:rPr lang="en-US" sz="2500" dirty="0" err="1"/>
               <a:t>Xem</a:t>
             </a:r>
             <a:r>
-              <a:rPr lang="en-US" sz="2800" dirty="0"/>
-              <a:t> </a:t>
-            </a:r>
-            <a:r>
-              <a:rPr lang="en-US" sz="2800" dirty="0" err="1"/>
+              <a:rPr lang="en-US" sz="2500" dirty="0"/>
+              <a:t> </a:t>
+            </a:r>
+            <a:r>
+              <a:rPr lang="en-US" sz="2500" dirty="0" err="1"/>
               <a:t>thời</a:t>
             </a:r>
             <a:r>
-              <a:rPr lang="en-US" sz="2800" dirty="0"/>
-              <a:t> </a:t>
-            </a:r>
-            <a:r>
-              <a:rPr lang="en-US" sz="2800" dirty="0" err="1"/>
+              <a:rPr lang="en-US" sz="2500" dirty="0"/>
+              <a:t> </a:t>
+            </a:r>
+            <a:r>
+              <a:rPr lang="en-US" sz="2500" dirty="0" err="1"/>
               <a:t>gian</a:t>
             </a:r>
             <a:r>
-              <a:rPr lang="en-US" sz="2800" dirty="0"/>
-              <a:t> </a:t>
-            </a:r>
-            <a:r>
-              <a:rPr lang="en-US" sz="2800" dirty="0" err="1"/>
+              <a:rPr lang="en-US" sz="2500" dirty="0"/>
+              <a:t> </a:t>
+            </a:r>
+            <a:r>
+              <a:rPr lang="en-US" sz="2500" dirty="0" err="1"/>
               <a:t>chăm</a:t>
             </a:r>
             <a:r>
-              <a:rPr lang="en-US" sz="2800" dirty="0"/>
-              <a:t> </a:t>
-            </a:r>
-            <a:r>
-              <a:rPr lang="en-US" sz="2800" dirty="0" err="1"/>
+              <a:rPr lang="en-US" sz="2500" dirty="0"/>
+              <a:t> </a:t>
+            </a:r>
+            <a:r>
+              <a:rPr lang="en-US" sz="2500" dirty="0" err="1"/>
               <a:t>sóc</a:t>
             </a:r>
             <a:r>
-              <a:rPr lang="en-US" sz="2800" dirty="0"/>
-              <a:t> </a:t>
-            </a:r>
-            <a:r>
-              <a:rPr lang="en-US" sz="2800" dirty="0" err="1"/>
+              <a:rPr lang="en-US" sz="2500" dirty="0"/>
+              <a:t> </a:t>
+            </a:r>
+            <a:r>
+              <a:rPr lang="en-US" sz="2500" dirty="0" err="1"/>
               <a:t>khách</a:t>
             </a:r>
             <a:r>
-              <a:rPr lang="en-US" sz="2800" dirty="0"/>
-              <a:t> </a:t>
-            </a:r>
-            <a:r>
-              <a:rPr lang="en-US" sz="2800" dirty="0" err="1"/>
+              <a:rPr lang="en-US" sz="2500" dirty="0"/>
+              <a:t> </a:t>
+            </a:r>
+            <a:r>
+              <a:rPr lang="en-US" sz="2500" dirty="0" err="1"/>
               <a:t>hàng</a:t>
             </a:r>
             <a:r>
-              <a:rPr lang="en-US" sz="2800" dirty="0"/>
-              <a:t> </a:t>
-            </a:r>
-            <a:r>
-              <a:rPr lang="en-US" sz="2800" dirty="0" err="1"/>
+              <a:rPr lang="en-US" sz="2500" dirty="0"/>
+              <a:t> </a:t>
+            </a:r>
+            <a:r>
+              <a:rPr lang="en-US" sz="2500" dirty="0" err="1"/>
               <a:t>của</a:t>
             </a:r>
             <a:r>
-              <a:rPr lang="en-US" sz="2800" dirty="0"/>
-              <a:t> </a:t>
-            </a:r>
-            <a:r>
-              <a:rPr lang="en-US" sz="2800" dirty="0" err="1"/>
+              <a:rPr lang="en-US" sz="2500" dirty="0"/>
+              <a:t> </a:t>
+            </a:r>
+            <a:r>
+              <a:rPr lang="en-US" sz="2500" dirty="0" err="1"/>
               <a:t>nhân</a:t>
             </a:r>
             <a:r>
-              <a:rPr lang="en-US" sz="2800" dirty="0"/>
-              <a:t> </a:t>
-            </a:r>
-            <a:r>
-              <a:rPr lang="en-US" sz="2800" dirty="0" err="1"/>
+              <a:rPr lang="en-US" sz="2500" dirty="0"/>
+              <a:t> </a:t>
+            </a:r>
+            <a:r>
+              <a:rPr lang="en-US" sz="2500" dirty="0" err="1"/>
               <a:t>viên</a:t>
             </a:r>
-            <a:endParaRPr lang="en-US" sz="2800" dirty="0"/>
+            <a:endParaRPr lang="en-US" sz="2500" dirty="0"/>
           </a:p>
           <a:p>
             <a:pPr lvl="1"/>
             <a:r>
-              <a:rPr lang="en-US" sz="2800" dirty="0" err="1"/>
+              <a:rPr lang="en-US" sz="2500" dirty="0" err="1"/>
               <a:t>Xem</a:t>
             </a:r>
             <a:r>
-              <a:rPr lang="en-US" sz="2800" dirty="0"/>
-              <a:t> </a:t>
-            </a:r>
-            <a:r>
-              <a:rPr lang="en-US" sz="2800" dirty="0" err="1"/>
+              <a:rPr lang="en-US" sz="2500" dirty="0"/>
+              <a:t> </a:t>
+            </a:r>
+            <a:r>
+              <a:rPr lang="en-US" sz="2500" dirty="0" err="1"/>
               <a:t>kế</a:t>
             </a:r>
             <a:r>
-              <a:rPr lang="en-US" sz="2800" dirty="0"/>
-              <a:t> </a:t>
-            </a:r>
-            <a:r>
-              <a:rPr lang="en-US" sz="2800" dirty="0" err="1"/>
+              <a:rPr lang="en-US" sz="2500" dirty="0"/>
+              <a:t> </a:t>
+            </a:r>
+            <a:r>
+              <a:rPr lang="en-US" sz="2500" dirty="0" err="1"/>
               <a:t>hoạch</a:t>
             </a:r>
             <a:r>
-              <a:rPr lang="en-US" sz="2800" dirty="0"/>
-              <a:t> </a:t>
-            </a:r>
-            <a:r>
-              <a:rPr lang="en-US" sz="2800" dirty="0" err="1"/>
+              <a:rPr lang="en-US" sz="2500" dirty="0"/>
+              <a:t> </a:t>
+            </a:r>
+            <a:r>
+              <a:rPr lang="en-US" sz="2500" dirty="0" err="1"/>
               <a:t>của</a:t>
             </a:r>
             <a:r>
-              <a:rPr lang="en-US" sz="2800" dirty="0"/>
-              <a:t> </a:t>
-            </a:r>
-            <a:r>
-              <a:rPr lang="en-US" sz="2800" dirty="0" err="1"/>
+              <a:rPr lang="en-US" sz="2500" dirty="0"/>
+              <a:t> </a:t>
+            </a:r>
+            <a:r>
+              <a:rPr lang="en-US" sz="2500" dirty="0" err="1"/>
               <a:t>nhân</a:t>
             </a:r>
             <a:r>
-              <a:rPr lang="en-US" sz="2800" dirty="0"/>
-              <a:t> </a:t>
-            </a:r>
-            <a:r>
-              <a:rPr lang="en-US" sz="2800" dirty="0" err="1"/>
+              <a:rPr lang="en-US" sz="2500" dirty="0"/>
+              <a:t> </a:t>
+            </a:r>
+            <a:r>
+              <a:rPr lang="en-US" sz="2500" dirty="0" err="1"/>
               <a:t>viên</a:t>
             </a:r>
             <a:r>
-              <a:rPr lang="en-US" sz="2800" dirty="0"/>
-              <a:t> </a:t>
-            </a:r>
-            <a:r>
-              <a:rPr lang="en-US" sz="2800" dirty="0" err="1"/>
+              <a:rPr lang="en-US" sz="2500" dirty="0"/>
+              <a:t> </a:t>
+            </a:r>
+            <a:r>
+              <a:rPr lang="en-US" sz="2500" dirty="0" err="1"/>
               <a:t>theo</a:t>
             </a:r>
             <a:r>
-              <a:rPr lang="en-US" sz="2800" dirty="0"/>
-              <a:t> </a:t>
-            </a:r>
-            <a:r>
-              <a:rPr lang="en-US" sz="2800" dirty="0" err="1"/>
+              <a:rPr lang="en-US" sz="2500" dirty="0"/>
+              <a:t> </a:t>
+            </a:r>
+            <a:r>
+              <a:rPr lang="en-US" sz="2500" dirty="0" err="1"/>
               <a:t>thời</a:t>
             </a:r>
             <a:r>
-              <a:rPr lang="en-US" sz="2800" dirty="0"/>
-              <a:t> </a:t>
-            </a:r>
-            <a:r>
-              <a:rPr lang="en-US" sz="2800" dirty="0" err="1"/>
+              <a:rPr lang="en-US" sz="2500" dirty="0"/>
+              <a:t> </a:t>
+            </a:r>
+            <a:r>
+              <a:rPr lang="en-US" sz="2500" dirty="0" err="1"/>
               <a:t>gian</a:t>
             </a:r>
-            <a:endParaRPr lang="en-US" sz="2800" dirty="0"/>
+            <a:endParaRPr lang="en-US" sz="2500" dirty="0"/>
           </a:p>
           <a:p>
             <a:pPr lvl="1"/>
             <a:r>
-              <a:rPr lang="en-US" sz="2800" dirty="0"/>
+              <a:rPr lang="en-US" sz="2500" dirty="0"/>
               <a:t>So </a:t>
             </a:r>
             <a:r>
-              <a:rPr lang="en-US" sz="2800" dirty="0" err="1"/>
+              <a:rPr lang="en-US" sz="2500" dirty="0" err="1"/>
               <a:t>sánh</a:t>
             </a:r>
             <a:r>
-              <a:rPr lang="en-US" sz="2800" dirty="0"/>
-              <a:t> </a:t>
-            </a:r>
-            <a:r>
-              <a:rPr lang="en-US" sz="2800" dirty="0" err="1"/>
+              <a:rPr lang="en-US" sz="2500" dirty="0"/>
+              <a:t> </a:t>
+            </a:r>
+            <a:r>
+              <a:rPr lang="en-US" sz="2500" dirty="0" err="1"/>
               <a:t>kế</a:t>
             </a:r>
             <a:r>
-              <a:rPr lang="en-US" sz="2800" dirty="0"/>
-              <a:t> </a:t>
-            </a:r>
-            <a:r>
-              <a:rPr lang="en-US" sz="2800" dirty="0" err="1"/>
+              <a:rPr lang="en-US" sz="2500" dirty="0"/>
+              <a:t> </a:t>
+            </a:r>
+            <a:r>
+              <a:rPr lang="en-US" sz="2500" dirty="0" err="1"/>
               <a:t>hoạch</a:t>
             </a:r>
             <a:r>
-              <a:rPr lang="en-US" sz="2800" dirty="0"/>
+              <a:rPr lang="en-US" sz="2500" dirty="0"/>
               <a:t> so </a:t>
             </a:r>
             <a:r>
-              <a:rPr lang="en-US" sz="2800" dirty="0" err="1"/>
+              <a:rPr lang="en-US" sz="2500" dirty="0" err="1"/>
               <a:t>với</a:t>
             </a:r>
             <a:r>
-              <a:rPr lang="en-US" sz="2800" dirty="0"/>
-              <a:t> </a:t>
-            </a:r>
-            <a:r>
-              <a:rPr lang="en-US" sz="2800" dirty="0" err="1"/>
+              <a:rPr lang="en-US" sz="2500" dirty="0"/>
+              <a:t> </a:t>
+            </a:r>
+            <a:r>
+              <a:rPr lang="en-US" sz="2500" dirty="0" err="1"/>
               <a:t>ngày</a:t>
             </a:r>
             <a:r>
-              <a:rPr lang="en-US" sz="2800" dirty="0"/>
-              <a:t> </a:t>
-            </a:r>
-            <a:r>
-              <a:rPr lang="en-US" sz="2800" dirty="0" err="1"/>
+              <a:rPr lang="en-US" sz="2500" dirty="0"/>
+              <a:t> </a:t>
+            </a:r>
+            <a:r>
+              <a:rPr lang="en-US" sz="2500" dirty="0" err="1"/>
               <a:t>làm</a:t>
             </a:r>
             <a:r>
-              <a:rPr lang="en-US" sz="2800" dirty="0"/>
-              <a:t> </a:t>
-            </a:r>
-            <a:r>
-              <a:rPr lang="en-US" sz="2800" dirty="0" err="1"/>
+              <a:rPr lang="en-US" sz="2500" dirty="0"/>
+              <a:t> </a:t>
+            </a:r>
+            <a:r>
+              <a:rPr lang="en-US" sz="2500" dirty="0" err="1"/>
               <a:t>việc</a:t>
             </a:r>
             <a:r>
-              <a:rPr lang="en-US" sz="2800" dirty="0"/>
-              <a:t> </a:t>
-            </a:r>
-            <a:r>
-              <a:rPr lang="en-US" sz="2800" dirty="0" err="1"/>
+              <a:rPr lang="en-US" sz="2500" dirty="0"/>
+              <a:t> </a:t>
+            </a:r>
+            <a:r>
+              <a:rPr lang="en-US" sz="2500" dirty="0" err="1"/>
               <a:t>thực</a:t>
             </a:r>
             <a:r>
-              <a:rPr lang="en-US" sz="2800" dirty="0"/>
-              <a:t> </a:t>
-            </a:r>
-            <a:r>
-              <a:rPr lang="en-US" sz="2800" dirty="0" err="1"/>
+              <a:rPr lang="en-US" sz="2500" dirty="0"/>
+              <a:t> </a:t>
+            </a:r>
+            <a:r>
+              <a:rPr lang="en-US" sz="2500" dirty="0" err="1"/>
               <a:t>tế</a:t>
             </a:r>
             <a:r>
-              <a:rPr lang="en-US" sz="2800" dirty="0"/>
-              <a:t> </a:t>
-            </a:r>
-            <a:r>
-              <a:rPr lang="en-US" sz="2800" dirty="0" err="1"/>
+              <a:rPr lang="en-US" sz="2500" dirty="0"/>
+              <a:t> </a:t>
+            </a:r>
+            <a:r>
+              <a:rPr lang="en-US" sz="2500" dirty="0" err="1"/>
               <a:t>của</a:t>
             </a:r>
             <a:r>
-              <a:rPr lang="en-US" sz="2800" dirty="0"/>
-              <a:t> </a:t>
-            </a:r>
-            <a:r>
-              <a:rPr lang="en-US" sz="2800" dirty="0" err="1"/>
+              <a:rPr lang="en-US" sz="2500" dirty="0"/>
+              <a:t> </a:t>
+            </a:r>
+            <a:r>
+              <a:rPr lang="en-US" sz="2500" dirty="0" err="1"/>
               <a:t>nhân</a:t>
             </a:r>
             <a:r>
-              <a:rPr lang="en-US" sz="2800" dirty="0"/>
-              <a:t> </a:t>
-            </a:r>
-            <a:r>
-              <a:rPr lang="en-US" sz="2800" dirty="0" err="1"/>
+              <a:rPr lang="en-US" sz="2500" dirty="0"/>
+              <a:t> </a:t>
+            </a:r>
+            <a:r>
+              <a:rPr lang="en-US" sz="2500" dirty="0" err="1"/>
               <a:t>viên</a:t>
             </a:r>
-            <a:endParaRPr lang="en-US" sz="2800" dirty="0"/>
+            <a:endParaRPr lang="en-US" sz="2500" dirty="0"/>
           </a:p>
           <a:p>
             <a:pPr lvl="1"/>
             <a:r>
-              <a:rPr lang="en-US" sz="2800" dirty="0" err="1"/>
+              <a:rPr lang="en-US" sz="2500" dirty="0" err="1"/>
               <a:t>Xem</a:t>
             </a:r>
             <a:r>
-              <a:rPr lang="en-US" sz="2800" dirty="0"/>
+              <a:rPr lang="en-US" sz="2500" dirty="0"/>
               <a:t> album </a:t>
             </a:r>
             <a:r>
-              <a:rPr lang="en-US" sz="2800" dirty="0" err="1"/>
+              <a:rPr lang="en-US" sz="2500" dirty="0" err="1"/>
               <a:t>hình</a:t>
             </a:r>
             <a:r>
-              <a:rPr lang="en-US" sz="2800" dirty="0"/>
-              <a:t> </a:t>
-            </a:r>
-            <a:r>
-              <a:rPr lang="en-US" sz="2800" dirty="0" err="1"/>
+              <a:rPr lang="en-US" sz="2500" dirty="0"/>
+              <a:t> </a:t>
+            </a:r>
+            <a:r>
+              <a:rPr lang="en-US" sz="2500" dirty="0" err="1"/>
               <a:t>ảnh</a:t>
             </a:r>
             <a:r>
-              <a:rPr lang="en-US" sz="2800" dirty="0"/>
-              <a:t> </a:t>
-            </a:r>
-            <a:r>
-              <a:rPr lang="en-US" sz="2800" dirty="0" err="1"/>
+              <a:rPr lang="en-US" sz="2500" dirty="0"/>
+              <a:t> </a:t>
+            </a:r>
+            <a:r>
+              <a:rPr lang="en-US" sz="2500" dirty="0" err="1"/>
               <a:t>của</a:t>
             </a:r>
             <a:r>
-              <a:rPr lang="en-US" sz="2800" dirty="0"/>
-              <a:t> </a:t>
-            </a:r>
-            <a:r>
-              <a:rPr lang="en-US" sz="2800" dirty="0" err="1"/>
+              <a:rPr lang="en-US" sz="2500" dirty="0"/>
+              <a:t> </a:t>
+            </a:r>
+            <a:r>
+              <a:rPr lang="en-US" sz="2500" dirty="0" err="1"/>
               <a:t>các</a:t>
             </a:r>
             <a:r>
-              <a:rPr lang="en-US" sz="2800" dirty="0"/>
-              <a:t> </a:t>
-            </a:r>
-            <a:r>
-              <a:rPr lang="en-US" sz="2800" dirty="0" err="1"/>
+              <a:rPr lang="en-US" sz="2500" dirty="0"/>
+              <a:t> </a:t>
+            </a:r>
+            <a:r>
+              <a:rPr lang="en-US" sz="2500" dirty="0" err="1"/>
               <a:t>đại</a:t>
             </a:r>
             <a:r>
-              <a:rPr lang="en-US" sz="2800" dirty="0"/>
-              <a:t> </a:t>
-            </a:r>
-            <a:r>
-              <a:rPr lang="en-US" sz="2800" dirty="0" err="1"/>
+              <a:rPr lang="en-US" sz="2500" dirty="0"/>
+              <a:t> </a:t>
+            </a:r>
+            <a:r>
+              <a:rPr lang="en-US" sz="2500" dirty="0" err="1"/>
               <a:t>lý</a:t>
             </a:r>
             <a:r>
-              <a:rPr lang="en-US" sz="2800" dirty="0"/>
+              <a:rPr lang="en-US" sz="2500" dirty="0"/>
               <a:t>, </a:t>
             </a:r>
             <a:r>
-              <a:rPr lang="en-US" sz="2800" dirty="0" err="1"/>
+              <a:rPr lang="en-US" sz="2500" dirty="0" err="1"/>
               <a:t>cập</a:t>
             </a:r>
             <a:r>
-              <a:rPr lang="en-US" sz="2800" dirty="0"/>
-              <a:t> </a:t>
-            </a:r>
-            <a:r>
-              <a:rPr lang="en-US" sz="2800" dirty="0" err="1"/>
+              <a:rPr lang="en-US" sz="2500" dirty="0"/>
+              <a:t> </a:t>
+            </a:r>
+            <a:r>
+              <a:rPr lang="en-US" sz="2500" dirty="0" err="1"/>
               <a:t>nhật</a:t>
             </a:r>
             <a:r>
-              <a:rPr lang="en-US" sz="2800" dirty="0"/>
-              <a:t> </a:t>
-            </a:r>
-            <a:r>
-              <a:rPr lang="en-US" sz="2800" dirty="0" err="1"/>
+              <a:rPr lang="en-US" sz="2500" dirty="0"/>
+              <a:t> </a:t>
+            </a:r>
+            <a:r>
+              <a:rPr lang="en-US" sz="2500" dirty="0" err="1"/>
               <a:t>ảnh</a:t>
             </a:r>
             <a:r>
-              <a:rPr lang="en-US" sz="2800" dirty="0"/>
-              <a:t> </a:t>
-            </a:r>
-            <a:r>
-              <a:rPr lang="en-US" sz="2800" dirty="0" err="1"/>
+              <a:rPr lang="en-US" sz="2500" dirty="0"/>
+              <a:t> </a:t>
+            </a:r>
+            <a:r>
+              <a:rPr lang="en-US" sz="2500" dirty="0" err="1"/>
               <a:t>đại</a:t>
             </a:r>
             <a:r>
-              <a:rPr lang="en-US" sz="2800" dirty="0"/>
-              <a:t> </a:t>
-            </a:r>
-            <a:r>
-              <a:rPr lang="en-US" sz="2800" dirty="0" err="1"/>
+              <a:rPr lang="en-US" sz="2500" dirty="0"/>
+              <a:t> </a:t>
+            </a:r>
+            <a:r>
+              <a:rPr lang="en-US" sz="2500" dirty="0" err="1"/>
               <a:t>diện</a:t>
             </a:r>
-            <a:endParaRPr lang="en-US" sz="2800" dirty="0"/>
+            <a:endParaRPr lang="en-US" sz="2500" dirty="0"/>
           </a:p>
           <a:p>
             <a:pPr lvl="1"/>
             <a:r>
-              <a:rPr lang="en-US" sz="2800" dirty="0" err="1"/>
+              <a:rPr lang="en-US" sz="2500" dirty="0" err="1"/>
               <a:t>Quản</a:t>
             </a:r>
             <a:r>
-              <a:rPr lang="en-US" sz="2800" dirty="0"/>
-              <a:t> </a:t>
-            </a:r>
-            <a:r>
-              <a:rPr lang="en-US" sz="2800" dirty="0" err="1"/>
+              <a:rPr lang="en-US" sz="2500" dirty="0"/>
+              <a:t> </a:t>
+            </a:r>
+            <a:r>
+              <a:rPr lang="en-US" sz="2500" dirty="0" err="1"/>
               <a:t>lý</a:t>
             </a:r>
             <a:r>
-              <a:rPr lang="en-US" sz="2800" dirty="0"/>
-              <a:t> </a:t>
-            </a:r>
-            <a:r>
-              <a:rPr lang="en-US" sz="2800" dirty="0" err="1"/>
+              <a:rPr lang="en-US" sz="2500" dirty="0"/>
+              <a:t> </a:t>
+            </a:r>
+            <a:r>
+              <a:rPr lang="en-US" sz="2500" dirty="0" err="1"/>
               <a:t>các</a:t>
             </a:r>
             <a:r>
-              <a:rPr lang="en-US" sz="2800" dirty="0"/>
-              <a:t> </a:t>
-            </a:r>
-            <a:r>
-              <a:rPr lang="en-US" sz="2800" dirty="0" err="1"/>
+              <a:rPr lang="en-US" sz="2500" dirty="0"/>
+              <a:t> </a:t>
+            </a:r>
+            <a:r>
+              <a:rPr lang="en-US" sz="2500" dirty="0" err="1"/>
               <a:t>thông</a:t>
             </a:r>
             <a:r>
-              <a:rPr lang="en-US" sz="2800" dirty="0"/>
+              <a:rPr lang="en-US" sz="2500" dirty="0"/>
               <a:t> tin </a:t>
             </a:r>
             <a:r>
-              <a:rPr lang="en-US" sz="2800" dirty="0" err="1"/>
+              <a:rPr lang="en-US" sz="2500" dirty="0" err="1"/>
               <a:t>quản</a:t>
             </a:r>
             <a:r>
-              <a:rPr lang="en-US" sz="2800" dirty="0"/>
-              <a:t> </a:t>
-            </a:r>
-            <a:r>
-              <a:rPr lang="en-US" sz="2800" dirty="0" err="1"/>
+              <a:rPr lang="en-US" sz="2500" dirty="0"/>
+              <a:t> </a:t>
+            </a:r>
+            <a:r>
+              <a:rPr lang="en-US" sz="2500" dirty="0" err="1"/>
               <a:t>trị</a:t>
             </a:r>
             <a:r>
-              <a:rPr lang="en-US" sz="2800" dirty="0"/>
+              <a:rPr lang="en-US" sz="2500" dirty="0"/>
               <a:t> (Backend): </a:t>
             </a:r>
             <a:r>
-              <a:rPr lang="en-US" sz="2800" dirty="0" err="1"/>
+              <a:rPr lang="en-US" sz="2500" dirty="0" err="1"/>
               <a:t>Tài</a:t>
             </a:r>
             <a:r>
-              <a:rPr lang="en-US" sz="2800" dirty="0"/>
-              <a:t> </a:t>
-            </a:r>
-            <a:r>
-              <a:rPr lang="en-US" sz="2800" dirty="0" err="1"/>
+              <a:rPr lang="en-US" sz="2500" dirty="0"/>
+              <a:t> </a:t>
+            </a:r>
+            <a:r>
+              <a:rPr lang="en-US" sz="2500" dirty="0" err="1"/>
               <a:t>khoản</a:t>
             </a:r>
             <a:r>
-              <a:rPr lang="en-US" sz="2800" dirty="0"/>
-              <a:t> </a:t>
-            </a:r>
-            <a:r>
-              <a:rPr lang="en-US" sz="2800" dirty="0" err="1"/>
+              <a:rPr lang="en-US" sz="2500" dirty="0"/>
+              <a:t> </a:t>
+            </a:r>
+            <a:r>
+              <a:rPr lang="en-US" sz="2500" dirty="0" err="1"/>
               <a:t>đăng</a:t>
             </a:r>
             <a:r>
-              <a:rPr lang="en-US" sz="2800" dirty="0"/>
-              <a:t> </a:t>
-            </a:r>
-            <a:r>
-              <a:rPr lang="en-US" sz="2800" dirty="0" err="1"/>
+              <a:rPr lang="en-US" sz="2500" dirty="0"/>
+              <a:t> </a:t>
+            </a:r>
+            <a:r>
+              <a:rPr lang="en-US" sz="2500" dirty="0" err="1"/>
               <a:t>nhập</a:t>
             </a:r>
             <a:r>
-              <a:rPr lang="en-US" sz="2800" dirty="0"/>
+              <a:rPr lang="en-US" sz="2500" dirty="0"/>
               <a:t>, </a:t>
             </a:r>
             <a:r>
-              <a:rPr lang="en-US" sz="2800" dirty="0" err="1"/>
+              <a:rPr lang="en-US" sz="2500" dirty="0" err="1"/>
               <a:t>lịch</a:t>
             </a:r>
             <a:r>
-              <a:rPr lang="en-US" sz="2800" dirty="0"/>
-              <a:t> </a:t>
-            </a:r>
-            <a:r>
-              <a:rPr lang="en-US" sz="2800" dirty="0" err="1"/>
+              <a:rPr lang="en-US" sz="2500" dirty="0"/>
+              <a:t> </a:t>
+            </a:r>
+            <a:r>
+              <a:rPr lang="en-US" sz="2500" dirty="0" err="1"/>
               <a:t>sử</a:t>
             </a:r>
             <a:r>
-              <a:rPr lang="en-US" sz="2800" dirty="0"/>
-              <a:t> </a:t>
-            </a:r>
-            <a:r>
-              <a:rPr lang="en-US" sz="2800" dirty="0" err="1"/>
+              <a:rPr lang="en-US" sz="2500" dirty="0"/>
+              <a:t> </a:t>
+            </a:r>
+            <a:r>
+              <a:rPr lang="en-US" sz="2500" dirty="0" err="1"/>
               <a:t>đăng</a:t>
             </a:r>
             <a:r>
-              <a:rPr lang="en-US" sz="2800" dirty="0"/>
-              <a:t> </a:t>
-            </a:r>
-            <a:r>
-              <a:rPr lang="en-US" sz="2800" dirty="0" err="1"/>
+              <a:rPr lang="en-US" sz="2500" dirty="0"/>
+              <a:t> </a:t>
+            </a:r>
+            <a:r>
+              <a:rPr lang="en-US" sz="2500" dirty="0" err="1"/>
               <a:t>nhập</a:t>
             </a:r>
             <a:r>
-              <a:rPr lang="en-US" sz="2800" dirty="0"/>
+              <a:rPr lang="en-US" sz="2500" dirty="0"/>
               <a:t>, </a:t>
             </a:r>
             <a:r>
-              <a:rPr lang="en-US" sz="2800" dirty="0" err="1"/>
+              <a:rPr lang="en-US" sz="2500" dirty="0" err="1"/>
               <a:t>tạo</a:t>
             </a:r>
             <a:r>
-              <a:rPr lang="en-US" sz="2800" dirty="0"/>
-              <a:t> </a:t>
-            </a:r>
-            <a:r>
-              <a:rPr lang="en-US" sz="2800" dirty="0" err="1"/>
+              <a:rPr lang="en-US" sz="2500" dirty="0"/>
+              <a:t> </a:t>
+            </a:r>
+            <a:r>
+              <a:rPr lang="en-US" sz="2500" dirty="0" err="1"/>
               <a:t>thông</a:t>
             </a:r>
             <a:r>
-              <a:rPr lang="en-US" sz="2800" dirty="0"/>
-              <a:t> </a:t>
-            </a:r>
-            <a:r>
-              <a:rPr lang="en-US" sz="2800" dirty="0" err="1"/>
+              <a:rPr lang="en-US" sz="2500" dirty="0"/>
+              <a:t> </a:t>
+            </a:r>
+            <a:r>
+              <a:rPr lang="en-US" sz="2500" dirty="0" err="1"/>
               <a:t>báo</a:t>
             </a:r>
             <a:r>
-              <a:rPr lang="en-US" sz="2800" dirty="0"/>
-              <a:t> </a:t>
-            </a:r>
-            <a:r>
-              <a:rPr lang="en-US" sz="2800" dirty="0" err="1"/>
+              <a:rPr lang="en-US" sz="2500" dirty="0"/>
+              <a:t> </a:t>
+            </a:r>
+            <a:r>
+              <a:rPr lang="en-US" sz="2500" dirty="0" err="1"/>
               <a:t>cho</a:t>
             </a:r>
             <a:r>
-              <a:rPr lang="en-US" sz="2800" dirty="0"/>
-              <a:t> </a:t>
-            </a:r>
-            <a:r>
-              <a:rPr lang="en-US" sz="2800" dirty="0" err="1"/>
+              <a:rPr lang="en-US" sz="2500" dirty="0"/>
+              <a:t> </a:t>
+            </a:r>
+            <a:r>
+              <a:rPr lang="en-US" sz="2500" dirty="0" err="1"/>
               <a:t>những</a:t>
             </a:r>
             <a:r>
-              <a:rPr lang="en-US" sz="2800" dirty="0"/>
-              <a:t> </a:t>
-            </a:r>
-            <a:r>
-              <a:rPr lang="en-US" sz="2800" dirty="0" err="1"/>
+              <a:rPr lang="en-US" sz="2500" dirty="0"/>
+              <a:t> </a:t>
+            </a:r>
+            <a:r>
+              <a:rPr lang="en-US" sz="2500" dirty="0" err="1"/>
               <a:t>người</a:t>
             </a:r>
             <a:r>
-              <a:rPr lang="en-US" sz="2800" dirty="0"/>
-              <a:t> </a:t>
-            </a:r>
-            <a:r>
-              <a:rPr lang="en-US" sz="2800" dirty="0" err="1"/>
+              <a:rPr lang="en-US" sz="2500" dirty="0"/>
+              <a:t> </a:t>
+            </a:r>
+            <a:r>
+              <a:rPr lang="en-US" sz="2500" dirty="0" err="1"/>
               <a:t>dùng</a:t>
             </a:r>
             <a:r>
-              <a:rPr lang="en-US" sz="2800" dirty="0"/>
-              <a:t> </a:t>
-            </a:r>
-            <a:r>
-              <a:rPr lang="en-US" sz="2800" dirty="0" err="1"/>
+              <a:rPr lang="en-US" sz="2500" dirty="0"/>
+              <a:t> </a:t>
+            </a:r>
+            <a:r>
+              <a:rPr lang="en-US" sz="2500" dirty="0" err="1"/>
               <a:t>khác</a:t>
             </a:r>
-            <a:endParaRPr lang="en-US" sz="2800" dirty="0"/>
+            <a:endParaRPr lang="en-US" sz="2500" dirty="0"/>
           </a:p>
           <a:p>
             <a:pPr lvl="1"/>
             <a:r>
-              <a:rPr lang="en-US" sz="2800" dirty="0" err="1" smtClean="0"/>
+              <a:rPr lang="en-US" sz="2500" dirty="0" err="1" smtClean="0"/>
               <a:t>Nhận</a:t>
             </a:r>
             <a:r>
-              <a:rPr lang="en-US" sz="2800" dirty="0" smtClean="0"/>
-              <a:t> </a:t>
-            </a:r>
-            <a:r>
-              <a:rPr lang="en-US" sz="2800" dirty="0" err="1"/>
+              <a:rPr lang="en-US" sz="2500" dirty="0" smtClean="0"/>
+              <a:t> </a:t>
+            </a:r>
+            <a:r>
+              <a:rPr lang="en-US" sz="2500" dirty="0" err="1"/>
               <a:t>mọi</a:t>
             </a:r>
             <a:r>
-              <a:rPr lang="en-US" sz="2800" dirty="0"/>
-              <a:t> </a:t>
-            </a:r>
-            <a:r>
-              <a:rPr lang="en-US" sz="2800" dirty="0" err="1"/>
+              <a:rPr lang="en-US" sz="2500" dirty="0"/>
+              <a:t> </a:t>
+            </a:r>
+            <a:r>
+              <a:rPr lang="en-US" sz="2500" dirty="0" err="1"/>
               <a:t>yêu</a:t>
             </a:r>
             <a:r>
-              <a:rPr lang="en-US" sz="2800" dirty="0"/>
-              <a:t> </a:t>
-            </a:r>
-            <a:r>
-              <a:rPr lang="en-US" sz="2800" dirty="0" err="1"/>
+              <a:rPr lang="en-US" sz="2500" dirty="0"/>
+              <a:t> </a:t>
+            </a:r>
+            <a:r>
+              <a:rPr lang="en-US" sz="2500" dirty="0" err="1"/>
               <a:t>cầu</a:t>
             </a:r>
             <a:r>
-              <a:rPr lang="en-US" sz="2800" dirty="0"/>
-              <a:t> </a:t>
-            </a:r>
-            <a:r>
-              <a:rPr lang="en-US" sz="2800" dirty="0" err="1"/>
+              <a:rPr lang="en-US" sz="2500" dirty="0"/>
+              <a:t> </a:t>
+            </a:r>
+            <a:r>
+              <a:rPr lang="en-US" sz="2500" dirty="0" err="1"/>
               <a:t>từ</a:t>
             </a:r>
             <a:r>
-              <a:rPr lang="en-US" sz="2800" dirty="0"/>
-              <a:t> </a:t>
-            </a:r>
-            <a:r>
-              <a:rPr lang="en-US" sz="2800" dirty="0" err="1"/>
+              <a:rPr lang="en-US" sz="2500" dirty="0"/>
+              <a:t> </a:t>
+            </a:r>
+            <a:r>
+              <a:rPr lang="en-US" sz="2500" dirty="0" err="1"/>
               <a:t>thiết</a:t>
             </a:r>
             <a:r>
-              <a:rPr lang="en-US" sz="2800" dirty="0"/>
-              <a:t> </a:t>
-            </a:r>
-            <a:r>
-              <a:rPr lang="en-US" sz="2800" dirty="0" err="1"/>
+              <a:rPr lang="en-US" sz="2500" dirty="0"/>
+              <a:t> </a:t>
+            </a:r>
+            <a:r>
+              <a:rPr lang="en-US" sz="2500" dirty="0" err="1"/>
               <a:t>bị</a:t>
             </a:r>
             <a:r>
-              <a:rPr lang="en-US" sz="2800" dirty="0"/>
+              <a:rPr lang="en-US" sz="2500" dirty="0"/>
               <a:t> di </a:t>
             </a:r>
             <a:r>
-              <a:rPr lang="en-US" sz="2800" dirty="0" err="1"/>
+              <a:rPr lang="en-US" sz="2500" dirty="0" err="1"/>
               <a:t>động</a:t>
             </a:r>
             <a:r>
-              <a:rPr lang="en-US" sz="2800" dirty="0"/>
+              <a:rPr lang="en-US" sz="2500" dirty="0"/>
               <a:t>: </a:t>
             </a:r>
             <a:r>
-              <a:rPr lang="en-US" sz="2800" dirty="0" err="1"/>
+              <a:rPr lang="en-US" sz="2500" dirty="0" err="1"/>
               <a:t>Lấy</a:t>
             </a:r>
             <a:r>
-              <a:rPr lang="en-US" sz="2800" dirty="0"/>
-              <a:t> </a:t>
-            </a:r>
-            <a:r>
-              <a:rPr lang="en-US" sz="2800" dirty="0" err="1"/>
+              <a:rPr lang="en-US" sz="2500" dirty="0"/>
+              <a:t> </a:t>
+            </a:r>
+            <a:r>
+              <a:rPr lang="en-US" sz="2500" dirty="0" err="1"/>
               <a:t>dữ</a:t>
             </a:r>
             <a:r>
-              <a:rPr lang="en-US" sz="2800" dirty="0"/>
-              <a:t> </a:t>
-            </a:r>
-            <a:r>
-              <a:rPr lang="en-US" sz="2800" dirty="0" err="1"/>
+              <a:rPr lang="en-US" sz="2500" dirty="0"/>
+              <a:t> </a:t>
+            </a:r>
+            <a:r>
+              <a:rPr lang="en-US" sz="2500" dirty="0" err="1"/>
               <a:t>liệu</a:t>
             </a:r>
             <a:r>
-              <a:rPr lang="en-US" sz="2800" dirty="0"/>
+              <a:rPr lang="en-US" sz="2500" dirty="0"/>
               <a:t>, </a:t>
             </a:r>
             <a:r>
-              <a:rPr lang="en-US" sz="2800" dirty="0" err="1"/>
+              <a:rPr lang="en-US" sz="2500" dirty="0" err="1"/>
               <a:t>nhận</a:t>
             </a:r>
             <a:r>
-              <a:rPr lang="en-US" sz="2800" dirty="0"/>
-              <a:t> </a:t>
-            </a:r>
-            <a:r>
-              <a:rPr lang="en-US" sz="2800" dirty="0" err="1"/>
+              <a:rPr lang="en-US" sz="2500" dirty="0"/>
+              <a:t> </a:t>
+            </a:r>
+            <a:r>
+              <a:rPr lang="en-US" sz="2500" dirty="0" err="1"/>
               <a:t>dữ</a:t>
             </a:r>
             <a:r>
-              <a:rPr lang="en-US" sz="2800" dirty="0"/>
-              <a:t> </a:t>
-            </a:r>
-            <a:r>
-              <a:rPr lang="en-US" sz="2800" dirty="0" err="1"/>
+              <a:rPr lang="en-US" sz="2500" dirty="0"/>
+              <a:t> </a:t>
+            </a:r>
+            <a:r>
+              <a:rPr lang="en-US" sz="2500" dirty="0" err="1"/>
               <a:t>liệu</a:t>
             </a:r>
             <a:r>
-              <a:rPr lang="en-US" sz="2800" dirty="0"/>
-              <a:t> </a:t>
-            </a:r>
-            <a:r>
-              <a:rPr lang="en-US" sz="2800" dirty="0" err="1"/>
+              <a:rPr lang="en-US" sz="2500" dirty="0"/>
+              <a:t> </a:t>
+            </a:r>
+            <a:r>
+              <a:rPr lang="en-US" sz="2500" dirty="0" err="1"/>
               <a:t>và</a:t>
             </a:r>
             <a:r>
-              <a:rPr lang="en-US" sz="2800" dirty="0"/>
-              <a:t> </a:t>
-            </a:r>
-            <a:r>
-              <a:rPr lang="en-US" sz="2800" dirty="0" err="1"/>
+              <a:rPr lang="en-US" sz="2500" dirty="0"/>
+              <a:t> </a:t>
+            </a:r>
+            <a:r>
+              <a:rPr lang="en-US" sz="2500" dirty="0" err="1"/>
               <a:t>lưu</a:t>
             </a:r>
             <a:r>
-              <a:rPr lang="en-US" sz="2800" dirty="0"/>
-              <a:t> </a:t>
-            </a:r>
-            <a:r>
-              <a:rPr lang="en-US" sz="2800" dirty="0" err="1"/>
+              <a:rPr lang="en-US" sz="2500" dirty="0"/>
+              <a:t> </a:t>
+            </a:r>
+            <a:r>
+              <a:rPr lang="en-US" sz="2500" dirty="0" err="1"/>
               <a:t>lại</a:t>
             </a:r>
             <a:r>
-              <a:rPr lang="en-US" sz="2800" dirty="0"/>
-              <a:t> </a:t>
-            </a:r>
-            <a:r>
-              <a:rPr lang="en-US" sz="2800" dirty="0" err="1"/>
+              <a:rPr lang="en-US" sz="2500" dirty="0"/>
+              <a:t> </a:t>
+            </a:r>
+            <a:r>
+              <a:rPr lang="en-US" sz="2500" dirty="0" err="1"/>
               <a:t>trên</a:t>
             </a:r>
             <a:r>
-              <a:rPr lang="en-US" sz="2800" dirty="0"/>
-              <a:t> </a:t>
-            </a:r>
-            <a:r>
-              <a:rPr lang="en-US" sz="2800" dirty="0" err="1"/>
+              <a:rPr lang="en-US" sz="2500" dirty="0"/>
+              <a:t> </a:t>
+            </a:r>
+            <a:r>
+              <a:rPr lang="en-US" sz="2500" dirty="0" err="1"/>
               <a:t>hệ</a:t>
             </a:r>
             <a:r>
-              <a:rPr lang="en-US" sz="2800" dirty="0"/>
-              <a:t> </a:t>
-            </a:r>
-            <a:r>
-              <a:rPr lang="en-US" sz="2800" dirty="0" err="1"/>
+              <a:rPr lang="en-US" sz="2500" dirty="0"/>
+              <a:t> </a:t>
+            </a:r>
+            <a:r>
+              <a:rPr lang="en-US" sz="2500" dirty="0" err="1"/>
               <a:t>thống</a:t>
             </a:r>
             <a:r>
-              <a:rPr lang="en-US" sz="2800" dirty="0"/>
+              <a:rPr lang="en-US" sz="2500" dirty="0"/>
               <a:t> </a:t>
             </a:r>
           </a:p>
@@ -25516,6 +25559,78 @@
               <a:rPr lang="en-US" sz="2800" dirty="0" err="1" smtClean="0"/>
               <a:t>hàng</a:t>
             </a:r>
+            <a:r>
+              <a:rPr lang="en-US" sz="2800" dirty="0" smtClean="0"/>
+              <a:t>. </a:t>
+            </a:r>
+            <a:r>
+              <a:rPr lang="en-US" sz="2800" dirty="0" err="1" smtClean="0"/>
+              <a:t>Vị</a:t>
+            </a:r>
+            <a:r>
+              <a:rPr lang="en-US" sz="2800" dirty="0" smtClean="0"/>
+              <a:t> </a:t>
+            </a:r>
+            <a:r>
+              <a:rPr lang="en-US" sz="2800" dirty="0" err="1" smtClean="0"/>
+              <a:t>trí</a:t>
+            </a:r>
+            <a:r>
+              <a:rPr lang="en-US" sz="2800" dirty="0" smtClean="0"/>
+              <a:t> </a:t>
+            </a:r>
+            <a:r>
+              <a:rPr lang="en-US" sz="2800" dirty="0" err="1" smtClean="0"/>
+              <a:t>khách</a:t>
+            </a:r>
+            <a:r>
+              <a:rPr lang="en-US" sz="2800" dirty="0" smtClean="0"/>
+              <a:t> </a:t>
+            </a:r>
+            <a:r>
+              <a:rPr lang="en-US" sz="2800" dirty="0" err="1" smtClean="0"/>
+              <a:t>hàng</a:t>
+            </a:r>
+            <a:r>
+              <a:rPr lang="en-US" sz="2800" dirty="0" smtClean="0"/>
+              <a:t>, </a:t>
+            </a:r>
+            <a:r>
+              <a:rPr lang="en-US" sz="2800" dirty="0" err="1" smtClean="0"/>
+              <a:t>lộ</a:t>
+            </a:r>
+            <a:r>
+              <a:rPr lang="en-US" sz="2800" dirty="0" smtClean="0"/>
+              <a:t> </a:t>
+            </a:r>
+            <a:r>
+              <a:rPr lang="en-US" sz="2800" dirty="0" err="1" smtClean="0"/>
+              <a:t>trình</a:t>
+            </a:r>
+            <a:r>
+              <a:rPr lang="en-US" sz="2800" dirty="0" smtClean="0"/>
+              <a:t> </a:t>
+            </a:r>
+            <a:r>
+              <a:rPr lang="en-US" sz="2800" dirty="0" err="1" smtClean="0"/>
+              <a:t>của</a:t>
+            </a:r>
+            <a:r>
+              <a:rPr lang="en-US" sz="2800" dirty="0" smtClean="0"/>
+              <a:t> </a:t>
+            </a:r>
+            <a:r>
+              <a:rPr lang="en-US" sz="2800" dirty="0" err="1" smtClean="0"/>
+              <a:t>nhân</a:t>
+            </a:r>
+            <a:r>
+              <a:rPr lang="en-US" sz="2800" dirty="0" smtClean="0"/>
+              <a:t> </a:t>
+            </a:r>
+            <a:r>
+              <a:rPr lang="en-US" sz="2800" dirty="0" err="1" smtClean="0"/>
+              <a:t>viên</a:t>
+            </a:r>
             <a:endParaRPr lang="en-US" sz="2800" dirty="0"/>
           </a:p>
           <a:p>
@@ -25543,6 +25658,13 @@
   <p:clrMapOvr>
     <a:masterClrMapping/>
   </p:clrMapOvr>
+  <p:timing>
+    <p:tnLst>
+      <p:par>
+        <p:cTn id="1" dur="indefinite" restart="never" nodeType="tmRoot"/>
+      </p:par>
+    </p:tnLst>
+  </p:timing>
 </p:sld>
 </file>
 
@@ -25604,7 +25726,12 @@
             <p:ph idx="1"/>
           </p:nvPr>
         </p:nvSpPr>
-        <p:spPr/>
+        <p:spPr>
+          <a:xfrm>
+            <a:off x="152400" y="1076325"/>
+            <a:ext cx="8839200" cy="5248275"/>
+          </a:xfrm>
+        </p:spPr>
         <p:txBody>
           <a:bodyPr/>
           <a:lstStyle/>
@@ -25691,6 +25818,74 @@
             <a:endParaRPr lang="en-US" sz="2800" dirty="0" smtClean="0"/>
           </a:p>
           <a:p>
+            <a:pPr marL="479425" lvl="1" indent="0">
+              <a:buNone/>
+            </a:pPr>
+            <a:r>
+              <a:rPr lang="en-US" sz="2800" dirty="0"/>
+              <a:t> </a:t>
+            </a:r>
+            <a:r>
+              <a:rPr lang="en-US" sz="2800" dirty="0" smtClean="0"/>
+              <a:t>   </a:t>
+            </a:r>
+            <a:r>
+              <a:rPr lang="en-US" sz="2800" dirty="0" smtClean="0">
+                <a:sym typeface="Symbol"/>
+              </a:rPr>
+              <a:t> </a:t>
+            </a:r>
+            <a:r>
+              <a:rPr lang="en-US" sz="2800" i="1" dirty="0" err="1" smtClean="0">
+                <a:sym typeface="Symbol"/>
+              </a:rPr>
+              <a:t>Để</a:t>
+            </a:r>
+            <a:r>
+              <a:rPr lang="en-US" sz="2800" i="1" dirty="0" smtClean="0">
+                <a:sym typeface="Symbol"/>
+              </a:rPr>
+              <a:t> </a:t>
+            </a:r>
+            <a:r>
+              <a:rPr lang="en-US" sz="2800" i="1" dirty="0" err="1" smtClean="0">
+                <a:sym typeface="Symbol"/>
+              </a:rPr>
+              <a:t>quản</a:t>
+            </a:r>
+            <a:r>
+              <a:rPr lang="en-US" sz="2800" i="1" dirty="0" smtClean="0">
+                <a:sym typeface="Symbol"/>
+              </a:rPr>
+              <a:t> </a:t>
+            </a:r>
+            <a:r>
+              <a:rPr lang="en-US" sz="2800" i="1" dirty="0" err="1" smtClean="0">
+                <a:sym typeface="Symbol"/>
+              </a:rPr>
+              <a:t>lý</a:t>
+            </a:r>
+            <a:r>
+              <a:rPr lang="en-US" sz="2800" i="1" dirty="0" smtClean="0">
+                <a:sym typeface="Symbol"/>
+              </a:rPr>
+              <a:t> </a:t>
+            </a:r>
+            <a:r>
+              <a:rPr lang="en-US" sz="2800" i="1" dirty="0" err="1" smtClean="0">
+                <a:sym typeface="Symbol"/>
+              </a:rPr>
+              <a:t>thông</a:t>
+            </a:r>
+            <a:r>
+              <a:rPr lang="en-US" sz="2800" i="1" dirty="0" smtClean="0">
+                <a:sym typeface="Symbol"/>
+              </a:rPr>
+              <a:t> tin</a:t>
+            </a:r>
+            <a:endParaRPr lang="en-US" sz="2800" i="1" dirty="0" smtClean="0"/>
+          </a:p>
+          <a:p>
             <a:pPr lvl="1"/>
             <a:r>
               <a:rPr lang="en-US" sz="2800" dirty="0" err="1" smtClean="0"/>
@@ -25770,8 +25965,150 @@
             </a:r>
             <a:r>
               <a:rPr lang="en-US" sz="2800" dirty="0" smtClean="0"/>
-              <a:t> minh</a:t>
-            </a:r>
+              <a:t> </a:t>
+            </a:r>
+            <a:r>
+              <a:rPr lang="en-US" sz="2800" dirty="0" smtClean="0"/>
+              <a:t>minh</a:t>
+            </a:r>
+          </a:p>
+          <a:p>
+            <a:pPr marL="957262" lvl="2" indent="0">
+              <a:buNone/>
+            </a:pPr>
+            <a:r>
+              <a:rPr lang="en-US" sz="2800" dirty="0" smtClean="0">
+                <a:sym typeface="Symbol"/>
+              </a:rPr>
+              <a:t> </a:t>
+            </a:r>
+            <a:r>
+              <a:rPr lang="en-US" sz="2800" i="1" dirty="0" err="1" smtClean="0">
+                <a:sym typeface="Symbol"/>
+              </a:rPr>
+              <a:t>Để</a:t>
+            </a:r>
+            <a:r>
+              <a:rPr lang="en-US" sz="2800" i="1" dirty="0" smtClean="0">
+                <a:sym typeface="Symbol"/>
+              </a:rPr>
+              <a:t> </a:t>
+            </a:r>
+            <a:r>
+              <a:rPr lang="en-US" sz="2800" i="1" dirty="0" err="1" smtClean="0">
+                <a:sym typeface="Symbol"/>
+              </a:rPr>
+              <a:t>đặt</a:t>
+            </a:r>
+            <a:r>
+              <a:rPr lang="en-US" sz="2800" i="1" dirty="0" smtClean="0">
+                <a:sym typeface="Symbol"/>
+              </a:rPr>
+              <a:t> </a:t>
+            </a:r>
+            <a:r>
+              <a:rPr lang="en-US" sz="2800" i="1" dirty="0" err="1" smtClean="0">
+                <a:sym typeface="Symbol"/>
+              </a:rPr>
+              <a:t>hàng</a:t>
+            </a:r>
+            <a:r>
+              <a:rPr lang="en-US" sz="2800" i="1" dirty="0" smtClean="0">
+                <a:sym typeface="Symbol"/>
+              </a:rPr>
+              <a:t>, </a:t>
+            </a:r>
+            <a:r>
+              <a:rPr lang="en-US" sz="2800" i="1" dirty="0" err="1" smtClean="0">
+                <a:sym typeface="Symbol"/>
+              </a:rPr>
+              <a:t>bán</a:t>
+            </a:r>
+            <a:r>
+              <a:rPr lang="en-US" sz="2800" i="1" dirty="0" smtClean="0">
+                <a:sym typeface="Symbol"/>
+              </a:rPr>
+              <a:t> </a:t>
+            </a:r>
+            <a:r>
+              <a:rPr lang="en-US" sz="2800" i="1" dirty="0" err="1" smtClean="0">
+                <a:sym typeface="Symbol"/>
+              </a:rPr>
+              <a:t>hàng</a:t>
+            </a:r>
+            <a:r>
+              <a:rPr lang="en-US" sz="2800" i="1" dirty="0" smtClean="0">
+                <a:sym typeface="Symbol"/>
+              </a:rPr>
+              <a:t>, </a:t>
+            </a:r>
+            <a:r>
+              <a:rPr lang="en-US" sz="2800" i="1" dirty="0" err="1" smtClean="0">
+                <a:sym typeface="Symbol"/>
+              </a:rPr>
+              <a:t>kiểm</a:t>
+            </a:r>
+            <a:r>
+              <a:rPr lang="en-US" sz="2800" i="1" dirty="0" smtClean="0">
+                <a:sym typeface="Symbol"/>
+              </a:rPr>
+              <a:t> </a:t>
+            </a:r>
+            <a:r>
+              <a:rPr lang="en-US" sz="2800" i="1" dirty="0" err="1" smtClean="0">
+                <a:sym typeface="Symbol"/>
+              </a:rPr>
+              <a:t>kê</a:t>
+            </a:r>
+            <a:r>
+              <a:rPr lang="en-US" sz="2800" i="1" dirty="0" smtClean="0">
+                <a:sym typeface="Symbol"/>
+              </a:rPr>
+              <a:t> </a:t>
+            </a:r>
+            <a:r>
+              <a:rPr lang="en-US" sz="2800" i="1" dirty="0" err="1" smtClean="0">
+                <a:sym typeface="Symbol"/>
+              </a:rPr>
+              <a:t>kho</a:t>
+            </a:r>
+            <a:r>
+              <a:rPr lang="en-US" sz="2800" i="1" dirty="0" smtClean="0">
+                <a:sym typeface="Symbol"/>
+              </a:rPr>
+              <a:t> </a:t>
+            </a:r>
+            <a:r>
+              <a:rPr lang="en-US" sz="2800" i="1" dirty="0" err="1" smtClean="0">
+                <a:sym typeface="Symbol"/>
+              </a:rPr>
+              <a:t>cho</a:t>
+            </a:r>
+            <a:r>
+              <a:rPr lang="en-US" sz="2800" i="1" dirty="0" smtClean="0">
+                <a:sym typeface="Symbol"/>
+              </a:rPr>
+              <a:t> </a:t>
+            </a:r>
+            <a:r>
+              <a:rPr lang="en-US" sz="2800" i="1" dirty="0" err="1" smtClean="0">
+                <a:sym typeface="Symbol"/>
+              </a:rPr>
+              <a:t>nhân</a:t>
+            </a:r>
+            <a:r>
+              <a:rPr lang="en-US" sz="2800" i="1" dirty="0" smtClean="0">
+                <a:sym typeface="Symbol"/>
+              </a:rPr>
+              <a:t> </a:t>
+            </a:r>
+            <a:r>
+              <a:rPr lang="en-US" sz="2800" i="1" dirty="0" err="1" smtClean="0">
+                <a:sym typeface="Symbol"/>
+              </a:rPr>
+              <a:t>viên</a:t>
+            </a:r>
+            <a:endParaRPr lang="en-US" sz="2800" i="1" dirty="0" smtClean="0"/>
           </a:p>
           <a:p>
             <a:pPr lvl="1"/>
@@ -26424,6 +26761,27 @@
           <a:bodyPr/>
           <a:lstStyle/>
           <a:p>
+            <a:pPr marL="0" indent="0">
+              <a:buNone/>
+            </a:pPr>
+            <a:r>
+              <a:rPr lang="en-US" sz="2800" u="sng" dirty="0" err="1" smtClean="0"/>
+              <a:t>Mô</a:t>
+            </a:r>
+            <a:r>
+              <a:rPr lang="en-US" sz="2800" u="sng" dirty="0" smtClean="0"/>
+              <a:t> </a:t>
+            </a:r>
+            <a:r>
+              <a:rPr lang="en-US" sz="2800" u="sng" dirty="0" err="1" smtClean="0"/>
+              <a:t>hình</a:t>
+            </a:r>
+            <a:r>
+              <a:rPr lang="en-US" sz="2800" u="sng" dirty="0" smtClean="0"/>
+              <a:t>:</a:t>
+            </a:r>
+          </a:p>
+          <a:p>
             <a:r>
               <a:rPr lang="en-US" sz="2800" b="0" dirty="0" err="1" smtClean="0"/>
               <a:t>Sử</a:t>
@@ -26621,6 +26979,27 @@
         <p:txBody>
           <a:bodyPr/>
           <a:lstStyle/>
+          <a:p>
+            <a:pPr marL="0" indent="0">
+              <a:buNone/>
+            </a:pPr>
+            <a:r>
+              <a:rPr lang="en-US" sz="2800" u="sng" dirty="0" err="1" smtClean="0"/>
+              <a:t>Công</a:t>
+            </a:r>
+            <a:r>
+              <a:rPr lang="en-US" sz="2800" u="sng" dirty="0" smtClean="0"/>
+              <a:t> </a:t>
+            </a:r>
+            <a:r>
+              <a:rPr lang="en-US" sz="2800" u="sng" dirty="0" err="1" smtClean="0"/>
+              <a:t>nghệ</a:t>
+            </a:r>
+            <a:r>
+              <a:rPr lang="en-US" sz="2800" u="sng" dirty="0" smtClean="0"/>
+              <a:t>:</a:t>
+            </a:r>
+          </a:p>
           <a:p>
             <a:r>
               <a:rPr lang="en-US" sz="2800" b="0" dirty="0" err="1" smtClean="0"/>

--- a/Report/BaoVe/TrinhDien/Slide.pptx
+++ b/Report/BaoVe/TrinhDien/Slide.pptx
@@ -251,7 +251,7 @@
           <a:p>
             <a:fld id="{6C4B228C-91BA-4C5A-9B34-CF38153759C1}" type="datetimeFigureOut">
               <a:rPr lang="en-US" smtClean="0"/>
-              <a:t>6/11/2014</a:t>
+              <a:t>6/12/2014</a:t>
             </a:fld>
             <a:endParaRPr lang="en-US"/>
           </a:p>
@@ -10635,11 +10635,7 @@
             </a:r>
             <a:r>
               <a:rPr lang="en-US" sz="2800" b="0" dirty="0" smtClean="0"/>
-              <a:t> </a:t>
-            </a:r>
-            <a:r>
-              <a:rPr lang="en-US" sz="2800" b="0" dirty="0" smtClean="0"/>
-              <a:t>framework </a:t>
+              <a:t> framework </a:t>
             </a:r>
             <a:r>
               <a:rPr lang="en-US" sz="2800" b="0" dirty="0" err="1" smtClean="0"/>
@@ -11752,182 +11748,6 @@
             <a:endParaRPr lang="en-US" sz="2800" b="0" dirty="0" smtClean="0"/>
           </a:p>
           <a:p>
-            <a:endParaRPr lang="en-US" sz="2800" b="0" dirty="0" smtClean="0"/>
-          </a:p>
-          <a:p>
-            <a:r>
-              <a:rPr lang="en-US" sz="2800" b="0" dirty="0" err="1"/>
-              <a:t>Chương</a:t>
-            </a:r>
-            <a:r>
-              <a:rPr lang="en-US" sz="2800" b="0" dirty="0"/>
-              <a:t> </a:t>
-            </a:r>
-            <a:r>
-              <a:rPr lang="en-US" sz="2800" b="0" dirty="0" err="1"/>
-              <a:t>trình</a:t>
-            </a:r>
-            <a:r>
-              <a:rPr lang="en-US" sz="2800" b="0" dirty="0"/>
-              <a:t> </a:t>
-            </a:r>
-            <a:r>
-              <a:rPr lang="en-US" sz="2800" b="0" dirty="0" err="1"/>
-              <a:t>hoạt</a:t>
-            </a:r>
-            <a:r>
-              <a:rPr lang="en-US" sz="2800" b="0" dirty="0"/>
-              <a:t> </a:t>
-            </a:r>
-            <a:r>
-              <a:rPr lang="en-US" sz="2800" b="0" dirty="0" err="1"/>
-              <a:t>động</a:t>
-            </a:r>
-            <a:r>
-              <a:rPr lang="en-US" sz="2800" b="0" dirty="0"/>
-              <a:t> </a:t>
-            </a:r>
-            <a:r>
-              <a:rPr lang="en-US" sz="2800" b="0" dirty="0" err="1"/>
-              <a:t>theo</a:t>
-            </a:r>
-            <a:r>
-              <a:rPr lang="en-US" sz="2800" b="0" dirty="0"/>
-              <a:t> </a:t>
-            </a:r>
-            <a:r>
-              <a:rPr lang="en-US" sz="2800" b="0" dirty="0" err="1"/>
-              <a:t>đúng</a:t>
-            </a:r>
-            <a:r>
-              <a:rPr lang="en-US" sz="2800" b="0" dirty="0"/>
-              <a:t> </a:t>
-            </a:r>
-            <a:r>
-              <a:rPr lang="en-US" sz="2800" b="0" dirty="0" err="1"/>
-              <a:t>quy</a:t>
-            </a:r>
-            <a:r>
-              <a:rPr lang="en-US" sz="2800" b="0" dirty="0"/>
-              <a:t> </a:t>
-            </a:r>
-            <a:r>
-              <a:rPr lang="en-US" sz="2800" b="0" dirty="0" err="1"/>
-              <a:t>trình</a:t>
-            </a:r>
-            <a:r>
-              <a:rPr lang="en-US" sz="2800" b="0" dirty="0"/>
-              <a:t> </a:t>
-            </a:r>
-            <a:r>
-              <a:rPr lang="en-US" sz="2800" b="0" dirty="0" err="1"/>
-              <a:t>nghiệp</a:t>
-            </a:r>
-            <a:r>
-              <a:rPr lang="en-US" sz="2800" b="0" dirty="0"/>
-              <a:t> </a:t>
-            </a:r>
-            <a:r>
-              <a:rPr lang="en-US" sz="2800" b="0" dirty="0" err="1"/>
-              <a:t>vụ</a:t>
-            </a:r>
-            <a:r>
-              <a:rPr lang="en-US" sz="2800" b="0" dirty="0"/>
-              <a:t> </a:t>
-            </a:r>
-            <a:r>
-              <a:rPr lang="en-US" sz="2800" b="0" dirty="0" err="1"/>
-              <a:t>và</a:t>
-            </a:r>
-            <a:r>
-              <a:rPr lang="en-US" sz="2800" b="0" dirty="0"/>
-              <a:t> </a:t>
-            </a:r>
-            <a:r>
-              <a:rPr lang="en-US" sz="2800" b="0" dirty="0" err="1"/>
-              <a:t>cho</a:t>
-            </a:r>
-            <a:r>
-              <a:rPr lang="en-US" sz="2800" b="0" dirty="0"/>
-              <a:t> </a:t>
-            </a:r>
-            <a:r>
-              <a:rPr lang="en-US" sz="2800" b="0" dirty="0" err="1"/>
-              <a:t>kết</a:t>
-            </a:r>
-            <a:r>
-              <a:rPr lang="en-US" sz="2800" b="0" dirty="0"/>
-              <a:t> </a:t>
-            </a:r>
-            <a:r>
-              <a:rPr lang="en-US" sz="2800" b="0" dirty="0" err="1"/>
-              <a:t>quả</a:t>
-            </a:r>
-            <a:r>
-              <a:rPr lang="en-US" sz="2800" b="0" dirty="0"/>
-              <a:t> </a:t>
-            </a:r>
-            <a:r>
-              <a:rPr lang="en-US" sz="2800" b="0" dirty="0" err="1"/>
-              <a:t>hiển</a:t>
-            </a:r>
-            <a:r>
-              <a:rPr lang="en-US" sz="2800" b="0" dirty="0"/>
-              <a:t> </a:t>
-            </a:r>
-            <a:r>
-              <a:rPr lang="en-US" sz="2800" b="0" dirty="0" err="1"/>
-              <a:t>thị</a:t>
-            </a:r>
-            <a:r>
-              <a:rPr lang="en-US" sz="2800" b="0" dirty="0"/>
-              <a:t> </a:t>
-            </a:r>
-            <a:r>
-              <a:rPr lang="en-US" sz="2800" b="0" dirty="0" err="1"/>
-              <a:t>đúng</a:t>
-            </a:r>
-            <a:r>
-              <a:rPr lang="en-US" sz="2800" b="0" dirty="0"/>
-              <a:t>, </a:t>
-            </a:r>
-            <a:r>
-              <a:rPr lang="en-US" sz="2800" b="0" dirty="0" err="1"/>
-              <a:t>không</a:t>
-            </a:r>
-            <a:r>
-              <a:rPr lang="en-US" sz="2800" b="0" dirty="0"/>
-              <a:t> </a:t>
-            </a:r>
-            <a:r>
-              <a:rPr lang="en-US" sz="2800" b="0" dirty="0" err="1"/>
-              <a:t>xảy</a:t>
-            </a:r>
-            <a:r>
-              <a:rPr lang="en-US" sz="2800" b="0" dirty="0"/>
-              <a:t> </a:t>
-            </a:r>
-            <a:r>
-              <a:rPr lang="en-US" sz="2800" b="0" dirty="0" err="1"/>
-              <a:t>ra</a:t>
-            </a:r>
-            <a:r>
-              <a:rPr lang="en-US" sz="2800" b="0" dirty="0"/>
-              <a:t> </a:t>
-            </a:r>
-            <a:r>
-              <a:rPr lang="en-US" sz="2800" b="0" dirty="0" err="1"/>
-              <a:t>lỗi</a:t>
-            </a:r>
-            <a:endParaRPr lang="en-US" sz="2800" b="0" dirty="0"/>
-          </a:p>
-          <a:p>
-            <a:pPr marL="0" indent="0">
-              <a:buNone/>
-            </a:pPr>
-            <a:endParaRPr lang="en-US" sz="2800" b="0" dirty="0" smtClean="0"/>
-          </a:p>
-          <a:p>
             <a:r>
               <a:rPr lang="en-US" sz="2800" b="0" dirty="0" err="1" smtClean="0"/>
               <a:t>Hệ</a:t>
@@ -12688,7 +12508,35 @@
             </a:r>
             <a:r>
               <a:rPr lang="en-US" sz="2800" b="0" dirty="0" smtClean="0"/>
-              <a:t> https </a:t>
+              <a:t> </a:t>
+            </a:r>
+            <a:r>
+              <a:rPr lang="en-US" sz="2800" b="0" dirty="0" smtClean="0"/>
+              <a:t>https, </a:t>
+            </a:r>
+            <a:r>
+              <a:rPr lang="en-US" sz="2800" b="0" dirty="0" err="1" smtClean="0"/>
+              <a:t>chữ</a:t>
+            </a:r>
+            <a:r>
+              <a:rPr lang="en-US" sz="2800" b="0" dirty="0" smtClean="0"/>
+              <a:t> </a:t>
+            </a:r>
+            <a:r>
+              <a:rPr lang="en-US" sz="2800" b="0" dirty="0" err="1" smtClean="0"/>
+              <a:t>ký</a:t>
+            </a:r>
+            <a:r>
+              <a:rPr lang="en-US" sz="2800" b="0" dirty="0" smtClean="0"/>
+              <a:t> </a:t>
+            </a:r>
+            <a:r>
+              <a:rPr lang="en-US" sz="2800" b="0" dirty="0" err="1" smtClean="0"/>
+              <a:t>số</a:t>
+            </a:r>
+            <a:r>
+              <a:rPr lang="en-US" sz="2800" b="0" dirty="0" smtClean="0"/>
+              <a:t> </a:t>
             </a:r>
             <a:r>
               <a:rPr lang="en-US" sz="2800" b="0" dirty="0" err="1" smtClean="0"/>
@@ -12727,12 +12575,12 @@
               <a:t>thông</a:t>
             </a:r>
             <a:r>
-              <a:rPr lang="en-US" sz="2800" b="0" dirty="0" smtClean="0"/>
-              <a:t> tin </a:t>
-            </a:r>
-            <a:r>
-              <a:rPr lang="en-US" sz="2800" b="0" dirty="0" err="1" smtClean="0"/>
-              <a:t>hơn</a:t>
+              <a:rPr lang="en-US" sz="2800" b="0" smtClean="0"/>
+              <a:t> </a:t>
+            </a:r>
+            <a:r>
+              <a:rPr lang="en-US" sz="2800" b="0" smtClean="0"/>
+              <a:t>tin</a:t>
             </a:r>
             <a:endParaRPr lang="en-US" sz="2800" dirty="0" smtClean="0"/>
           </a:p>
@@ -19681,6 +19529,88 @@
           </a:p>
         </p:txBody>
       </p:sp>
+      <p:pic>
+        <p:nvPicPr>
+          <p:cNvPr id="1026" name="Picture 2" descr="P:\Users\HP\Desktop\UML-logo.png"/>
+          <p:cNvPicPr>
+            <a:picLocks noChangeAspect="1" noChangeArrowheads="1"/>
+          </p:cNvPicPr>
+          <p:nvPr/>
+        </p:nvPicPr>
+        <p:blipFill>
+          <a:blip r:embed="rId2" cstate="print">
+            <a:extLst>
+              <a:ext uri="{28A0092B-C50C-407E-A947-70E740481C1C}">
+                <a14:useLocalDpi xmlns:a14="http://schemas.microsoft.com/office/drawing/2010/main" val="0"/>
+              </a:ext>
+            </a:extLst>
+          </a:blip>
+          <a:srcRect/>
+          <a:stretch>
+            <a:fillRect/>
+          </a:stretch>
+        </p:blipFill>
+        <p:spPr bwMode="auto">
+          <a:xfrm>
+            <a:off x="762000" y="3248943"/>
+            <a:ext cx="2286000" cy="2451943"/>
+          </a:xfrm>
+          <a:prstGeom prst="rect">
+            <a:avLst/>
+          </a:prstGeom>
+          <a:noFill/>
+          <a:extLst>
+            <a:ext uri="{909E8E84-426E-40DD-AFC4-6F175D3DCCD1}">
+              <a14:hiddenFill xmlns:a14="http://schemas.microsoft.com/office/drawing/2010/main">
+                <a:solidFill>
+                  <a:srgbClr val="FFFFFF"/>
+                </a:solidFill>
+              </a14:hiddenFill>
+            </a:ext>
+          </a:extLst>
+        </p:spPr>
+      </p:pic>
+      <p:pic>
+        <p:nvPicPr>
+          <p:cNvPr id="1027" name="Picture 3" descr="P:\Users\HP\Desktop\mvc-diagram1.png"/>
+          <p:cNvPicPr>
+            <a:picLocks noChangeAspect="1" noChangeArrowheads="1"/>
+          </p:cNvPicPr>
+          <p:nvPr/>
+        </p:nvPicPr>
+        <p:blipFill>
+          <a:blip r:embed="rId3">
+            <a:extLst>
+              <a:ext uri="{28A0092B-C50C-407E-A947-70E740481C1C}">
+                <a14:useLocalDpi xmlns:a14="http://schemas.microsoft.com/office/drawing/2010/main" val="0"/>
+              </a:ext>
+            </a:extLst>
+          </a:blip>
+          <a:srcRect/>
+          <a:stretch>
+            <a:fillRect/>
+          </a:stretch>
+        </p:blipFill>
+        <p:spPr bwMode="auto">
+          <a:xfrm>
+            <a:off x="3733800" y="2743200"/>
+            <a:ext cx="5076825" cy="3629025"/>
+          </a:xfrm>
+          <a:prstGeom prst="rect">
+            <a:avLst/>
+          </a:prstGeom>
+          <a:noFill/>
+          <a:extLst>
+            <a:ext uri="{909E8E84-426E-40DD-AFC4-6F175D3DCCD1}">
+              <a14:hiddenFill xmlns:a14="http://schemas.microsoft.com/office/drawing/2010/main">
+                <a:solidFill>
+                  <a:srgbClr val="FFFFFF"/>
+                </a:solidFill>
+              </a14:hiddenFill>
+            </a:ext>
+          </a:extLst>
+        </p:spPr>
+      </p:pic>
     </p:spTree>
     <p:extLst>
       <p:ext uri="{BB962C8B-B14F-4D97-AF65-F5344CB8AC3E}">
@@ -20081,11 +20011,7 @@
             </a:r>
             <a:r>
               <a:rPr lang="en-US" sz="2800" b="0" dirty="0" smtClean="0"/>
-              <a:t> Google maps </a:t>
-            </a:r>
-            <a:r>
-              <a:rPr lang="en-US" sz="2800" b="0" dirty="0" smtClean="0"/>
-              <a:t>API v3 </a:t>
+              <a:t> Google maps API v3 </a:t>
             </a:r>
             <a:r>
               <a:rPr lang="en-US" sz="2800" b="0" dirty="0" err="1" smtClean="0"/>
@@ -20141,11 +20067,7 @@
             </a:r>
             <a:r>
               <a:rPr lang="en-US" sz="2800" b="0" dirty="0" smtClean="0"/>
-              <a:t> </a:t>
-            </a:r>
-            <a:r>
-              <a:rPr lang="en-US" sz="2800" b="0" dirty="0" smtClean="0"/>
-              <a:t>GPS</a:t>
+              <a:t> GPS</a:t>
             </a:r>
             <a:endParaRPr lang="en-US" sz="2800" b="0" dirty="0"/>
           </a:p>

--- a/Report/BaoVe/TrinhDien/Slide.pptx
+++ b/Report/BaoVe/TrinhDien/Slide.pptx
@@ -6729,27 +6729,27 @@
               <a:t> </a:t>
             </a:r>
             <a:r>
-              <a:rPr lang="en-US" sz="2800" dirty="0" err="1"/>
-              <a:t>của</a:t>
-            </a:r>
-            <a:r>
-              <a:rPr lang="en-US" sz="2800" dirty="0"/>
-              <a:t> </a:t>
-            </a:r>
-            <a:r>
-              <a:rPr lang="en-US" sz="2800" dirty="0" err="1"/>
-              <a:t>hệ</a:t>
-            </a:r>
-            <a:r>
-              <a:rPr lang="en-US" sz="2800" dirty="0"/>
-              <a:t> </a:t>
-            </a:r>
-            <a:r>
-              <a:rPr lang="en-US" sz="2800" dirty="0" err="1"/>
-              <a:t>thống</a:t>
-            </a:r>
-            <a:r>
-              <a:rPr lang="en-US" sz="2800" dirty="0"/>
+              <a:rPr lang="en-US" sz="2800" dirty="0" err="1" smtClean="0"/>
+              <a:t>về</a:t>
+            </a:r>
+            <a:r>
+              <a:rPr lang="en-US" sz="2800" dirty="0" smtClean="0"/>
+              <a:t> </a:t>
+            </a:r>
+            <a:r>
+              <a:rPr lang="en-US" sz="2800" dirty="0" err="1" smtClean="0"/>
+              <a:t>phân</a:t>
+            </a:r>
+            <a:r>
+              <a:rPr lang="en-US" sz="2800" dirty="0" smtClean="0"/>
+              <a:t> </a:t>
+            </a:r>
+            <a:r>
+              <a:rPr lang="en-US" sz="2800" dirty="0" err="1" smtClean="0"/>
+              <a:t>phối</a:t>
+            </a:r>
+            <a:r>
+              <a:rPr lang="en-US" sz="2800" dirty="0" smtClean="0"/>
               <a:t>: </a:t>
             </a:r>
             <a:r>
@@ -12508,11 +12508,7 @@
             </a:r>
             <a:r>
               <a:rPr lang="en-US" sz="2800" b="0" dirty="0" smtClean="0"/>
-              <a:t> </a:t>
-            </a:r>
-            <a:r>
-              <a:rPr lang="en-US" sz="2800" b="0" dirty="0" smtClean="0"/>
-              <a:t>https, </a:t>
+              <a:t> https, </a:t>
             </a:r>
             <a:r>
               <a:rPr lang="en-US" sz="2800" b="0" dirty="0" err="1" smtClean="0"/>
@@ -12576,11 +12572,7 @@
             </a:r>
             <a:r>
               <a:rPr lang="en-US" sz="2800" b="0" smtClean="0"/>
-              <a:t> </a:t>
-            </a:r>
-            <a:r>
-              <a:rPr lang="en-US" sz="2800" b="0" smtClean="0"/>
-              <a:t>tin</a:t>
+              <a:t> tin</a:t>
             </a:r>
             <a:endParaRPr lang="en-US" sz="2800" dirty="0" smtClean="0"/>
           </a:p>
